--- a/Measurements/20200129 Second sensor final try/2nd Sensor – final try.pptx
+++ b/Measurements/20200129 Second sensor final try/2nd Sensor – final try.pptx
@@ -8,7 +8,16 @@
     <p:sldId id="257" r:id="rId2"/>
     <p:sldId id="258" r:id="rId3"/>
     <p:sldId id="259" r:id="rId4"/>
-    <p:sldId id="260" r:id="rId5"/>
+    <p:sldId id="265" r:id="rId5"/>
+    <p:sldId id="260" r:id="rId6"/>
+    <p:sldId id="266" r:id="rId7"/>
+    <p:sldId id="261" r:id="rId8"/>
+    <p:sldId id="262" r:id="rId9"/>
+    <p:sldId id="267" r:id="rId10"/>
+    <p:sldId id="263" r:id="rId11"/>
+    <p:sldId id="268" r:id="rId12"/>
+    <p:sldId id="264" r:id="rId13"/>
+    <p:sldId id="269" r:id="rId14"/>
   </p:sldIdLst>
   <p:sldSz cx="12192000" cy="6858000"/>
   <p:notesSz cx="6858000" cy="9144000"/>
@@ -107,6 +116,11 @@
       </a:defRPr>
     </a:lvl9pPr>
   </p:defaultTextStyle>
+  <p:extLst>
+    <p:ext uri="{EFAFB233-063F-42B5-8137-9DF3F51BA10A}">
+      <p15:sldGuideLst xmlns:p15="http://schemas.microsoft.com/office/powerpoint/2012/main"/>
+    </p:ext>
+  </p:extLst>
 </p:presentation>
 </file>
 
@@ -259,7 +273,7 @@
           <a:p>
             <a:fld id="{0F1868C9-8292-4546-B9FE-23B019103625}" type="datetimeFigureOut">
               <a:rPr lang="en-GB" smtClean="0"/>
-              <a:t>18/02/2020</a:t>
+              <a:t>19/02/2020</a:t>
             </a:fld>
             <a:endParaRPr lang="en-GB"/>
           </a:p>
@@ -459,7 +473,7 @@
           <a:p>
             <a:fld id="{0F1868C9-8292-4546-B9FE-23B019103625}" type="datetimeFigureOut">
               <a:rPr lang="en-GB" smtClean="0"/>
-              <a:t>18/02/2020</a:t>
+              <a:t>19/02/2020</a:t>
             </a:fld>
             <a:endParaRPr lang="en-GB"/>
           </a:p>
@@ -669,7 +683,7 @@
           <a:p>
             <a:fld id="{0F1868C9-8292-4546-B9FE-23B019103625}" type="datetimeFigureOut">
               <a:rPr lang="en-GB" smtClean="0"/>
-              <a:t>18/02/2020</a:t>
+              <a:t>19/02/2020</a:t>
             </a:fld>
             <a:endParaRPr lang="en-GB"/>
           </a:p>
@@ -869,7 +883,7 @@
           <a:p>
             <a:fld id="{0F1868C9-8292-4546-B9FE-23B019103625}" type="datetimeFigureOut">
               <a:rPr lang="en-GB" smtClean="0"/>
-              <a:t>18/02/2020</a:t>
+              <a:t>19/02/2020</a:t>
             </a:fld>
             <a:endParaRPr lang="en-GB"/>
           </a:p>
@@ -1145,7 +1159,7 @@
           <a:p>
             <a:fld id="{0F1868C9-8292-4546-B9FE-23B019103625}" type="datetimeFigureOut">
               <a:rPr lang="en-GB" smtClean="0"/>
-              <a:t>18/02/2020</a:t>
+              <a:t>19/02/2020</a:t>
             </a:fld>
             <a:endParaRPr lang="en-GB"/>
           </a:p>
@@ -1413,7 +1427,7 @@
           <a:p>
             <a:fld id="{0F1868C9-8292-4546-B9FE-23B019103625}" type="datetimeFigureOut">
               <a:rPr lang="en-GB" smtClean="0"/>
-              <a:t>18/02/2020</a:t>
+              <a:t>19/02/2020</a:t>
             </a:fld>
             <a:endParaRPr lang="en-GB"/>
           </a:p>
@@ -1828,7 +1842,7 @@
           <a:p>
             <a:fld id="{0F1868C9-8292-4546-B9FE-23B019103625}" type="datetimeFigureOut">
               <a:rPr lang="en-GB" smtClean="0"/>
-              <a:t>18/02/2020</a:t>
+              <a:t>19/02/2020</a:t>
             </a:fld>
             <a:endParaRPr lang="en-GB"/>
           </a:p>
@@ -1970,7 +1984,7 @@
           <a:p>
             <a:fld id="{0F1868C9-8292-4546-B9FE-23B019103625}" type="datetimeFigureOut">
               <a:rPr lang="en-GB" smtClean="0"/>
-              <a:t>18/02/2020</a:t>
+              <a:t>19/02/2020</a:t>
             </a:fld>
             <a:endParaRPr lang="en-GB"/>
           </a:p>
@@ -2083,7 +2097,7 @@
           <a:p>
             <a:fld id="{0F1868C9-8292-4546-B9FE-23B019103625}" type="datetimeFigureOut">
               <a:rPr lang="en-GB" smtClean="0"/>
-              <a:t>18/02/2020</a:t>
+              <a:t>19/02/2020</a:t>
             </a:fld>
             <a:endParaRPr lang="en-GB"/>
           </a:p>
@@ -2396,7 +2410,7 @@
           <a:p>
             <a:fld id="{0F1868C9-8292-4546-B9FE-23B019103625}" type="datetimeFigureOut">
               <a:rPr lang="en-GB" smtClean="0"/>
-              <a:t>18/02/2020</a:t>
+              <a:t>19/02/2020</a:t>
             </a:fld>
             <a:endParaRPr lang="en-GB"/>
           </a:p>
@@ -2685,7 +2699,7 @@
           <a:p>
             <a:fld id="{0F1868C9-8292-4546-B9FE-23B019103625}" type="datetimeFigureOut">
               <a:rPr lang="en-GB" smtClean="0"/>
-              <a:t>18/02/2020</a:t>
+              <a:t>19/02/2020</a:t>
             </a:fld>
             <a:endParaRPr lang="en-GB"/>
           </a:p>
@@ -2928,7 +2942,7 @@
           <a:p>
             <a:fld id="{0F1868C9-8292-4546-B9FE-23B019103625}" type="datetimeFigureOut">
               <a:rPr lang="en-GB" smtClean="0"/>
-              <a:t>18/02/2020</a:t>
+              <a:t>19/02/2020</a:t>
             </a:fld>
             <a:endParaRPr lang="en-GB"/>
           </a:p>
@@ -3466,6 +3480,1901 @@
 </p:sld>
 </file>
 
+<file path=ppt/slides/slide10.xml><?xml version="1.0" encoding="utf-8"?>
+<p:sld xmlns:a="http://schemas.openxmlformats.org/drawingml/2006/main" xmlns:r="http://schemas.openxmlformats.org/officeDocument/2006/relationships" xmlns:p="http://schemas.openxmlformats.org/presentationml/2006/main">
+  <p:cSld>
+    <p:spTree>
+      <p:nvGrpSpPr>
+        <p:cNvPr id="1" name=""/>
+        <p:cNvGrpSpPr/>
+        <p:nvPr/>
+      </p:nvGrpSpPr>
+      <p:grpSpPr>
+        <a:xfrm>
+          <a:off x="0" y="0"/>
+          <a:ext cx="0" cy="0"/>
+          <a:chOff x="0" y="0"/>
+          <a:chExt cx="0" cy="0"/>
+        </a:xfrm>
+      </p:grpSpPr>
+      <p:sp>
+        <p:nvSpPr>
+          <p:cNvPr id="2" name="Title 1">
+            <a:extLst>
+              <a:ext uri="{FF2B5EF4-FFF2-40B4-BE49-F238E27FC236}">
+                <a16:creationId xmlns:a16="http://schemas.microsoft.com/office/drawing/2014/main" id="{7E6E26FE-490E-4593-8DD0-99F740999AF2}"/>
+              </a:ext>
+            </a:extLst>
+          </p:cNvPr>
+          <p:cNvSpPr>
+            <a:spLocks noGrp="1"/>
+          </p:cNvSpPr>
+          <p:nvPr>
+            <p:ph type="title"/>
+          </p:nvPr>
+        </p:nvSpPr>
+        <p:spPr/>
+        <p:txBody>
+          <a:bodyPr/>
+          <a:lstStyle/>
+          <a:p>
+            <a:r>
+              <a:rPr lang="en-GB" dirty="0"/>
+              <a:t>Recovery from 1000ppm/0.2bar H2</a:t>
+            </a:r>
+          </a:p>
+        </p:txBody>
+      </p:sp>
+      <p:pic>
+        <p:nvPicPr>
+          <p:cNvPr id="6" name="Content Placeholder 5">
+            <a:extLst>
+              <a:ext uri="{FF2B5EF4-FFF2-40B4-BE49-F238E27FC236}">
+                <a16:creationId xmlns:a16="http://schemas.microsoft.com/office/drawing/2014/main" id="{6C196A28-C98D-43D3-A9EF-19AB7DFF91F0}"/>
+              </a:ext>
+            </a:extLst>
+          </p:cNvPr>
+          <p:cNvPicPr>
+            <a:picLocks noGrp="1" noChangeAspect="1"/>
+          </p:cNvPicPr>
+          <p:nvPr>
+            <p:ph idx="1"/>
+          </p:nvPr>
+        </p:nvPicPr>
+        <p:blipFill>
+          <a:blip r:embed="rId2">
+            <a:extLst>
+              <a:ext uri="{28A0092B-C50C-407E-A947-70E740481C1C}">
+                <a14:useLocalDpi xmlns:a14="http://schemas.microsoft.com/office/drawing/2010/main" val="0"/>
+              </a:ext>
+            </a:extLst>
+          </a:blip>
+          <a:stretch>
+            <a:fillRect/>
+          </a:stretch>
+        </p:blipFill>
+        <p:spPr>
+          <a:xfrm>
+            <a:off x="6481556" y="2560233"/>
+            <a:ext cx="5445131" cy="4083848"/>
+          </a:xfrm>
+        </p:spPr>
+      </p:pic>
+      <p:sp>
+        <p:nvSpPr>
+          <p:cNvPr id="4" name="Rectangle 3">
+            <a:extLst>
+              <a:ext uri="{FF2B5EF4-FFF2-40B4-BE49-F238E27FC236}">
+                <a16:creationId xmlns:a16="http://schemas.microsoft.com/office/drawing/2014/main" id="{582CD1D2-85C5-4F56-9C94-41731B0F2432}"/>
+              </a:ext>
+            </a:extLst>
+          </p:cNvPr>
+          <p:cNvSpPr/>
+          <p:nvPr/>
+        </p:nvSpPr>
+        <p:spPr>
+          <a:xfrm>
+            <a:off x="838200" y="1204159"/>
+            <a:ext cx="3604833" cy="369332"/>
+          </a:xfrm>
+          <a:prstGeom prst="rect">
+            <a:avLst/>
+          </a:prstGeom>
+        </p:spPr>
+        <p:txBody>
+          <a:bodyPr wrap="none">
+            <a:spAutoFit/>
+          </a:bodyPr>
+          <a:lstStyle/>
+          <a:p>
+            <a:r>
+              <a:rPr lang="en-GB" dirty="0"/>
+              <a:t>0130_1517_2nd_sensor_h2toair_2V</a:t>
+            </a:r>
+          </a:p>
+        </p:txBody>
+      </p:sp>
+      <p:pic>
+        <p:nvPicPr>
+          <p:cNvPr id="8" name="Picture 7">
+            <a:extLst>
+              <a:ext uri="{FF2B5EF4-FFF2-40B4-BE49-F238E27FC236}">
+                <a16:creationId xmlns:a16="http://schemas.microsoft.com/office/drawing/2014/main" id="{DD4D5E3F-9CC5-4AFA-A577-82A175A3A99F}"/>
+              </a:ext>
+            </a:extLst>
+          </p:cNvPr>
+          <p:cNvPicPr>
+            <a:picLocks noChangeAspect="1"/>
+          </p:cNvPicPr>
+          <p:nvPr/>
+        </p:nvPicPr>
+        <p:blipFill>
+          <a:blip r:embed="rId3">
+            <a:extLst>
+              <a:ext uri="{28A0092B-C50C-407E-A947-70E740481C1C}">
+                <a14:useLocalDpi xmlns:a14="http://schemas.microsoft.com/office/drawing/2010/main" val="0"/>
+              </a:ext>
+            </a:extLst>
+          </a:blip>
+          <a:stretch>
+            <a:fillRect/>
+          </a:stretch>
+        </p:blipFill>
+        <p:spPr>
+          <a:xfrm>
+            <a:off x="9157982" y="365125"/>
+            <a:ext cx="2926085" cy="2194564"/>
+          </a:xfrm>
+          <a:prstGeom prst="rect">
+            <a:avLst/>
+          </a:prstGeom>
+        </p:spPr>
+      </p:pic>
+      <p:sp>
+        <p:nvSpPr>
+          <p:cNvPr id="9" name="TextBox 8">
+            <a:extLst>
+              <a:ext uri="{FF2B5EF4-FFF2-40B4-BE49-F238E27FC236}">
+                <a16:creationId xmlns:a16="http://schemas.microsoft.com/office/drawing/2014/main" id="{6A6EE803-6EF6-49CB-8E2D-77AC21EB0225}"/>
+              </a:ext>
+            </a:extLst>
+          </p:cNvPr>
+          <p:cNvSpPr txBox="1"/>
+          <p:nvPr/>
+        </p:nvSpPr>
+        <p:spPr>
+          <a:xfrm>
+            <a:off x="1107347" y="2055303"/>
+            <a:ext cx="4681057" cy="3416320"/>
+          </a:xfrm>
+          <a:prstGeom prst="rect">
+            <a:avLst/>
+          </a:prstGeom>
+          <a:noFill/>
+        </p:spPr>
+        <p:txBody>
+          <a:bodyPr wrap="square" rtlCol="0">
+            <a:spAutoFit/>
+          </a:bodyPr>
+          <a:lstStyle/>
+          <a:p>
+            <a:r>
+              <a:rPr lang="en-GB" dirty="0"/>
+              <a:t>Ripples in H2 still present</a:t>
+            </a:r>
+          </a:p>
+          <a:p>
+            <a:r>
+              <a:rPr lang="en-GB" dirty="0"/>
+              <a:t>Changes in vacuum pressure make that part of the measurement messy</a:t>
+            </a:r>
+          </a:p>
+          <a:p>
+            <a:r>
+              <a:rPr lang="en-GB" dirty="0"/>
+              <a:t>Sharp peak when air is introduced, exact cause of increase unknown, which gas makes it react this way</a:t>
+            </a:r>
+          </a:p>
+          <a:p>
+            <a:r>
+              <a:rPr lang="en-GB" dirty="0"/>
+              <a:t>Afterwards the device probably cools down rapidly due to expanding air and then slowly heats up again</a:t>
+            </a:r>
+          </a:p>
+          <a:p>
+            <a:endParaRPr lang="en-GB" dirty="0"/>
+          </a:p>
+          <a:p>
+            <a:endParaRPr lang="en-GB" dirty="0"/>
+          </a:p>
+          <a:p>
+            <a:endParaRPr lang="en-GB" dirty="0"/>
+          </a:p>
+        </p:txBody>
+      </p:sp>
+    </p:spTree>
+    <p:extLst>
+      <p:ext uri="{BB962C8B-B14F-4D97-AF65-F5344CB8AC3E}">
+        <p14:creationId xmlns:p14="http://schemas.microsoft.com/office/powerpoint/2010/main" val="3255040485"/>
+      </p:ext>
+    </p:extLst>
+  </p:cSld>
+  <p:clrMapOvr>
+    <a:masterClrMapping/>
+  </p:clrMapOvr>
+</p:sld>
+</file>
+
+<file path=ppt/slides/slide11.xml><?xml version="1.0" encoding="utf-8"?>
+<p:sld xmlns:a="http://schemas.openxmlformats.org/drawingml/2006/main" xmlns:r="http://schemas.openxmlformats.org/officeDocument/2006/relationships" xmlns:p="http://schemas.openxmlformats.org/presentationml/2006/main">
+  <p:cSld>
+    <p:spTree>
+      <p:nvGrpSpPr>
+        <p:cNvPr id="1" name=""/>
+        <p:cNvGrpSpPr/>
+        <p:nvPr/>
+      </p:nvGrpSpPr>
+      <p:grpSpPr>
+        <a:xfrm>
+          <a:off x="0" y="0"/>
+          <a:ext cx="0" cy="0"/>
+          <a:chOff x="0" y="0"/>
+          <a:chExt cx="0" cy="0"/>
+        </a:xfrm>
+      </p:grpSpPr>
+      <p:sp>
+        <p:nvSpPr>
+          <p:cNvPr id="4" name="Title 1">
+            <a:extLst>
+              <a:ext uri="{FF2B5EF4-FFF2-40B4-BE49-F238E27FC236}">
+                <a16:creationId xmlns:a16="http://schemas.microsoft.com/office/drawing/2014/main" id="{DEEF811B-AE2F-47BF-AF80-EC2B3772FACE}"/>
+              </a:ext>
+            </a:extLst>
+          </p:cNvPr>
+          <p:cNvSpPr>
+            <a:spLocks noGrp="1"/>
+          </p:cNvSpPr>
+          <p:nvPr>
+            <p:ph type="title"/>
+          </p:nvPr>
+        </p:nvSpPr>
+        <p:spPr>
+          <a:xfrm>
+            <a:off x="838200" y="365125"/>
+            <a:ext cx="10515600" cy="1325563"/>
+          </a:xfrm>
+        </p:spPr>
+        <p:txBody>
+          <a:bodyPr/>
+          <a:lstStyle/>
+          <a:p>
+            <a:r>
+              <a:rPr lang="en-GB" dirty="0"/>
+              <a:t>Recovery from 1000ppm/0.2bar H2</a:t>
+            </a:r>
+          </a:p>
+        </p:txBody>
+      </p:sp>
+      <p:sp>
+        <p:nvSpPr>
+          <p:cNvPr id="5" name="Rectangle 4">
+            <a:extLst>
+              <a:ext uri="{FF2B5EF4-FFF2-40B4-BE49-F238E27FC236}">
+                <a16:creationId xmlns:a16="http://schemas.microsoft.com/office/drawing/2014/main" id="{06C634E1-0663-48E2-B250-729B42F3260C}"/>
+              </a:ext>
+            </a:extLst>
+          </p:cNvPr>
+          <p:cNvSpPr/>
+          <p:nvPr/>
+        </p:nvSpPr>
+        <p:spPr>
+          <a:xfrm>
+            <a:off x="838200" y="1204159"/>
+            <a:ext cx="3604833" cy="369332"/>
+          </a:xfrm>
+          <a:prstGeom prst="rect">
+            <a:avLst/>
+          </a:prstGeom>
+        </p:spPr>
+        <p:txBody>
+          <a:bodyPr wrap="none">
+            <a:spAutoFit/>
+          </a:bodyPr>
+          <a:lstStyle/>
+          <a:p>
+            <a:r>
+              <a:rPr lang="en-GB" dirty="0"/>
+              <a:t>0130_1517_2nd_sensor_h2toair_2V</a:t>
+            </a:r>
+          </a:p>
+        </p:txBody>
+      </p:sp>
+      <p:pic>
+        <p:nvPicPr>
+          <p:cNvPr id="7" name="Picture 6">
+            <a:extLst>
+              <a:ext uri="{FF2B5EF4-FFF2-40B4-BE49-F238E27FC236}">
+                <a16:creationId xmlns:a16="http://schemas.microsoft.com/office/drawing/2014/main" id="{8EA1D168-50D2-4F49-9C9D-7FBA3501769A}"/>
+              </a:ext>
+            </a:extLst>
+          </p:cNvPr>
+          <p:cNvPicPr>
+            <a:picLocks noChangeAspect="1"/>
+          </p:cNvPicPr>
+          <p:nvPr/>
+        </p:nvPicPr>
+        <p:blipFill>
+          <a:blip r:embed="rId2">
+            <a:extLst>
+              <a:ext uri="{28A0092B-C50C-407E-A947-70E740481C1C}">
+                <a14:useLocalDpi xmlns:a14="http://schemas.microsoft.com/office/drawing/2010/main" val="0"/>
+              </a:ext>
+            </a:extLst>
+          </a:blip>
+          <a:stretch>
+            <a:fillRect/>
+          </a:stretch>
+        </p:blipFill>
+        <p:spPr>
+          <a:xfrm>
+            <a:off x="6339828" y="2468871"/>
+            <a:ext cx="5852172" cy="4389129"/>
+          </a:xfrm>
+          <a:prstGeom prst="rect">
+            <a:avLst/>
+          </a:prstGeom>
+        </p:spPr>
+      </p:pic>
+      <p:pic>
+        <p:nvPicPr>
+          <p:cNvPr id="9" name="Picture 8">
+            <a:extLst>
+              <a:ext uri="{FF2B5EF4-FFF2-40B4-BE49-F238E27FC236}">
+                <a16:creationId xmlns:a16="http://schemas.microsoft.com/office/drawing/2014/main" id="{276B9EC0-8182-4E1E-8124-BDA98B0EC1B2}"/>
+              </a:ext>
+            </a:extLst>
+          </p:cNvPr>
+          <p:cNvPicPr>
+            <a:picLocks noChangeAspect="1"/>
+          </p:cNvPicPr>
+          <p:nvPr/>
+        </p:nvPicPr>
+        <p:blipFill>
+          <a:blip r:embed="rId3">
+            <a:extLst>
+              <a:ext uri="{28A0092B-C50C-407E-A947-70E740481C1C}">
+                <a14:useLocalDpi xmlns:a14="http://schemas.microsoft.com/office/drawing/2010/main" val="0"/>
+              </a:ext>
+            </a:extLst>
+          </a:blip>
+          <a:stretch>
+            <a:fillRect/>
+          </a:stretch>
+        </p:blipFill>
+        <p:spPr>
+          <a:xfrm>
+            <a:off x="835068" y="3293728"/>
+            <a:ext cx="4634644" cy="3475983"/>
+          </a:xfrm>
+          <a:prstGeom prst="rect">
+            <a:avLst/>
+          </a:prstGeom>
+        </p:spPr>
+      </p:pic>
+      <p:graphicFrame>
+        <p:nvGraphicFramePr>
+          <p:cNvPr id="11" name="Table 10">
+            <a:extLst>
+              <a:ext uri="{FF2B5EF4-FFF2-40B4-BE49-F238E27FC236}">
+                <a16:creationId xmlns:a16="http://schemas.microsoft.com/office/drawing/2014/main" id="{06F0AC72-64B4-44C1-A485-0F87C43ACF35}"/>
+              </a:ext>
+            </a:extLst>
+          </p:cNvPr>
+          <p:cNvGraphicFramePr>
+            <a:graphicFrameLocks noGrp="1"/>
+          </p:cNvGraphicFramePr>
+          <p:nvPr>
+            <p:extLst>
+              <p:ext uri="{D42A27DB-BD31-4B8C-83A1-F6EECF244321}">
+                <p14:modId xmlns:p14="http://schemas.microsoft.com/office/powerpoint/2010/main" val="2635237638"/>
+              </p:ext>
+            </p:extLst>
+          </p:nvPr>
+        </p:nvGraphicFramePr>
+        <p:xfrm>
+          <a:off x="1108722" y="2243972"/>
+          <a:ext cx="9486901" cy="571500"/>
+        </p:xfrm>
+        <a:graphic>
+          <a:graphicData uri="http://schemas.openxmlformats.org/drawingml/2006/table">
+            <a:tbl>
+              <a:tblPr/>
+              <a:tblGrid>
+                <a:gridCol w="2132886">
+                  <a:extLst>
+                    <a:ext uri="{9D8B030D-6E8A-4147-A177-3AD203B41FA5}">
+                      <a16:colId xmlns:a16="http://schemas.microsoft.com/office/drawing/2014/main" val="4040249811"/>
+                    </a:ext>
+                  </a:extLst>
+                </a:gridCol>
+                <a:gridCol w="1323532">
+                  <a:extLst>
+                    <a:ext uri="{9D8B030D-6E8A-4147-A177-3AD203B41FA5}">
+                      <a16:colId xmlns:a16="http://schemas.microsoft.com/office/drawing/2014/main" val="3380707206"/>
+                    </a:ext>
+                  </a:extLst>
+                </a:gridCol>
+                <a:gridCol w="888703">
+                  <a:extLst>
+                    <a:ext uri="{9D8B030D-6E8A-4147-A177-3AD203B41FA5}">
+                      <a16:colId xmlns:a16="http://schemas.microsoft.com/office/drawing/2014/main" val="3053081257"/>
+                    </a:ext>
+                  </a:extLst>
+                </a:gridCol>
+                <a:gridCol w="1041052">
+                  <a:extLst>
+                    <a:ext uri="{9D8B030D-6E8A-4147-A177-3AD203B41FA5}">
+                      <a16:colId xmlns:a16="http://schemas.microsoft.com/office/drawing/2014/main" val="2538831250"/>
+                    </a:ext>
+                  </a:extLst>
+                </a:gridCol>
+                <a:gridCol w="609396">
+                  <a:extLst>
+                    <a:ext uri="{9D8B030D-6E8A-4147-A177-3AD203B41FA5}">
+                      <a16:colId xmlns:a16="http://schemas.microsoft.com/office/drawing/2014/main" val="2779993241"/>
+                    </a:ext>
+                  </a:extLst>
+                </a:gridCol>
+                <a:gridCol w="1079139">
+                  <a:extLst>
+                    <a:ext uri="{9D8B030D-6E8A-4147-A177-3AD203B41FA5}">
+                      <a16:colId xmlns:a16="http://schemas.microsoft.com/office/drawing/2014/main" val="830017844"/>
+                    </a:ext>
+                  </a:extLst>
+                </a:gridCol>
+                <a:gridCol w="1193401">
+                  <a:extLst>
+                    <a:ext uri="{9D8B030D-6E8A-4147-A177-3AD203B41FA5}">
+                      <a16:colId xmlns:a16="http://schemas.microsoft.com/office/drawing/2014/main" val="2687177393"/>
+                    </a:ext>
+                  </a:extLst>
+                </a:gridCol>
+                <a:gridCol w="609396">
+                  <a:extLst>
+                    <a:ext uri="{9D8B030D-6E8A-4147-A177-3AD203B41FA5}">
+                      <a16:colId xmlns:a16="http://schemas.microsoft.com/office/drawing/2014/main" val="2260141269"/>
+                    </a:ext>
+                  </a:extLst>
+                </a:gridCol>
+                <a:gridCol w="609396">
+                  <a:extLst>
+                    <a:ext uri="{9D8B030D-6E8A-4147-A177-3AD203B41FA5}">
+                      <a16:colId xmlns:a16="http://schemas.microsoft.com/office/drawing/2014/main" val="891827443"/>
+                    </a:ext>
+                  </a:extLst>
+                </a:gridCol>
+              </a:tblGrid>
+              <a:tr h="190500">
+                <a:tc>
+                  <a:txBody>
+                    <a:bodyPr/>
+                    <a:lstStyle/>
+                    <a:p>
+                      <a:pPr algn="l" fontAlgn="b"/>
+                      <a:r>
+                        <a:rPr lang="en-GB" sz="1100" b="1" i="0" u="none" strike="noStrike">
+                          <a:solidFill>
+                            <a:srgbClr val="000000"/>
+                          </a:solidFill>
+                          <a:effectLst/>
+                          <a:latin typeface="Calibri" panose="020F0502020204030204" pitchFamily="34" charset="0"/>
+                        </a:rPr>
+                        <a:t>Measurement</a:t>
+                      </a:r>
+                    </a:p>
+                  </a:txBody>
+                  <a:tcPr marL="9525" marR="9525" marT="9525" marB="0" anchor="b">
+                    <a:lnL>
+                      <a:noFill/>
+                    </a:lnL>
+                    <a:lnR>
+                      <a:noFill/>
+                    </a:lnR>
+                    <a:lnT w="6350" cap="flat" cmpd="sng" algn="ctr">
+                      <a:solidFill>
+                        <a:srgbClr val="000000"/>
+                      </a:solidFill>
+                      <a:prstDash val="solid"/>
+                      <a:round/>
+                      <a:headEnd type="none" w="med" len="med"/>
+                      <a:tailEnd type="none" w="med" len="med"/>
+                    </a:lnT>
+                    <a:lnB w="6350" cap="flat" cmpd="sng" algn="ctr">
+                      <a:solidFill>
+                        <a:srgbClr val="000000"/>
+                      </a:solidFill>
+                      <a:prstDash val="solid"/>
+                      <a:round/>
+                      <a:headEnd type="none" w="med" len="med"/>
+                      <a:tailEnd type="none" w="med" len="med"/>
+                    </a:lnB>
+                  </a:tcPr>
+                </a:tc>
+                <a:tc>
+                  <a:txBody>
+                    <a:bodyPr/>
+                    <a:lstStyle/>
+                    <a:p>
+                      <a:pPr algn="l" fontAlgn="b"/>
+                      <a:r>
+                        <a:rPr lang="en-GB" sz="1100" b="1" i="0" u="none" strike="noStrike">
+                          <a:solidFill>
+                            <a:srgbClr val="000000"/>
+                          </a:solidFill>
+                          <a:effectLst/>
+                          <a:latin typeface="Calibri" panose="020F0502020204030204" pitchFamily="34" charset="0"/>
+                        </a:rPr>
+                        <a:t>Voltage heater (V)</a:t>
+                      </a:r>
+                    </a:p>
+                  </a:txBody>
+                  <a:tcPr marL="9525" marR="9525" marT="9525" marB="0" anchor="b">
+                    <a:lnL>
+                      <a:noFill/>
+                    </a:lnL>
+                    <a:lnR>
+                      <a:noFill/>
+                    </a:lnR>
+                    <a:lnT w="6350" cap="flat" cmpd="sng" algn="ctr">
+                      <a:solidFill>
+                        <a:srgbClr val="000000"/>
+                      </a:solidFill>
+                      <a:prstDash val="solid"/>
+                      <a:round/>
+                      <a:headEnd type="none" w="med" len="med"/>
+                      <a:tailEnd type="none" w="med" len="med"/>
+                    </a:lnT>
+                    <a:lnB w="6350" cap="flat" cmpd="sng" algn="ctr">
+                      <a:solidFill>
+                        <a:srgbClr val="000000"/>
+                      </a:solidFill>
+                      <a:prstDash val="solid"/>
+                      <a:round/>
+                      <a:headEnd type="none" w="med" len="med"/>
+                      <a:tailEnd type="none" w="med" len="med"/>
+                    </a:lnB>
+                  </a:tcPr>
+                </a:tc>
+                <a:tc>
+                  <a:txBody>
+                    <a:bodyPr/>
+                    <a:lstStyle/>
+                    <a:p>
+                      <a:pPr algn="l" fontAlgn="b"/>
+                      <a:r>
+                        <a:rPr lang="en-GB" sz="1100" b="1" i="0" u="none" strike="noStrike">
+                          <a:solidFill>
+                            <a:srgbClr val="000000"/>
+                          </a:solidFill>
+                          <a:effectLst/>
+                          <a:latin typeface="Calibri" panose="020F0502020204030204" pitchFamily="34" charset="0"/>
+                        </a:rPr>
+                        <a:t>C_h2 (ppm)</a:t>
+                      </a:r>
+                    </a:p>
+                  </a:txBody>
+                  <a:tcPr marL="9525" marR="9525" marT="9525" marB="0" anchor="b">
+                    <a:lnL>
+                      <a:noFill/>
+                    </a:lnL>
+                    <a:lnR>
+                      <a:noFill/>
+                    </a:lnR>
+                    <a:lnT w="6350" cap="flat" cmpd="sng" algn="ctr">
+                      <a:solidFill>
+                        <a:srgbClr val="000000"/>
+                      </a:solidFill>
+                      <a:prstDash val="solid"/>
+                      <a:round/>
+                      <a:headEnd type="none" w="med" len="med"/>
+                      <a:tailEnd type="none" w="med" len="med"/>
+                    </a:lnT>
+                    <a:lnB w="6350" cap="flat" cmpd="sng" algn="ctr">
+                      <a:solidFill>
+                        <a:srgbClr val="000000"/>
+                      </a:solidFill>
+                      <a:prstDash val="solid"/>
+                      <a:round/>
+                      <a:headEnd type="none" w="med" len="med"/>
+                      <a:tailEnd type="none" w="med" len="med"/>
+                    </a:lnB>
+                  </a:tcPr>
+                </a:tc>
+                <a:tc>
+                  <a:txBody>
+                    <a:bodyPr/>
+                    <a:lstStyle/>
+                    <a:p>
+                      <a:pPr algn="l" fontAlgn="b"/>
+                      <a:r>
+                        <a:rPr lang="en-GB" sz="1100" b="1" i="0" u="none" strike="noStrike">
+                          <a:solidFill>
+                            <a:srgbClr val="000000"/>
+                          </a:solidFill>
+                          <a:effectLst/>
+                          <a:latin typeface="Calibri" panose="020F0502020204030204" pitchFamily="34" charset="0"/>
+                        </a:rPr>
+                        <a:t>Pressure (bar)</a:t>
+                      </a:r>
+                    </a:p>
+                  </a:txBody>
+                  <a:tcPr marL="9525" marR="9525" marT="9525" marB="0" anchor="b">
+                    <a:lnL>
+                      <a:noFill/>
+                    </a:lnL>
+                    <a:lnR>
+                      <a:noFill/>
+                    </a:lnR>
+                    <a:lnT w="6350" cap="flat" cmpd="sng" algn="ctr">
+                      <a:solidFill>
+                        <a:srgbClr val="000000"/>
+                      </a:solidFill>
+                      <a:prstDash val="solid"/>
+                      <a:round/>
+                      <a:headEnd type="none" w="med" len="med"/>
+                      <a:tailEnd type="none" w="med" len="med"/>
+                    </a:lnT>
+                    <a:lnB w="6350" cap="flat" cmpd="sng" algn="ctr">
+                      <a:solidFill>
+                        <a:srgbClr val="000000"/>
+                      </a:solidFill>
+                      <a:prstDash val="solid"/>
+                      <a:round/>
+                      <a:headEnd type="none" w="med" len="med"/>
+                      <a:tailEnd type="none" w="med" len="med"/>
+                    </a:lnB>
+                  </a:tcPr>
+                </a:tc>
+                <a:tc>
+                  <a:txBody>
+                    <a:bodyPr/>
+                    <a:lstStyle/>
+                    <a:p>
+                      <a:pPr algn="l" fontAlgn="b"/>
+                      <a:r>
+                        <a:rPr lang="en-GB" sz="1100" b="1" i="0" u="none" strike="noStrike">
+                          <a:solidFill>
+                            <a:srgbClr val="000000"/>
+                          </a:solidFill>
+                          <a:effectLst/>
+                          <a:latin typeface="Calibri" panose="020F0502020204030204" pitchFamily="34" charset="0"/>
+                        </a:rPr>
+                        <a:t>Part</a:t>
+                      </a:r>
+                    </a:p>
+                  </a:txBody>
+                  <a:tcPr marL="9525" marR="9525" marT="9525" marB="0" anchor="b">
+                    <a:lnL>
+                      <a:noFill/>
+                    </a:lnL>
+                    <a:lnR>
+                      <a:noFill/>
+                    </a:lnR>
+                    <a:lnT w="6350" cap="flat" cmpd="sng" algn="ctr">
+                      <a:solidFill>
+                        <a:srgbClr val="000000"/>
+                      </a:solidFill>
+                      <a:prstDash val="solid"/>
+                      <a:round/>
+                      <a:headEnd type="none" w="med" len="med"/>
+                      <a:tailEnd type="none" w="med" len="med"/>
+                    </a:lnT>
+                    <a:lnB w="6350" cap="flat" cmpd="sng" algn="ctr">
+                      <a:solidFill>
+                        <a:srgbClr val="000000"/>
+                      </a:solidFill>
+                      <a:prstDash val="solid"/>
+                      <a:round/>
+                      <a:headEnd type="none" w="med" len="med"/>
+                      <a:tailEnd type="none" w="med" len="med"/>
+                    </a:lnB>
+                  </a:tcPr>
+                </a:tc>
+                <a:tc>
+                  <a:txBody>
+                    <a:bodyPr/>
+                    <a:lstStyle/>
+                    <a:p>
+                      <a:pPr algn="l" fontAlgn="b"/>
+                      <a:r>
+                        <a:rPr lang="en-GB" sz="1100" b="1" i="0" u="none" strike="noStrike">
+                          <a:solidFill>
+                            <a:srgbClr val="000000"/>
+                          </a:solidFill>
+                          <a:effectLst/>
+                          <a:latin typeface="Calibri" panose="020F0502020204030204" pitchFamily="34" charset="0"/>
+                        </a:rPr>
+                        <a:t>R mean (Ohm)</a:t>
+                      </a:r>
+                    </a:p>
+                  </a:txBody>
+                  <a:tcPr marL="9525" marR="9525" marT="9525" marB="0" anchor="b">
+                    <a:lnL>
+                      <a:noFill/>
+                    </a:lnL>
+                    <a:lnR>
+                      <a:noFill/>
+                    </a:lnR>
+                    <a:lnT w="6350" cap="flat" cmpd="sng" algn="ctr">
+                      <a:solidFill>
+                        <a:srgbClr val="000000"/>
+                      </a:solidFill>
+                      <a:prstDash val="solid"/>
+                      <a:round/>
+                      <a:headEnd type="none" w="med" len="med"/>
+                      <a:tailEnd type="none" w="med" len="med"/>
+                    </a:lnT>
+                    <a:lnB w="6350" cap="flat" cmpd="sng" algn="ctr">
+                      <a:solidFill>
+                        <a:srgbClr val="000000"/>
+                      </a:solidFill>
+                      <a:prstDash val="solid"/>
+                      <a:round/>
+                      <a:headEnd type="none" w="med" len="med"/>
+                      <a:tailEnd type="none" w="med" len="med"/>
+                    </a:lnB>
+                  </a:tcPr>
+                </a:tc>
+                <a:tc>
+                  <a:txBody>
+                    <a:bodyPr/>
+                    <a:lstStyle/>
+                    <a:p>
+                      <a:pPr algn="l" fontAlgn="b"/>
+                      <a:r>
+                        <a:rPr lang="en-GB" sz="1100" b="1" i="0" u="none" strike="noStrike">
+                          <a:solidFill>
+                            <a:srgbClr val="000000"/>
+                          </a:solidFill>
+                          <a:effectLst/>
+                          <a:latin typeface="Calibri" panose="020F0502020204030204" pitchFamily="34" charset="0"/>
+                        </a:rPr>
+                        <a:t>Std</a:t>
+                      </a:r>
+                    </a:p>
+                  </a:txBody>
+                  <a:tcPr marL="9525" marR="9525" marT="9525" marB="0" anchor="b">
+                    <a:lnL>
+                      <a:noFill/>
+                    </a:lnL>
+                    <a:lnR>
+                      <a:noFill/>
+                    </a:lnR>
+                    <a:lnT w="6350" cap="flat" cmpd="sng" algn="ctr">
+                      <a:solidFill>
+                        <a:srgbClr val="000000"/>
+                      </a:solidFill>
+                      <a:prstDash val="solid"/>
+                      <a:round/>
+                      <a:headEnd type="none" w="med" len="med"/>
+                      <a:tailEnd type="none" w="med" len="med"/>
+                    </a:lnT>
+                    <a:lnB w="6350" cap="flat" cmpd="sng" algn="ctr">
+                      <a:solidFill>
+                        <a:srgbClr val="000000"/>
+                      </a:solidFill>
+                      <a:prstDash val="solid"/>
+                      <a:round/>
+                      <a:headEnd type="none" w="med" len="med"/>
+                      <a:tailEnd type="none" w="med" len="med"/>
+                    </a:lnB>
+                  </a:tcPr>
+                </a:tc>
+                <a:tc>
+                  <a:txBody>
+                    <a:bodyPr/>
+                    <a:lstStyle/>
+                    <a:p>
+                      <a:pPr algn="l" fontAlgn="b"/>
+                      <a:r>
+                        <a:rPr lang="en-GB" sz="1100" b="1" i="0" u="none" strike="noStrike">
+                          <a:solidFill>
+                            <a:srgbClr val="000000"/>
+                          </a:solidFill>
+                          <a:effectLst/>
+                          <a:latin typeface="Calibri" panose="020F0502020204030204" pitchFamily="34" charset="0"/>
+                        </a:rPr>
+                        <a:t>a</a:t>
+                      </a:r>
+                    </a:p>
+                  </a:txBody>
+                  <a:tcPr marL="9525" marR="9525" marT="9525" marB="0" anchor="b">
+                    <a:lnL>
+                      <a:noFill/>
+                    </a:lnL>
+                    <a:lnR>
+                      <a:noFill/>
+                    </a:lnR>
+                    <a:lnT w="6350" cap="flat" cmpd="sng" algn="ctr">
+                      <a:solidFill>
+                        <a:srgbClr val="000000"/>
+                      </a:solidFill>
+                      <a:prstDash val="solid"/>
+                      <a:round/>
+                      <a:headEnd type="none" w="med" len="med"/>
+                      <a:tailEnd type="none" w="med" len="med"/>
+                    </a:lnT>
+                    <a:lnB w="6350" cap="flat" cmpd="sng" algn="ctr">
+                      <a:solidFill>
+                        <a:srgbClr val="000000"/>
+                      </a:solidFill>
+                      <a:prstDash val="solid"/>
+                      <a:round/>
+                      <a:headEnd type="none" w="med" len="med"/>
+                      <a:tailEnd type="none" w="med" len="med"/>
+                    </a:lnB>
+                  </a:tcPr>
+                </a:tc>
+                <a:tc>
+                  <a:txBody>
+                    <a:bodyPr/>
+                    <a:lstStyle/>
+                    <a:p>
+                      <a:pPr algn="l" fontAlgn="b"/>
+                      <a:r>
+                        <a:rPr lang="en-GB" sz="1100" b="1" i="0" u="none" strike="noStrike">
+                          <a:solidFill>
+                            <a:srgbClr val="000000"/>
+                          </a:solidFill>
+                          <a:effectLst/>
+                          <a:latin typeface="Calibri" panose="020F0502020204030204" pitchFamily="34" charset="0"/>
+                        </a:rPr>
+                        <a:t>b</a:t>
+                      </a:r>
+                    </a:p>
+                  </a:txBody>
+                  <a:tcPr marL="9525" marR="9525" marT="9525" marB="0" anchor="b">
+                    <a:lnL>
+                      <a:noFill/>
+                    </a:lnL>
+                    <a:lnR>
+                      <a:noFill/>
+                    </a:lnR>
+                    <a:lnT w="6350" cap="flat" cmpd="sng" algn="ctr">
+                      <a:solidFill>
+                        <a:srgbClr val="000000"/>
+                      </a:solidFill>
+                      <a:prstDash val="solid"/>
+                      <a:round/>
+                      <a:headEnd type="none" w="med" len="med"/>
+                      <a:tailEnd type="none" w="med" len="med"/>
+                    </a:lnT>
+                    <a:lnB w="6350" cap="flat" cmpd="sng" algn="ctr">
+                      <a:solidFill>
+                        <a:srgbClr val="000000"/>
+                      </a:solidFill>
+                      <a:prstDash val="solid"/>
+                      <a:round/>
+                      <a:headEnd type="none" w="med" len="med"/>
+                      <a:tailEnd type="none" w="med" len="med"/>
+                    </a:lnB>
+                  </a:tcPr>
+                </a:tc>
+                <a:extLst>
+                  <a:ext uri="{0D108BD9-81ED-4DB2-BD59-A6C34878D82A}">
+                    <a16:rowId xmlns:a16="http://schemas.microsoft.com/office/drawing/2014/main" val="3878166835"/>
+                  </a:ext>
+                </a:extLst>
+              </a:tr>
+              <a:tr h="190500">
+                <a:tc>
+                  <a:txBody>
+                    <a:bodyPr/>
+                    <a:lstStyle/>
+                    <a:p>
+                      <a:pPr algn="l" fontAlgn="b"/>
+                      <a:r>
+                        <a:rPr lang="en-GB" sz="1100" b="0" i="0" u="none" strike="noStrike">
+                          <a:solidFill>
+                            <a:srgbClr val="000000"/>
+                          </a:solidFill>
+                          <a:effectLst/>
+                          <a:latin typeface="Calibri" panose="020F0502020204030204" pitchFamily="34" charset="0"/>
+                        </a:rPr>
+                        <a:t>0130_1517_2nd_sensor_h2toair_2V</a:t>
+                      </a:r>
+                    </a:p>
+                  </a:txBody>
+                  <a:tcPr marL="9525" marR="9525" marT="9525" marB="0" anchor="b">
+                    <a:lnL>
+                      <a:noFill/>
+                    </a:lnL>
+                    <a:lnR>
+                      <a:noFill/>
+                    </a:lnR>
+                    <a:lnT w="6350" cap="flat" cmpd="sng" algn="ctr">
+                      <a:solidFill>
+                        <a:srgbClr val="000000"/>
+                      </a:solidFill>
+                      <a:prstDash val="solid"/>
+                      <a:round/>
+                      <a:headEnd type="none" w="med" len="med"/>
+                      <a:tailEnd type="none" w="med" len="med"/>
+                    </a:lnT>
+                    <a:lnB>
+                      <a:noFill/>
+                    </a:lnB>
+                    <a:solidFill>
+                      <a:srgbClr val="D9D9D9"/>
+                    </a:solidFill>
+                  </a:tcPr>
+                </a:tc>
+                <a:tc>
+                  <a:txBody>
+                    <a:bodyPr/>
+                    <a:lstStyle/>
+                    <a:p>
+                      <a:pPr algn="r" fontAlgn="b"/>
+                      <a:r>
+                        <a:rPr lang="en-GB" sz="1100" b="0" i="0" u="none" strike="noStrike">
+                          <a:solidFill>
+                            <a:srgbClr val="000000"/>
+                          </a:solidFill>
+                          <a:effectLst/>
+                          <a:latin typeface="Calibri" panose="020F0502020204030204" pitchFamily="34" charset="0"/>
+                        </a:rPr>
+                        <a:t>5.2</a:t>
+                      </a:r>
+                    </a:p>
+                  </a:txBody>
+                  <a:tcPr marL="9525" marR="9525" marT="9525" marB="0" anchor="b">
+                    <a:lnL>
+                      <a:noFill/>
+                    </a:lnL>
+                    <a:lnR>
+                      <a:noFill/>
+                    </a:lnR>
+                    <a:lnT w="6350" cap="flat" cmpd="sng" algn="ctr">
+                      <a:solidFill>
+                        <a:srgbClr val="000000"/>
+                      </a:solidFill>
+                      <a:prstDash val="solid"/>
+                      <a:round/>
+                      <a:headEnd type="none" w="med" len="med"/>
+                      <a:tailEnd type="none" w="med" len="med"/>
+                    </a:lnT>
+                    <a:lnB>
+                      <a:noFill/>
+                    </a:lnB>
+                    <a:solidFill>
+                      <a:srgbClr val="D9D9D9"/>
+                    </a:solidFill>
+                  </a:tcPr>
+                </a:tc>
+                <a:tc>
+                  <a:txBody>
+                    <a:bodyPr/>
+                    <a:lstStyle/>
+                    <a:p>
+                      <a:pPr algn="r" fontAlgn="b"/>
+                      <a:r>
+                        <a:rPr lang="en-GB" sz="1100" b="0" i="0" u="none" strike="noStrike">
+                          <a:solidFill>
+                            <a:srgbClr val="000000"/>
+                          </a:solidFill>
+                          <a:effectLst/>
+                          <a:latin typeface="Calibri" panose="020F0502020204030204" pitchFamily="34" charset="0"/>
+                        </a:rPr>
+                        <a:t>1000</a:t>
+                      </a:r>
+                    </a:p>
+                  </a:txBody>
+                  <a:tcPr marL="9525" marR="9525" marT="9525" marB="0" anchor="b">
+                    <a:lnL>
+                      <a:noFill/>
+                    </a:lnL>
+                    <a:lnR>
+                      <a:noFill/>
+                    </a:lnR>
+                    <a:lnT w="6350" cap="flat" cmpd="sng" algn="ctr">
+                      <a:solidFill>
+                        <a:srgbClr val="000000"/>
+                      </a:solidFill>
+                      <a:prstDash val="solid"/>
+                      <a:round/>
+                      <a:headEnd type="none" w="med" len="med"/>
+                      <a:tailEnd type="none" w="med" len="med"/>
+                    </a:lnT>
+                    <a:lnB>
+                      <a:noFill/>
+                    </a:lnB>
+                    <a:solidFill>
+                      <a:srgbClr val="D9D9D9"/>
+                    </a:solidFill>
+                  </a:tcPr>
+                </a:tc>
+                <a:tc>
+                  <a:txBody>
+                    <a:bodyPr/>
+                    <a:lstStyle/>
+                    <a:p>
+                      <a:pPr algn="r" fontAlgn="b"/>
+                      <a:r>
+                        <a:rPr lang="en-GB" sz="1100" b="0" i="0" u="none" strike="noStrike">
+                          <a:solidFill>
+                            <a:srgbClr val="000000"/>
+                          </a:solidFill>
+                          <a:effectLst/>
+                          <a:latin typeface="Calibri" panose="020F0502020204030204" pitchFamily="34" charset="0"/>
+                        </a:rPr>
+                        <a:t>0.2</a:t>
+                      </a:r>
+                    </a:p>
+                  </a:txBody>
+                  <a:tcPr marL="9525" marR="9525" marT="9525" marB="0" anchor="b">
+                    <a:lnL>
+                      <a:noFill/>
+                    </a:lnL>
+                    <a:lnR>
+                      <a:noFill/>
+                    </a:lnR>
+                    <a:lnT w="6350" cap="flat" cmpd="sng" algn="ctr">
+                      <a:solidFill>
+                        <a:srgbClr val="000000"/>
+                      </a:solidFill>
+                      <a:prstDash val="solid"/>
+                      <a:round/>
+                      <a:headEnd type="none" w="med" len="med"/>
+                      <a:tailEnd type="none" w="med" len="med"/>
+                    </a:lnT>
+                    <a:lnB>
+                      <a:noFill/>
+                    </a:lnB>
+                    <a:solidFill>
+                      <a:srgbClr val="D9D9D9"/>
+                    </a:solidFill>
+                  </a:tcPr>
+                </a:tc>
+                <a:tc>
+                  <a:txBody>
+                    <a:bodyPr/>
+                    <a:lstStyle/>
+                    <a:p>
+                      <a:pPr algn="l" fontAlgn="b"/>
+                      <a:r>
+                        <a:rPr lang="en-GB" sz="1100" b="0" i="0" u="none" strike="noStrike">
+                          <a:solidFill>
+                            <a:srgbClr val="000000"/>
+                          </a:solidFill>
+                          <a:effectLst/>
+                          <a:latin typeface="Calibri" panose="020F0502020204030204" pitchFamily="34" charset="0"/>
+                        </a:rPr>
+                        <a:t>H2</a:t>
+                      </a:r>
+                    </a:p>
+                  </a:txBody>
+                  <a:tcPr marL="9525" marR="9525" marT="9525" marB="0" anchor="b">
+                    <a:lnL>
+                      <a:noFill/>
+                    </a:lnL>
+                    <a:lnR>
+                      <a:noFill/>
+                    </a:lnR>
+                    <a:lnT w="6350" cap="flat" cmpd="sng" algn="ctr">
+                      <a:solidFill>
+                        <a:srgbClr val="000000"/>
+                      </a:solidFill>
+                      <a:prstDash val="solid"/>
+                      <a:round/>
+                      <a:headEnd type="none" w="med" len="med"/>
+                      <a:tailEnd type="none" w="med" len="med"/>
+                    </a:lnT>
+                    <a:lnB>
+                      <a:noFill/>
+                    </a:lnB>
+                    <a:solidFill>
+                      <a:srgbClr val="D9D9D9"/>
+                    </a:solidFill>
+                  </a:tcPr>
+                </a:tc>
+                <a:tc>
+                  <a:txBody>
+                    <a:bodyPr/>
+                    <a:lstStyle/>
+                    <a:p>
+                      <a:pPr algn="r" fontAlgn="b"/>
+                      <a:r>
+                        <a:rPr lang="en-GB" sz="1100" b="0" i="0" u="none" strike="noStrike">
+                          <a:solidFill>
+                            <a:srgbClr val="000000"/>
+                          </a:solidFill>
+                          <a:effectLst/>
+                          <a:latin typeface="Calibri" panose="020F0502020204030204" pitchFamily="34" charset="0"/>
+                        </a:rPr>
+                        <a:t>6.61E+04</a:t>
+                      </a:r>
+                    </a:p>
+                  </a:txBody>
+                  <a:tcPr marL="9525" marR="9525" marT="9525" marB="0" anchor="b">
+                    <a:lnL>
+                      <a:noFill/>
+                    </a:lnL>
+                    <a:lnR>
+                      <a:noFill/>
+                    </a:lnR>
+                    <a:lnT w="6350" cap="flat" cmpd="sng" algn="ctr">
+                      <a:solidFill>
+                        <a:srgbClr val="000000"/>
+                      </a:solidFill>
+                      <a:prstDash val="solid"/>
+                      <a:round/>
+                      <a:headEnd type="none" w="med" len="med"/>
+                      <a:tailEnd type="none" w="med" len="med"/>
+                    </a:lnT>
+                    <a:lnB>
+                      <a:noFill/>
+                    </a:lnB>
+                    <a:solidFill>
+                      <a:srgbClr val="D9D9D9"/>
+                    </a:solidFill>
+                  </a:tcPr>
+                </a:tc>
+                <a:tc>
+                  <a:txBody>
+                    <a:bodyPr/>
+                    <a:lstStyle/>
+                    <a:p>
+                      <a:pPr algn="r" fontAlgn="b"/>
+                      <a:r>
+                        <a:rPr lang="en-GB" sz="1100" b="0" i="0" u="none" strike="noStrike">
+                          <a:solidFill>
+                            <a:srgbClr val="000000"/>
+                          </a:solidFill>
+                          <a:effectLst/>
+                          <a:latin typeface="Calibri" panose="020F0502020204030204" pitchFamily="34" charset="0"/>
+                        </a:rPr>
+                        <a:t>1.30E+03</a:t>
+                      </a:r>
+                    </a:p>
+                  </a:txBody>
+                  <a:tcPr marL="9525" marR="9525" marT="9525" marB="0" anchor="b">
+                    <a:lnL>
+                      <a:noFill/>
+                    </a:lnL>
+                    <a:lnR>
+                      <a:noFill/>
+                    </a:lnR>
+                    <a:lnT w="6350" cap="flat" cmpd="sng" algn="ctr">
+                      <a:solidFill>
+                        <a:srgbClr val="000000"/>
+                      </a:solidFill>
+                      <a:prstDash val="solid"/>
+                      <a:round/>
+                      <a:headEnd type="none" w="med" len="med"/>
+                      <a:tailEnd type="none" w="med" len="med"/>
+                    </a:lnT>
+                    <a:lnB>
+                      <a:noFill/>
+                    </a:lnB>
+                    <a:solidFill>
+                      <a:srgbClr val="D9D9D9"/>
+                    </a:solidFill>
+                  </a:tcPr>
+                </a:tc>
+                <a:tc>
+                  <a:txBody>
+                    <a:bodyPr/>
+                    <a:lstStyle/>
+                    <a:p>
+                      <a:pPr algn="r" fontAlgn="b"/>
+                      <a:r>
+                        <a:rPr lang="en-GB" sz="1100" b="0" i="0" u="none" strike="noStrike">
+                          <a:solidFill>
+                            <a:srgbClr val="000000"/>
+                          </a:solidFill>
+                          <a:effectLst/>
+                          <a:latin typeface="Calibri" panose="020F0502020204030204" pitchFamily="34" charset="0"/>
+                        </a:rPr>
+                        <a:t>7.38613</a:t>
+                      </a:r>
+                    </a:p>
+                  </a:txBody>
+                  <a:tcPr marL="9525" marR="9525" marT="9525" marB="0" anchor="b">
+                    <a:lnL>
+                      <a:noFill/>
+                    </a:lnL>
+                    <a:lnR>
+                      <a:noFill/>
+                    </a:lnR>
+                    <a:lnT w="6350" cap="flat" cmpd="sng" algn="ctr">
+                      <a:solidFill>
+                        <a:srgbClr val="000000"/>
+                      </a:solidFill>
+                      <a:prstDash val="solid"/>
+                      <a:round/>
+                      <a:headEnd type="none" w="med" len="med"/>
+                      <a:tailEnd type="none" w="med" len="med"/>
+                    </a:lnT>
+                    <a:lnB>
+                      <a:noFill/>
+                    </a:lnB>
+                    <a:solidFill>
+                      <a:srgbClr val="D9D9D9"/>
+                    </a:solidFill>
+                  </a:tcPr>
+                </a:tc>
+                <a:tc>
+                  <a:txBody>
+                    <a:bodyPr/>
+                    <a:lstStyle/>
+                    <a:p>
+                      <a:pPr algn="r" fontAlgn="b"/>
+                      <a:r>
+                        <a:rPr lang="en-GB" sz="1100" b="0" i="0" u="none" strike="noStrike">
+                          <a:solidFill>
+                            <a:srgbClr val="000000"/>
+                          </a:solidFill>
+                          <a:effectLst/>
+                          <a:latin typeface="Calibri" panose="020F0502020204030204" pitchFamily="34" charset="0"/>
+                        </a:rPr>
+                        <a:t>65004.9</a:t>
+                      </a:r>
+                    </a:p>
+                  </a:txBody>
+                  <a:tcPr marL="9525" marR="9525" marT="9525" marB="0" anchor="b">
+                    <a:lnL>
+                      <a:noFill/>
+                    </a:lnL>
+                    <a:lnR>
+                      <a:noFill/>
+                    </a:lnR>
+                    <a:lnT w="6350" cap="flat" cmpd="sng" algn="ctr">
+                      <a:solidFill>
+                        <a:srgbClr val="000000"/>
+                      </a:solidFill>
+                      <a:prstDash val="solid"/>
+                      <a:round/>
+                      <a:headEnd type="none" w="med" len="med"/>
+                      <a:tailEnd type="none" w="med" len="med"/>
+                    </a:lnT>
+                    <a:lnB>
+                      <a:noFill/>
+                    </a:lnB>
+                    <a:solidFill>
+                      <a:srgbClr val="D9D9D9"/>
+                    </a:solidFill>
+                  </a:tcPr>
+                </a:tc>
+                <a:extLst>
+                  <a:ext uri="{0D108BD9-81ED-4DB2-BD59-A6C34878D82A}">
+                    <a16:rowId xmlns:a16="http://schemas.microsoft.com/office/drawing/2014/main" val="3457791391"/>
+                  </a:ext>
+                </a:extLst>
+              </a:tr>
+              <a:tr h="190500">
+                <a:tc>
+                  <a:txBody>
+                    <a:bodyPr/>
+                    <a:lstStyle/>
+                    <a:p>
+                      <a:pPr algn="l" fontAlgn="b"/>
+                      <a:r>
+                        <a:rPr lang="en-GB" sz="1100" b="0" i="0" u="none" strike="noStrike">
+                          <a:solidFill>
+                            <a:srgbClr val="000000"/>
+                          </a:solidFill>
+                          <a:effectLst/>
+                          <a:latin typeface="Calibri" panose="020F0502020204030204" pitchFamily="34" charset="0"/>
+                        </a:rPr>
+                        <a:t>0130_1517_2nd_sensor_h2toair_2V</a:t>
+                      </a:r>
+                    </a:p>
+                  </a:txBody>
+                  <a:tcPr marL="9525" marR="9525" marT="9525" marB="0" anchor="b">
+                    <a:lnL>
+                      <a:noFill/>
+                    </a:lnL>
+                    <a:lnR>
+                      <a:noFill/>
+                    </a:lnR>
+                    <a:lnT>
+                      <a:noFill/>
+                    </a:lnT>
+                    <a:lnB>
+                      <a:noFill/>
+                    </a:lnB>
+                  </a:tcPr>
+                </a:tc>
+                <a:tc>
+                  <a:txBody>
+                    <a:bodyPr/>
+                    <a:lstStyle/>
+                    <a:p>
+                      <a:pPr algn="r" fontAlgn="b"/>
+                      <a:r>
+                        <a:rPr lang="en-GB" sz="1100" b="0" i="0" u="none" strike="noStrike">
+                          <a:solidFill>
+                            <a:srgbClr val="000000"/>
+                          </a:solidFill>
+                          <a:effectLst/>
+                          <a:latin typeface="Calibri" panose="020F0502020204030204" pitchFamily="34" charset="0"/>
+                        </a:rPr>
+                        <a:t>5.2</a:t>
+                      </a:r>
+                    </a:p>
+                  </a:txBody>
+                  <a:tcPr marL="9525" marR="9525" marT="9525" marB="0" anchor="b">
+                    <a:lnL>
+                      <a:noFill/>
+                    </a:lnL>
+                    <a:lnR>
+                      <a:noFill/>
+                    </a:lnR>
+                    <a:lnT>
+                      <a:noFill/>
+                    </a:lnT>
+                    <a:lnB>
+                      <a:noFill/>
+                    </a:lnB>
+                  </a:tcPr>
+                </a:tc>
+                <a:tc>
+                  <a:txBody>
+                    <a:bodyPr/>
+                    <a:lstStyle/>
+                    <a:p>
+                      <a:pPr algn="r" fontAlgn="b"/>
+                      <a:r>
+                        <a:rPr lang="en-GB" sz="1100" b="0" i="0" u="none" strike="noStrike">
+                          <a:solidFill>
+                            <a:srgbClr val="000000"/>
+                          </a:solidFill>
+                          <a:effectLst/>
+                          <a:latin typeface="Calibri" panose="020F0502020204030204" pitchFamily="34" charset="0"/>
+                        </a:rPr>
+                        <a:t>1000</a:t>
+                      </a:r>
+                    </a:p>
+                  </a:txBody>
+                  <a:tcPr marL="9525" marR="9525" marT="9525" marB="0" anchor="b">
+                    <a:lnL>
+                      <a:noFill/>
+                    </a:lnL>
+                    <a:lnR>
+                      <a:noFill/>
+                    </a:lnR>
+                    <a:lnT>
+                      <a:noFill/>
+                    </a:lnT>
+                    <a:lnB>
+                      <a:noFill/>
+                    </a:lnB>
+                  </a:tcPr>
+                </a:tc>
+                <a:tc>
+                  <a:txBody>
+                    <a:bodyPr/>
+                    <a:lstStyle/>
+                    <a:p>
+                      <a:pPr algn="r" fontAlgn="b"/>
+                      <a:r>
+                        <a:rPr lang="en-GB" sz="1100" b="0" i="0" u="none" strike="noStrike">
+                          <a:solidFill>
+                            <a:srgbClr val="000000"/>
+                          </a:solidFill>
+                          <a:effectLst/>
+                          <a:latin typeface="Calibri" panose="020F0502020204030204" pitchFamily="34" charset="0"/>
+                        </a:rPr>
+                        <a:t>0.2</a:t>
+                      </a:r>
+                    </a:p>
+                  </a:txBody>
+                  <a:tcPr marL="9525" marR="9525" marT="9525" marB="0" anchor="b">
+                    <a:lnL>
+                      <a:noFill/>
+                    </a:lnL>
+                    <a:lnR>
+                      <a:noFill/>
+                    </a:lnR>
+                    <a:lnT>
+                      <a:noFill/>
+                    </a:lnT>
+                    <a:lnB>
+                      <a:noFill/>
+                    </a:lnB>
+                  </a:tcPr>
+                </a:tc>
+                <a:tc>
+                  <a:txBody>
+                    <a:bodyPr/>
+                    <a:lstStyle/>
+                    <a:p>
+                      <a:pPr algn="l" fontAlgn="b"/>
+                      <a:r>
+                        <a:rPr lang="en-GB" sz="1100" b="0" i="0" u="none" strike="noStrike">
+                          <a:solidFill>
+                            <a:srgbClr val="000000"/>
+                          </a:solidFill>
+                          <a:effectLst/>
+                          <a:latin typeface="Calibri" panose="020F0502020204030204" pitchFamily="34" charset="0"/>
+                        </a:rPr>
+                        <a:t>Air</a:t>
+                      </a:r>
+                    </a:p>
+                  </a:txBody>
+                  <a:tcPr marL="9525" marR="9525" marT="9525" marB="0" anchor="b">
+                    <a:lnL>
+                      <a:noFill/>
+                    </a:lnL>
+                    <a:lnR>
+                      <a:noFill/>
+                    </a:lnR>
+                    <a:lnT>
+                      <a:noFill/>
+                    </a:lnT>
+                    <a:lnB>
+                      <a:noFill/>
+                    </a:lnB>
+                  </a:tcPr>
+                </a:tc>
+                <a:tc>
+                  <a:txBody>
+                    <a:bodyPr/>
+                    <a:lstStyle/>
+                    <a:p>
+                      <a:pPr algn="r" fontAlgn="b"/>
+                      <a:r>
+                        <a:rPr lang="en-GB" sz="1100" b="0" i="0" u="none" strike="noStrike">
+                          <a:solidFill>
+                            <a:srgbClr val="000000"/>
+                          </a:solidFill>
+                          <a:effectLst/>
+                          <a:latin typeface="Calibri" panose="020F0502020204030204" pitchFamily="34" charset="0"/>
+                        </a:rPr>
+                        <a:t>1.25E+05</a:t>
+                      </a:r>
+                    </a:p>
+                  </a:txBody>
+                  <a:tcPr marL="9525" marR="9525" marT="9525" marB="0" anchor="b">
+                    <a:lnL>
+                      <a:noFill/>
+                    </a:lnL>
+                    <a:lnR>
+                      <a:noFill/>
+                    </a:lnR>
+                    <a:lnT>
+                      <a:noFill/>
+                    </a:lnT>
+                    <a:lnB>
+                      <a:noFill/>
+                    </a:lnB>
+                  </a:tcPr>
+                </a:tc>
+                <a:tc>
+                  <a:txBody>
+                    <a:bodyPr/>
+                    <a:lstStyle/>
+                    <a:p>
+                      <a:pPr algn="r" fontAlgn="b"/>
+                      <a:r>
+                        <a:rPr lang="en-GB" sz="1100" b="0" i="0" u="none" strike="noStrike">
+                          <a:solidFill>
+                            <a:srgbClr val="000000"/>
+                          </a:solidFill>
+                          <a:effectLst/>
+                          <a:latin typeface="Calibri" panose="020F0502020204030204" pitchFamily="34" charset="0"/>
+                        </a:rPr>
+                        <a:t>7.23E+03</a:t>
+                      </a:r>
+                    </a:p>
+                  </a:txBody>
+                  <a:tcPr marL="9525" marR="9525" marT="9525" marB="0" anchor="b">
+                    <a:lnL>
+                      <a:noFill/>
+                    </a:lnL>
+                    <a:lnR>
+                      <a:noFill/>
+                    </a:lnR>
+                    <a:lnT>
+                      <a:noFill/>
+                    </a:lnT>
+                    <a:lnB>
+                      <a:noFill/>
+                    </a:lnB>
+                  </a:tcPr>
+                </a:tc>
+                <a:tc>
+                  <a:txBody>
+                    <a:bodyPr/>
+                    <a:lstStyle/>
+                    <a:p>
+                      <a:pPr algn="r" fontAlgn="b"/>
+                      <a:r>
+                        <a:rPr lang="en-GB" sz="1100" b="0" i="0" u="none" strike="noStrike">
+                          <a:solidFill>
+                            <a:srgbClr val="000000"/>
+                          </a:solidFill>
+                          <a:effectLst/>
+                          <a:latin typeface="Calibri" panose="020F0502020204030204" pitchFamily="34" charset="0"/>
+                        </a:rPr>
+                        <a:t>22.7318</a:t>
+                      </a:r>
+                    </a:p>
+                  </a:txBody>
+                  <a:tcPr marL="9525" marR="9525" marT="9525" marB="0" anchor="b">
+                    <a:lnL>
+                      <a:noFill/>
+                    </a:lnL>
+                    <a:lnR>
+                      <a:noFill/>
+                    </a:lnR>
+                    <a:lnT>
+                      <a:noFill/>
+                    </a:lnT>
+                    <a:lnB>
+                      <a:noFill/>
+                    </a:lnB>
+                  </a:tcPr>
+                </a:tc>
+                <a:tc>
+                  <a:txBody>
+                    <a:bodyPr/>
+                    <a:lstStyle/>
+                    <a:p>
+                      <a:pPr algn="r" fontAlgn="b"/>
+                      <a:r>
+                        <a:rPr lang="en-GB" sz="1100" b="0" i="0" u="none" strike="noStrike" dirty="0">
+                          <a:solidFill>
+                            <a:srgbClr val="000000"/>
+                          </a:solidFill>
+                          <a:effectLst/>
+                          <a:latin typeface="Calibri" panose="020F0502020204030204" pitchFamily="34" charset="0"/>
+                        </a:rPr>
+                        <a:t>112658</a:t>
+                      </a:r>
+                    </a:p>
+                  </a:txBody>
+                  <a:tcPr marL="9525" marR="9525" marT="9525" marB="0" anchor="b">
+                    <a:lnL>
+                      <a:noFill/>
+                    </a:lnL>
+                    <a:lnR>
+                      <a:noFill/>
+                    </a:lnR>
+                    <a:lnT>
+                      <a:noFill/>
+                    </a:lnT>
+                    <a:lnB>
+                      <a:noFill/>
+                    </a:lnB>
+                  </a:tcPr>
+                </a:tc>
+                <a:extLst>
+                  <a:ext uri="{0D108BD9-81ED-4DB2-BD59-A6C34878D82A}">
+                    <a16:rowId xmlns:a16="http://schemas.microsoft.com/office/drawing/2014/main" val="4257554929"/>
+                  </a:ext>
+                </a:extLst>
+              </a:tr>
+            </a:tbl>
+          </a:graphicData>
+        </a:graphic>
+      </p:graphicFrame>
+    </p:spTree>
+    <p:extLst>
+      <p:ext uri="{BB962C8B-B14F-4D97-AF65-F5344CB8AC3E}">
+        <p14:creationId xmlns:p14="http://schemas.microsoft.com/office/powerpoint/2010/main" val="2949144932"/>
+      </p:ext>
+    </p:extLst>
+  </p:cSld>
+  <p:clrMapOvr>
+    <a:masterClrMapping/>
+  </p:clrMapOvr>
+</p:sld>
+</file>
+
+<file path=ppt/slides/slide12.xml><?xml version="1.0" encoding="utf-8"?>
+<p:sld xmlns:a="http://schemas.openxmlformats.org/drawingml/2006/main" xmlns:r="http://schemas.openxmlformats.org/officeDocument/2006/relationships" xmlns:p="http://schemas.openxmlformats.org/presentationml/2006/main">
+  <p:cSld>
+    <p:spTree>
+      <p:nvGrpSpPr>
+        <p:cNvPr id="1" name=""/>
+        <p:cNvGrpSpPr/>
+        <p:nvPr/>
+      </p:nvGrpSpPr>
+      <p:grpSpPr>
+        <a:xfrm>
+          <a:off x="0" y="0"/>
+          <a:ext cx="0" cy="0"/>
+          <a:chOff x="0" y="0"/>
+          <a:chExt cx="0" cy="0"/>
+        </a:xfrm>
+      </p:grpSpPr>
+      <p:sp>
+        <p:nvSpPr>
+          <p:cNvPr id="2" name="Title 1">
+            <a:extLst>
+              <a:ext uri="{FF2B5EF4-FFF2-40B4-BE49-F238E27FC236}">
+                <a16:creationId xmlns:a16="http://schemas.microsoft.com/office/drawing/2014/main" id="{006C319E-0188-40E7-85FA-EA3B1AF1E511}"/>
+              </a:ext>
+            </a:extLst>
+          </p:cNvPr>
+          <p:cNvSpPr>
+            <a:spLocks noGrp="1"/>
+          </p:cNvSpPr>
+          <p:nvPr>
+            <p:ph type="title"/>
+          </p:nvPr>
+        </p:nvSpPr>
+        <p:spPr/>
+        <p:txBody>
+          <a:bodyPr/>
+          <a:lstStyle/>
+          <a:p>
+            <a:r>
+              <a:rPr lang="en-GB" dirty="0"/>
+              <a:t>Reaction to 500ppm/0.4bar H2</a:t>
+            </a:r>
+          </a:p>
+        </p:txBody>
+      </p:sp>
+      <p:sp>
+        <p:nvSpPr>
+          <p:cNvPr id="3" name="Content Placeholder 2">
+            <a:extLst>
+              <a:ext uri="{FF2B5EF4-FFF2-40B4-BE49-F238E27FC236}">
+                <a16:creationId xmlns:a16="http://schemas.microsoft.com/office/drawing/2014/main" id="{E4874AC9-ECC8-4638-9298-0CF91A7B9255}"/>
+              </a:ext>
+            </a:extLst>
+          </p:cNvPr>
+          <p:cNvSpPr>
+            <a:spLocks noGrp="1"/>
+          </p:cNvSpPr>
+          <p:nvPr>
+            <p:ph idx="1"/>
+          </p:nvPr>
+        </p:nvSpPr>
+        <p:spPr>
+          <a:xfrm>
+            <a:off x="838200" y="1825625"/>
+            <a:ext cx="3968692" cy="4351338"/>
+          </a:xfrm>
+        </p:spPr>
+        <p:txBody>
+          <a:bodyPr>
+            <a:normAutofit/>
+          </a:bodyPr>
+          <a:lstStyle/>
+          <a:p>
+            <a:pPr marL="0" indent="0">
+              <a:buNone/>
+            </a:pPr>
+            <a:r>
+              <a:rPr lang="en-GB" sz="2000" dirty="0"/>
+              <a:t>Incoming gas has the same partial pressure of hydrogen (half the concentration, but twice the total pressure</a:t>
+            </a:r>
+          </a:p>
+          <a:p>
+            <a:pPr marL="0" indent="0">
+              <a:buNone/>
+            </a:pPr>
+            <a:r>
+              <a:rPr lang="en-GB" sz="2000" dirty="0"/>
+              <a:t>Resistance stable in air, slowly increasing in h2 (caused by heating after expanding gas)</a:t>
+            </a:r>
+          </a:p>
+          <a:p>
+            <a:r>
+              <a:rPr lang="en-GB" sz="2000" dirty="0"/>
+              <a:t>Extract mean and std resistance in air and hydrogen</a:t>
+            </a:r>
+          </a:p>
+          <a:p>
+            <a:r>
+              <a:rPr lang="en-GB" sz="2000" dirty="0"/>
+              <a:t>Compare hydrogen value to datasheet</a:t>
+            </a:r>
+          </a:p>
+        </p:txBody>
+      </p:sp>
+      <p:sp>
+        <p:nvSpPr>
+          <p:cNvPr id="4" name="Rectangle 3">
+            <a:extLst>
+              <a:ext uri="{FF2B5EF4-FFF2-40B4-BE49-F238E27FC236}">
+                <a16:creationId xmlns:a16="http://schemas.microsoft.com/office/drawing/2014/main" id="{F5FE73E8-DBDB-493C-A35B-F9AEE83D8624}"/>
+              </a:ext>
+            </a:extLst>
+          </p:cNvPr>
+          <p:cNvSpPr/>
+          <p:nvPr/>
+        </p:nvSpPr>
+        <p:spPr>
+          <a:xfrm>
+            <a:off x="838200" y="1204159"/>
+            <a:ext cx="3838871" cy="369332"/>
+          </a:xfrm>
+          <a:prstGeom prst="rect">
+            <a:avLst/>
+          </a:prstGeom>
+        </p:spPr>
+        <p:txBody>
+          <a:bodyPr wrap="none">
+            <a:spAutoFit/>
+          </a:bodyPr>
+          <a:lstStyle/>
+          <a:p>
+            <a:r>
+              <a:rPr lang="en-GB" dirty="0"/>
+              <a:t>0130_1643_2nd_sensor_airto05h2_4V</a:t>
+            </a:r>
+          </a:p>
+        </p:txBody>
+      </p:sp>
+      <p:pic>
+        <p:nvPicPr>
+          <p:cNvPr id="6" name="Picture 5">
+            <a:extLst>
+              <a:ext uri="{FF2B5EF4-FFF2-40B4-BE49-F238E27FC236}">
+                <a16:creationId xmlns:a16="http://schemas.microsoft.com/office/drawing/2014/main" id="{4ED8C051-3006-474B-A923-CB3EF4CF32D6}"/>
+              </a:ext>
+            </a:extLst>
+          </p:cNvPr>
+          <p:cNvPicPr>
+            <a:picLocks noChangeAspect="1"/>
+          </p:cNvPicPr>
+          <p:nvPr/>
+        </p:nvPicPr>
+        <p:blipFill>
+          <a:blip r:embed="rId2">
+            <a:extLst>
+              <a:ext uri="{28A0092B-C50C-407E-A947-70E740481C1C}">
+                <a14:useLocalDpi xmlns:a14="http://schemas.microsoft.com/office/drawing/2010/main" val="0"/>
+              </a:ext>
+            </a:extLst>
+          </a:blip>
+          <a:stretch>
+            <a:fillRect/>
+          </a:stretch>
+        </p:blipFill>
+        <p:spPr>
+          <a:xfrm>
+            <a:off x="6500768" y="2658057"/>
+            <a:ext cx="5113091" cy="3834818"/>
+          </a:xfrm>
+          <a:prstGeom prst="rect">
+            <a:avLst/>
+          </a:prstGeom>
+        </p:spPr>
+      </p:pic>
+      <p:pic>
+        <p:nvPicPr>
+          <p:cNvPr id="8" name="Picture 7">
+            <a:extLst>
+              <a:ext uri="{FF2B5EF4-FFF2-40B4-BE49-F238E27FC236}">
+                <a16:creationId xmlns:a16="http://schemas.microsoft.com/office/drawing/2014/main" id="{060ADBAB-41DD-4F4B-AE30-AA467E462CDD}"/>
+              </a:ext>
+            </a:extLst>
+          </p:cNvPr>
+          <p:cNvPicPr>
+            <a:picLocks noChangeAspect="1"/>
+          </p:cNvPicPr>
+          <p:nvPr/>
+        </p:nvPicPr>
+        <p:blipFill>
+          <a:blip r:embed="rId3">
+            <a:extLst>
+              <a:ext uri="{28A0092B-C50C-407E-A947-70E740481C1C}">
+                <a14:useLocalDpi xmlns:a14="http://schemas.microsoft.com/office/drawing/2010/main" val="0"/>
+              </a:ext>
+            </a:extLst>
+          </a:blip>
+          <a:stretch>
+            <a:fillRect/>
+          </a:stretch>
+        </p:blipFill>
+        <p:spPr>
+          <a:xfrm>
+            <a:off x="8296713" y="263338"/>
+            <a:ext cx="3493740" cy="2620305"/>
+          </a:xfrm>
+          <a:prstGeom prst="rect">
+            <a:avLst/>
+          </a:prstGeom>
+        </p:spPr>
+      </p:pic>
+    </p:spTree>
+    <p:extLst>
+      <p:ext uri="{BB962C8B-B14F-4D97-AF65-F5344CB8AC3E}">
+        <p14:creationId xmlns:p14="http://schemas.microsoft.com/office/powerpoint/2010/main" val="177127381"/>
+      </p:ext>
+    </p:extLst>
+  </p:cSld>
+  <p:clrMapOvr>
+    <a:masterClrMapping/>
+  </p:clrMapOvr>
+</p:sld>
+</file>
+
+<file path=ppt/slides/slide13.xml><?xml version="1.0" encoding="utf-8"?>
+<p:sld xmlns:a="http://schemas.openxmlformats.org/drawingml/2006/main" xmlns:r="http://schemas.openxmlformats.org/officeDocument/2006/relationships" xmlns:p="http://schemas.openxmlformats.org/presentationml/2006/main">
+  <p:cSld>
+    <p:spTree>
+      <p:nvGrpSpPr>
+        <p:cNvPr id="1" name=""/>
+        <p:cNvGrpSpPr/>
+        <p:nvPr/>
+      </p:nvGrpSpPr>
+      <p:grpSpPr>
+        <a:xfrm>
+          <a:off x="0" y="0"/>
+          <a:ext cx="0" cy="0"/>
+          <a:chOff x="0" y="0"/>
+          <a:chExt cx="0" cy="0"/>
+        </a:xfrm>
+      </p:grpSpPr>
+      <p:sp>
+        <p:nvSpPr>
+          <p:cNvPr id="2" name="Title 1">
+            <a:extLst>
+              <a:ext uri="{FF2B5EF4-FFF2-40B4-BE49-F238E27FC236}">
+                <a16:creationId xmlns:a16="http://schemas.microsoft.com/office/drawing/2014/main" id="{8140B9FF-FE6C-41A4-BC75-C32D70C8A0D5}"/>
+              </a:ext>
+            </a:extLst>
+          </p:cNvPr>
+          <p:cNvSpPr>
+            <a:spLocks noGrp="1"/>
+          </p:cNvSpPr>
+          <p:nvPr>
+            <p:ph type="title"/>
+          </p:nvPr>
+        </p:nvSpPr>
+        <p:spPr/>
+        <p:txBody>
+          <a:bodyPr/>
+          <a:lstStyle/>
+          <a:p>
+            <a:endParaRPr lang="en-GB"/>
+          </a:p>
+        </p:txBody>
+      </p:sp>
+      <p:sp>
+        <p:nvSpPr>
+          <p:cNvPr id="3" name="Content Placeholder 2">
+            <a:extLst>
+              <a:ext uri="{FF2B5EF4-FFF2-40B4-BE49-F238E27FC236}">
+                <a16:creationId xmlns:a16="http://schemas.microsoft.com/office/drawing/2014/main" id="{29AC487E-9D66-4194-B5D7-EB6CFF896057}"/>
+              </a:ext>
+            </a:extLst>
+          </p:cNvPr>
+          <p:cNvSpPr>
+            <a:spLocks noGrp="1"/>
+          </p:cNvSpPr>
+          <p:nvPr>
+            <p:ph idx="1"/>
+          </p:nvPr>
+        </p:nvSpPr>
+        <p:spPr/>
+        <p:txBody>
+          <a:bodyPr/>
+          <a:lstStyle/>
+          <a:p>
+            <a:endParaRPr lang="en-GB"/>
+          </a:p>
+        </p:txBody>
+      </p:sp>
+    </p:spTree>
+    <p:extLst>
+      <p:ext uri="{BB962C8B-B14F-4D97-AF65-F5344CB8AC3E}">
+        <p14:creationId xmlns:p14="http://schemas.microsoft.com/office/powerpoint/2010/main" val="2958643758"/>
+      </p:ext>
+    </p:extLst>
+  </p:cSld>
+  <p:clrMapOvr>
+    <a:masterClrMapping/>
+  </p:clrMapOvr>
+</p:sld>
+</file>
+
 <file path=ppt/slides/slide2.xml><?xml version="1.0" encoding="utf-8"?>
 <p:sld xmlns:a="http://schemas.openxmlformats.org/drawingml/2006/main" xmlns:r="http://schemas.openxmlformats.org/officeDocument/2006/relationships" xmlns:p="http://schemas.openxmlformats.org/presentationml/2006/main">
   <p:cSld>
@@ -3909,13 +5818,8 @@
           <a:p>
             <a:r>
               <a:rPr lang="en-GB" dirty="0"/>
-              <a:t>0.2 </a:t>
-            </a:r>
-            <a:r>
-              <a:rPr lang="en-GB" dirty="0" err="1"/>
-              <a:t>MOhm</a:t>
-            </a:r>
-            <a:endParaRPr lang="en-GB" dirty="0"/>
+              <a:t>0.2 to 0.4 MOhm</a:t>
+            </a:r>
           </a:p>
         </p:txBody>
       </p:sp>
@@ -3949,6 +5853,42 @@
           <a:chExt cx="0" cy="0"/>
         </a:xfrm>
       </p:grpSpPr>
+      <p:pic>
+        <p:nvPicPr>
+          <p:cNvPr id="7" name="Picture 6">
+            <a:extLst>
+              <a:ext uri="{FF2B5EF4-FFF2-40B4-BE49-F238E27FC236}">
+                <a16:creationId xmlns:a16="http://schemas.microsoft.com/office/drawing/2014/main" id="{3562FA55-AC09-4A22-BED2-7E65B2448D6F}"/>
+              </a:ext>
+            </a:extLst>
+          </p:cNvPr>
+          <p:cNvPicPr>
+            <a:picLocks noChangeAspect="1"/>
+          </p:cNvPicPr>
+          <p:nvPr/>
+        </p:nvPicPr>
+        <p:blipFill>
+          <a:blip r:embed="rId2">
+            <a:extLst>
+              <a:ext uri="{28A0092B-C50C-407E-A947-70E740481C1C}">
+                <a14:useLocalDpi xmlns:a14="http://schemas.microsoft.com/office/drawing/2010/main" val="0"/>
+              </a:ext>
+            </a:extLst>
+          </a:blip>
+          <a:stretch>
+            <a:fillRect/>
+          </a:stretch>
+        </p:blipFill>
+        <p:spPr>
+          <a:xfrm>
+            <a:off x="8306773" y="116823"/>
+            <a:ext cx="3885227" cy="2913920"/>
+          </a:xfrm>
+          <a:prstGeom prst="rect">
+            <a:avLst/>
+          </a:prstGeom>
+        </p:spPr>
+      </p:pic>
       <p:sp>
         <p:nvSpPr>
           <p:cNvPr id="2" name="Title 1">
@@ -3967,19 +5907,21 @@
         </p:nvSpPr>
         <p:spPr/>
         <p:txBody>
-          <a:bodyPr/>
+          <a:bodyPr>
+            <a:normAutofit/>
+          </a:bodyPr>
           <a:lstStyle/>
           <a:p>
             <a:r>
-              <a:rPr lang="en-GB" dirty="0"/>
+              <a:rPr lang="en-GB" sz="3600" dirty="0"/>
               <a:t>Reaction to 1000ppm 1 bar H2/</a:t>
             </a:r>
             <a:r>
-              <a:rPr lang="en-GB" dirty="0" err="1"/>
+              <a:rPr lang="en-GB" sz="3600" dirty="0" err="1"/>
               <a:t>Ar</a:t>
             </a:r>
             <a:r>
-              <a:rPr lang="en-GB" dirty="0"/>
+              <a:rPr lang="en-GB" sz="3600" dirty="0"/>
               <a:t> – 5.2V</a:t>
             </a:r>
           </a:p>
@@ -4002,7 +5944,7 @@
           </p:nvPr>
         </p:nvPicPr>
         <p:blipFill>
-          <a:blip r:embed="rId2">
+          <a:blip r:embed="rId3">
             <a:extLst>
               <a:ext uri="{28A0092B-C50C-407E-A947-70E740481C1C}">
                 <a14:useLocalDpi xmlns:a14="http://schemas.microsoft.com/office/drawing/2010/main" val="0"/>
@@ -4015,45 +5957,9 @@
         </p:blipFill>
         <p:spPr>
           <a:xfrm>
-            <a:off x="2297527" y="1959880"/>
-            <a:ext cx="3687716" cy="2765787"/>
+            <a:off x="7213475" y="3064334"/>
+            <a:ext cx="4866671" cy="3650003"/>
           </a:xfrm>
-        </p:spPr>
-      </p:pic>
-      <p:pic>
-        <p:nvPicPr>
-          <p:cNvPr id="7" name="Picture 6">
-            <a:extLst>
-              <a:ext uri="{FF2B5EF4-FFF2-40B4-BE49-F238E27FC236}">
-                <a16:creationId xmlns:a16="http://schemas.microsoft.com/office/drawing/2014/main" id="{3562FA55-AC09-4A22-BED2-7E65B2448D6F}"/>
-              </a:ext>
-            </a:extLst>
-          </p:cNvPr>
-          <p:cNvPicPr>
-            <a:picLocks noChangeAspect="1"/>
-          </p:cNvPicPr>
-          <p:nvPr/>
-        </p:nvPicPr>
-        <p:blipFill>
-          <a:blip r:embed="rId3">
-            <a:extLst>
-              <a:ext uri="{28A0092B-C50C-407E-A947-70E740481C1C}">
-                <a14:useLocalDpi xmlns:a14="http://schemas.microsoft.com/office/drawing/2010/main" val="0"/>
-              </a:ext>
-            </a:extLst>
-          </a:blip>
-          <a:stretch>
-            <a:fillRect/>
-          </a:stretch>
-        </p:blipFill>
-        <p:spPr>
-          <a:xfrm>
-            <a:off x="6206759" y="1928845"/>
-            <a:ext cx="3885227" cy="2913920"/>
-          </a:xfrm>
-          <a:prstGeom prst="rect">
-            <a:avLst/>
-          </a:prstGeom>
         </p:spPr>
       </p:pic>
       <p:sp>
@@ -4070,8 +5976,8 @@
         </p:nvSpPr>
         <p:spPr>
           <a:xfrm>
-            <a:off x="1266738" y="4915949"/>
-            <a:ext cx="7248088" cy="1200329"/>
+            <a:off x="746621" y="1745617"/>
+            <a:ext cx="6014906" cy="1200329"/>
           </a:xfrm>
           <a:prstGeom prst="rect">
             <a:avLst/>
@@ -4086,21 +5992,559 @@
           <a:p>
             <a:r>
               <a:rPr lang="en-GB" dirty="0"/>
-              <a:t>Stable value in air and H2, with changing value in vacuum, probably due to temperature changes of the sensor due to the pressure changes and expanding gas</a:t>
-            </a:r>
-          </a:p>
-          <a:p>
-            <a:pPr marL="285750" indent="-285750">
-              <a:buFont typeface="Arial" panose="020B0604020202020204" pitchFamily="34" charset="0"/>
-              <a:buChar char="•"/>
-            </a:pPr>
+              <a:t>Stable value in air and H2 </a:t>
+            </a:r>
+          </a:p>
+          <a:p>
             <a:r>
               <a:rPr lang="en-GB" dirty="0"/>
-              <a:t>Extract mean resistance in air and H2 and compare with datasheet</a:t>
+              <a:t>Changing resistance in vacuum, probably due to temperature changes of the sensor due to the pressure changes and expanding gas</a:t>
             </a:r>
           </a:p>
         </p:txBody>
       </p:sp>
+      <p:sp>
+        <p:nvSpPr>
+          <p:cNvPr id="3" name="Rectangle 2">
+            <a:extLst>
+              <a:ext uri="{FF2B5EF4-FFF2-40B4-BE49-F238E27FC236}">
+                <a16:creationId xmlns:a16="http://schemas.microsoft.com/office/drawing/2014/main" id="{92145DB5-4A12-4CA4-9531-4029852CDCF8}"/>
+              </a:ext>
+            </a:extLst>
+          </p:cNvPr>
+          <p:cNvSpPr/>
+          <p:nvPr/>
+        </p:nvSpPr>
+        <p:spPr>
+          <a:xfrm>
+            <a:off x="838200" y="1204451"/>
+            <a:ext cx="3240952" cy="369332"/>
+          </a:xfrm>
+          <a:prstGeom prst="rect">
+            <a:avLst/>
+          </a:prstGeom>
+        </p:spPr>
+        <p:txBody>
+          <a:bodyPr wrap="none">
+            <a:spAutoFit/>
+          </a:bodyPr>
+          <a:lstStyle/>
+          <a:p>
+            <a:r>
+              <a:rPr lang="en-GB" dirty="0"/>
+              <a:t>0129_1623_2nd_sensor_airtoh2</a:t>
+            </a:r>
+          </a:p>
+        </p:txBody>
+      </p:sp>
+      <p:graphicFrame>
+        <p:nvGraphicFramePr>
+          <p:cNvPr id="9" name="Table 8">
+            <a:extLst>
+              <a:ext uri="{FF2B5EF4-FFF2-40B4-BE49-F238E27FC236}">
+                <a16:creationId xmlns:a16="http://schemas.microsoft.com/office/drawing/2014/main" id="{6E52D03D-60DC-4DEF-B1D3-E864121B2637}"/>
+              </a:ext>
+            </a:extLst>
+          </p:cNvPr>
+          <p:cNvGraphicFramePr>
+            <a:graphicFrameLocks noGrp="1"/>
+          </p:cNvGraphicFramePr>
+          <p:nvPr>
+            <p:extLst>
+              <p:ext uri="{D42A27DB-BD31-4B8C-83A1-F6EECF244321}">
+                <p14:modId xmlns:p14="http://schemas.microsoft.com/office/powerpoint/2010/main" val="86913051"/>
+              </p:ext>
+            </p:extLst>
+          </p:nvPr>
+        </p:nvGraphicFramePr>
+        <p:xfrm>
+          <a:off x="973125" y="3064334"/>
+          <a:ext cx="2317253" cy="571500"/>
+        </p:xfrm>
+        <a:graphic>
+          <a:graphicData uri="http://schemas.openxmlformats.org/drawingml/2006/table">
+            <a:tbl>
+              <a:tblPr/>
+              <a:tblGrid>
+                <a:gridCol w="402671">
+                  <a:extLst>
+                    <a:ext uri="{9D8B030D-6E8A-4147-A177-3AD203B41FA5}">
+                      <a16:colId xmlns:a16="http://schemas.microsoft.com/office/drawing/2014/main" val="2363969560"/>
+                    </a:ext>
+                  </a:extLst>
+                </a:gridCol>
+                <a:gridCol w="914400">
+                  <a:extLst>
+                    <a:ext uri="{9D8B030D-6E8A-4147-A177-3AD203B41FA5}">
+                      <a16:colId xmlns:a16="http://schemas.microsoft.com/office/drawing/2014/main" val="541187180"/>
+                    </a:ext>
+                  </a:extLst>
+                </a:gridCol>
+                <a:gridCol w="1000182">
+                  <a:extLst>
+                    <a:ext uri="{9D8B030D-6E8A-4147-A177-3AD203B41FA5}">
+                      <a16:colId xmlns:a16="http://schemas.microsoft.com/office/drawing/2014/main" val="758553676"/>
+                    </a:ext>
+                  </a:extLst>
+                </a:gridCol>
+              </a:tblGrid>
+              <a:tr h="190500">
+                <a:tc>
+                  <a:txBody>
+                    <a:bodyPr/>
+                    <a:lstStyle/>
+                    <a:p>
+                      <a:pPr algn="l" fontAlgn="b"/>
+                      <a:r>
+                        <a:rPr lang="en-GB" sz="1100" b="1" i="0" u="none" strike="noStrike">
+                          <a:solidFill>
+                            <a:srgbClr val="000000"/>
+                          </a:solidFill>
+                          <a:effectLst/>
+                          <a:latin typeface="Calibri" panose="020F0502020204030204" pitchFamily="34" charset="0"/>
+                        </a:rPr>
+                        <a:t>Part</a:t>
+                      </a:r>
+                    </a:p>
+                  </a:txBody>
+                  <a:tcPr marL="9525" marR="9525" marT="9525" marB="0" anchor="b">
+                    <a:lnL>
+                      <a:noFill/>
+                    </a:lnL>
+                    <a:lnR>
+                      <a:noFill/>
+                    </a:lnR>
+                    <a:lnT w="6350" cap="flat" cmpd="sng" algn="ctr">
+                      <a:solidFill>
+                        <a:srgbClr val="000000"/>
+                      </a:solidFill>
+                      <a:prstDash val="solid"/>
+                      <a:round/>
+                      <a:headEnd type="none" w="med" len="med"/>
+                      <a:tailEnd type="none" w="med" len="med"/>
+                    </a:lnT>
+                    <a:lnB w="6350" cap="flat" cmpd="sng" algn="ctr">
+                      <a:solidFill>
+                        <a:srgbClr val="000000"/>
+                      </a:solidFill>
+                      <a:prstDash val="solid"/>
+                      <a:round/>
+                      <a:headEnd type="none" w="med" len="med"/>
+                      <a:tailEnd type="none" w="med" len="med"/>
+                    </a:lnB>
+                  </a:tcPr>
+                </a:tc>
+                <a:tc>
+                  <a:txBody>
+                    <a:bodyPr/>
+                    <a:lstStyle/>
+                    <a:p>
+                      <a:pPr algn="l" fontAlgn="b"/>
+                      <a:r>
+                        <a:rPr lang="en-GB" sz="1100" b="1" i="0" u="none" strike="noStrike">
+                          <a:solidFill>
+                            <a:srgbClr val="000000"/>
+                          </a:solidFill>
+                          <a:effectLst/>
+                          <a:latin typeface="Calibri" panose="020F0502020204030204" pitchFamily="34" charset="0"/>
+                        </a:rPr>
+                        <a:t>R mean (Ohm)</a:t>
+                      </a:r>
+                    </a:p>
+                  </a:txBody>
+                  <a:tcPr marL="9525" marR="9525" marT="9525" marB="0" anchor="b">
+                    <a:lnL>
+                      <a:noFill/>
+                    </a:lnL>
+                    <a:lnR>
+                      <a:noFill/>
+                    </a:lnR>
+                    <a:lnT w="6350" cap="flat" cmpd="sng" algn="ctr">
+                      <a:solidFill>
+                        <a:srgbClr val="000000"/>
+                      </a:solidFill>
+                      <a:prstDash val="solid"/>
+                      <a:round/>
+                      <a:headEnd type="none" w="med" len="med"/>
+                      <a:tailEnd type="none" w="med" len="med"/>
+                    </a:lnT>
+                    <a:lnB w="6350" cap="flat" cmpd="sng" algn="ctr">
+                      <a:solidFill>
+                        <a:srgbClr val="000000"/>
+                      </a:solidFill>
+                      <a:prstDash val="solid"/>
+                      <a:round/>
+                      <a:headEnd type="none" w="med" len="med"/>
+                      <a:tailEnd type="none" w="med" len="med"/>
+                    </a:lnB>
+                  </a:tcPr>
+                </a:tc>
+                <a:tc>
+                  <a:txBody>
+                    <a:bodyPr/>
+                    <a:lstStyle/>
+                    <a:p>
+                      <a:pPr algn="l" fontAlgn="b"/>
+                      <a:r>
+                        <a:rPr lang="en-GB" sz="1100" b="1" i="0" u="none" strike="noStrike" dirty="0">
+                          <a:solidFill>
+                            <a:srgbClr val="000000"/>
+                          </a:solidFill>
+                          <a:effectLst/>
+                          <a:latin typeface="Calibri" panose="020F0502020204030204" pitchFamily="34" charset="0"/>
+                        </a:rPr>
+                        <a:t>Std </a:t>
+                      </a:r>
+                    </a:p>
+                  </a:txBody>
+                  <a:tcPr marL="9525" marR="9525" marT="9525" marB="0" anchor="b">
+                    <a:lnL>
+                      <a:noFill/>
+                    </a:lnL>
+                    <a:lnR>
+                      <a:noFill/>
+                    </a:lnR>
+                    <a:lnT w="6350" cap="flat" cmpd="sng" algn="ctr">
+                      <a:solidFill>
+                        <a:srgbClr val="000000"/>
+                      </a:solidFill>
+                      <a:prstDash val="solid"/>
+                      <a:round/>
+                      <a:headEnd type="none" w="med" len="med"/>
+                      <a:tailEnd type="none" w="med" len="med"/>
+                    </a:lnT>
+                    <a:lnB w="6350" cap="flat" cmpd="sng" algn="ctr">
+                      <a:solidFill>
+                        <a:srgbClr val="000000"/>
+                      </a:solidFill>
+                      <a:prstDash val="solid"/>
+                      <a:round/>
+                      <a:headEnd type="none" w="med" len="med"/>
+                      <a:tailEnd type="none" w="med" len="med"/>
+                    </a:lnB>
+                  </a:tcPr>
+                </a:tc>
+                <a:extLst>
+                  <a:ext uri="{0D108BD9-81ED-4DB2-BD59-A6C34878D82A}">
+                    <a16:rowId xmlns:a16="http://schemas.microsoft.com/office/drawing/2014/main" val="2442386308"/>
+                  </a:ext>
+                </a:extLst>
+              </a:tr>
+              <a:tr h="190500">
+                <a:tc>
+                  <a:txBody>
+                    <a:bodyPr/>
+                    <a:lstStyle/>
+                    <a:p>
+                      <a:pPr algn="l" fontAlgn="b"/>
+                      <a:r>
+                        <a:rPr lang="en-GB" sz="1100" b="0" i="0" u="none" strike="noStrike">
+                          <a:solidFill>
+                            <a:srgbClr val="000000"/>
+                          </a:solidFill>
+                          <a:effectLst/>
+                          <a:latin typeface="Calibri" panose="020F0502020204030204" pitchFamily="34" charset="0"/>
+                        </a:rPr>
+                        <a:t>Air</a:t>
+                      </a:r>
+                    </a:p>
+                  </a:txBody>
+                  <a:tcPr marL="9525" marR="9525" marT="9525" marB="0" anchor="b">
+                    <a:lnL>
+                      <a:noFill/>
+                    </a:lnL>
+                    <a:lnR>
+                      <a:noFill/>
+                    </a:lnR>
+                    <a:lnT w="6350" cap="flat" cmpd="sng" algn="ctr">
+                      <a:solidFill>
+                        <a:srgbClr val="000000"/>
+                      </a:solidFill>
+                      <a:prstDash val="solid"/>
+                      <a:round/>
+                      <a:headEnd type="none" w="med" len="med"/>
+                      <a:tailEnd type="none" w="med" len="med"/>
+                    </a:lnT>
+                    <a:lnB>
+                      <a:noFill/>
+                    </a:lnB>
+                    <a:solidFill>
+                      <a:srgbClr val="D9D9D9"/>
+                    </a:solidFill>
+                  </a:tcPr>
+                </a:tc>
+                <a:tc>
+                  <a:txBody>
+                    <a:bodyPr/>
+                    <a:lstStyle/>
+                    <a:p>
+                      <a:pPr algn="r" fontAlgn="b"/>
+                      <a:r>
+                        <a:rPr lang="en-GB" sz="1100" b="0" i="0" u="none" strike="noStrike">
+                          <a:solidFill>
+                            <a:srgbClr val="000000"/>
+                          </a:solidFill>
+                          <a:effectLst/>
+                          <a:latin typeface="Calibri" panose="020F0502020204030204" pitchFamily="34" charset="0"/>
+                        </a:rPr>
+                        <a:t>4.25E+05</a:t>
+                      </a:r>
+                    </a:p>
+                  </a:txBody>
+                  <a:tcPr marL="9525" marR="9525" marT="9525" marB="0" anchor="b">
+                    <a:lnL>
+                      <a:noFill/>
+                    </a:lnL>
+                    <a:lnR>
+                      <a:noFill/>
+                    </a:lnR>
+                    <a:lnT w="6350" cap="flat" cmpd="sng" algn="ctr">
+                      <a:solidFill>
+                        <a:srgbClr val="000000"/>
+                      </a:solidFill>
+                      <a:prstDash val="solid"/>
+                      <a:round/>
+                      <a:headEnd type="none" w="med" len="med"/>
+                      <a:tailEnd type="none" w="med" len="med"/>
+                    </a:lnT>
+                    <a:lnB>
+                      <a:noFill/>
+                    </a:lnB>
+                    <a:solidFill>
+                      <a:srgbClr val="D9D9D9"/>
+                    </a:solidFill>
+                  </a:tcPr>
+                </a:tc>
+                <a:tc>
+                  <a:txBody>
+                    <a:bodyPr/>
+                    <a:lstStyle/>
+                    <a:p>
+                      <a:pPr algn="r" fontAlgn="b"/>
+                      <a:r>
+                        <a:rPr lang="en-GB" sz="1100" b="0" i="0" u="none" strike="noStrike" dirty="0">
+                          <a:solidFill>
+                            <a:srgbClr val="000000"/>
+                          </a:solidFill>
+                          <a:effectLst/>
+                          <a:latin typeface="Calibri" panose="020F0502020204030204" pitchFamily="34" charset="0"/>
+                        </a:rPr>
+                        <a:t>4.46E+03</a:t>
+                      </a:r>
+                    </a:p>
+                  </a:txBody>
+                  <a:tcPr marL="9525" marR="9525" marT="9525" marB="0" anchor="b">
+                    <a:lnL>
+                      <a:noFill/>
+                    </a:lnL>
+                    <a:lnR>
+                      <a:noFill/>
+                    </a:lnR>
+                    <a:lnT w="6350" cap="flat" cmpd="sng" algn="ctr">
+                      <a:solidFill>
+                        <a:srgbClr val="000000"/>
+                      </a:solidFill>
+                      <a:prstDash val="solid"/>
+                      <a:round/>
+                      <a:headEnd type="none" w="med" len="med"/>
+                      <a:tailEnd type="none" w="med" len="med"/>
+                    </a:lnT>
+                    <a:lnB>
+                      <a:noFill/>
+                    </a:lnB>
+                    <a:solidFill>
+                      <a:srgbClr val="D9D9D9"/>
+                    </a:solidFill>
+                  </a:tcPr>
+                </a:tc>
+                <a:extLst>
+                  <a:ext uri="{0D108BD9-81ED-4DB2-BD59-A6C34878D82A}">
+                    <a16:rowId xmlns:a16="http://schemas.microsoft.com/office/drawing/2014/main" val="302750188"/>
+                  </a:ext>
+                </a:extLst>
+              </a:tr>
+              <a:tr h="190500">
+                <a:tc>
+                  <a:txBody>
+                    <a:bodyPr/>
+                    <a:lstStyle/>
+                    <a:p>
+                      <a:pPr algn="l" fontAlgn="b"/>
+                      <a:r>
+                        <a:rPr lang="en-GB" sz="1100" b="0" i="0" u="none" strike="noStrike" dirty="0">
+                          <a:solidFill>
+                            <a:srgbClr val="000000"/>
+                          </a:solidFill>
+                          <a:effectLst/>
+                          <a:latin typeface="Calibri" panose="020F0502020204030204" pitchFamily="34" charset="0"/>
+                        </a:rPr>
+                        <a:t>H2</a:t>
+                      </a:r>
+                    </a:p>
+                  </a:txBody>
+                  <a:tcPr marL="9525" marR="9525" marT="9525" marB="0" anchor="b">
+                    <a:lnL>
+                      <a:noFill/>
+                    </a:lnL>
+                    <a:lnR>
+                      <a:noFill/>
+                    </a:lnR>
+                    <a:lnT>
+                      <a:noFill/>
+                    </a:lnT>
+                    <a:lnB>
+                      <a:noFill/>
+                    </a:lnB>
+                  </a:tcPr>
+                </a:tc>
+                <a:tc>
+                  <a:txBody>
+                    <a:bodyPr/>
+                    <a:lstStyle/>
+                    <a:p>
+                      <a:pPr algn="r" fontAlgn="b"/>
+                      <a:r>
+                        <a:rPr lang="en-GB" sz="1100" b="0" i="0" u="none" strike="noStrike" dirty="0">
+                          <a:solidFill>
+                            <a:srgbClr val="000000"/>
+                          </a:solidFill>
+                          <a:effectLst/>
+                          <a:latin typeface="Calibri" panose="020F0502020204030204" pitchFamily="34" charset="0"/>
+                        </a:rPr>
+                        <a:t>2.17E+04</a:t>
+                      </a:r>
+                    </a:p>
+                  </a:txBody>
+                  <a:tcPr marL="9525" marR="9525" marT="9525" marB="0" anchor="b">
+                    <a:lnL>
+                      <a:noFill/>
+                    </a:lnL>
+                    <a:lnR>
+                      <a:noFill/>
+                    </a:lnR>
+                    <a:lnT>
+                      <a:noFill/>
+                    </a:lnT>
+                    <a:lnB>
+                      <a:noFill/>
+                    </a:lnB>
+                  </a:tcPr>
+                </a:tc>
+                <a:tc>
+                  <a:txBody>
+                    <a:bodyPr/>
+                    <a:lstStyle/>
+                    <a:p>
+                      <a:pPr algn="r" fontAlgn="b"/>
+                      <a:r>
+                        <a:rPr lang="en-GB" sz="1100" b="0" i="0" u="none" strike="noStrike" dirty="0">
+                          <a:solidFill>
+                            <a:srgbClr val="000000"/>
+                          </a:solidFill>
+                          <a:effectLst/>
+                          <a:latin typeface="Calibri" panose="020F0502020204030204" pitchFamily="34" charset="0"/>
+                        </a:rPr>
+                        <a:t>7.09E+03</a:t>
+                      </a:r>
+                    </a:p>
+                  </a:txBody>
+                  <a:tcPr marL="9525" marR="9525" marT="9525" marB="0" anchor="b">
+                    <a:lnL>
+                      <a:noFill/>
+                    </a:lnL>
+                    <a:lnR>
+                      <a:noFill/>
+                    </a:lnR>
+                    <a:lnT>
+                      <a:noFill/>
+                    </a:lnT>
+                    <a:lnB>
+                      <a:noFill/>
+                    </a:lnB>
+                  </a:tcPr>
+                </a:tc>
+                <a:extLst>
+                  <a:ext uri="{0D108BD9-81ED-4DB2-BD59-A6C34878D82A}">
+                    <a16:rowId xmlns:a16="http://schemas.microsoft.com/office/drawing/2014/main" val="4094390352"/>
+                  </a:ext>
+                </a:extLst>
+              </a:tr>
+            </a:tbl>
+          </a:graphicData>
+        </a:graphic>
+      </p:graphicFrame>
+      <p:pic>
+        <p:nvPicPr>
+          <p:cNvPr id="11" name="Picture 10">
+            <a:extLst>
+              <a:ext uri="{FF2B5EF4-FFF2-40B4-BE49-F238E27FC236}">
+                <a16:creationId xmlns:a16="http://schemas.microsoft.com/office/drawing/2014/main" id="{11229779-4317-428F-A724-51F747E99088}"/>
+              </a:ext>
+            </a:extLst>
+          </p:cNvPr>
+          <p:cNvPicPr>
+            <a:picLocks noChangeAspect="1"/>
+          </p:cNvPicPr>
+          <p:nvPr/>
+        </p:nvPicPr>
+        <p:blipFill>
+          <a:blip r:embed="rId4">
+            <a:extLst>
+              <a:ext uri="{28A0092B-C50C-407E-A947-70E740481C1C}">
+                <a14:useLocalDpi xmlns:a14="http://schemas.microsoft.com/office/drawing/2010/main" val="0"/>
+              </a:ext>
+            </a:extLst>
+          </a:blip>
+          <a:stretch>
+            <a:fillRect/>
+          </a:stretch>
+        </p:blipFill>
+        <p:spPr>
+          <a:xfrm>
+            <a:off x="111854" y="3754222"/>
+            <a:ext cx="3102527" cy="2326895"/>
+          </a:xfrm>
+          <a:prstGeom prst="rect">
+            <a:avLst/>
+          </a:prstGeom>
+        </p:spPr>
+      </p:pic>
+      <p:pic>
+        <p:nvPicPr>
+          <p:cNvPr id="15" name="Picture 14">
+            <a:extLst>
+              <a:ext uri="{FF2B5EF4-FFF2-40B4-BE49-F238E27FC236}">
+                <a16:creationId xmlns:a16="http://schemas.microsoft.com/office/drawing/2014/main" id="{A0C8DDA3-762B-41B7-8AC3-D6AF8F69BB97}"/>
+              </a:ext>
+            </a:extLst>
+          </p:cNvPr>
+          <p:cNvPicPr>
+            <a:picLocks noChangeAspect="1"/>
+          </p:cNvPicPr>
+          <p:nvPr/>
+        </p:nvPicPr>
+        <p:blipFill>
+          <a:blip r:embed="rId5">
+            <a:extLst>
+              <a:ext uri="{28A0092B-C50C-407E-A947-70E740481C1C}">
+                <a14:useLocalDpi xmlns:a14="http://schemas.microsoft.com/office/drawing/2010/main" val="0"/>
+              </a:ext>
+            </a:extLst>
+          </a:blip>
+          <a:stretch>
+            <a:fillRect/>
+          </a:stretch>
+        </p:blipFill>
+        <p:spPr>
+          <a:xfrm>
+            <a:off x="3222771" y="3754222"/>
+            <a:ext cx="3102527" cy="2326895"/>
+          </a:xfrm>
+          <a:prstGeom prst="rect">
+            <a:avLst/>
+          </a:prstGeom>
+        </p:spPr>
+      </p:pic>
     </p:spTree>
     <p:extLst>
       <p:ext uri="{BB962C8B-B14F-4D97-AF65-F5344CB8AC3E}">
@@ -4136,7 +6580,7 @@
           <p:cNvPr id="2" name="Title 1">
             <a:extLst>
               <a:ext uri="{FF2B5EF4-FFF2-40B4-BE49-F238E27FC236}">
-                <a16:creationId xmlns:a16="http://schemas.microsoft.com/office/drawing/2014/main" id="{89EC057E-9A2E-45B4-BD0C-4E665FCC9F87}"/>
+                <a16:creationId xmlns:a16="http://schemas.microsoft.com/office/drawing/2014/main" id="{409B5D75-49C5-4EA7-BC31-2D36940C87F6}"/>
               </a:ext>
             </a:extLst>
           </p:cNvPr>
@@ -4154,17 +6598,632 @@
           <a:p>
             <a:r>
               <a:rPr lang="en-GB" dirty="0"/>
-              <a:t>Stable value in Air – 5.3V</a:t>
+              <a:t>Reaction to 1000ppm 1 bar H2/</a:t>
+            </a:r>
+            <a:r>
+              <a:rPr lang="en-GB" dirty="0" err="1"/>
+              <a:t>Ar</a:t>
+            </a:r>
+            <a:r>
+              <a:rPr lang="en-GB" dirty="0"/>
+              <a:t> – 5.2V</a:t>
             </a:r>
           </a:p>
         </p:txBody>
       </p:sp>
+      <p:pic>
+        <p:nvPicPr>
+          <p:cNvPr id="11" name="Content Placeholder 10">
+            <a:extLst>
+              <a:ext uri="{FF2B5EF4-FFF2-40B4-BE49-F238E27FC236}">
+                <a16:creationId xmlns:a16="http://schemas.microsoft.com/office/drawing/2014/main" id="{7FD7BDD5-37C6-4D89-964C-059AF67062E9}"/>
+              </a:ext>
+            </a:extLst>
+          </p:cNvPr>
+          <p:cNvPicPr>
+            <a:picLocks noGrp="1" noChangeAspect="1"/>
+          </p:cNvPicPr>
+          <p:nvPr>
+            <p:ph idx="1"/>
+          </p:nvPr>
+        </p:nvPicPr>
+        <p:blipFill>
+          <a:blip r:embed="rId2">
+            <a:extLst>
+              <a:ext uri="{28A0092B-C50C-407E-A947-70E740481C1C}">
+                <a14:useLocalDpi xmlns:a14="http://schemas.microsoft.com/office/drawing/2010/main" val="0"/>
+              </a:ext>
+            </a:extLst>
+          </a:blip>
+          <a:stretch>
+            <a:fillRect/>
+          </a:stretch>
+        </p:blipFill>
+        <p:spPr>
+          <a:xfrm>
+            <a:off x="8518028" y="3517114"/>
+            <a:ext cx="3559906" cy="2669929"/>
+          </a:xfrm>
+        </p:spPr>
+      </p:pic>
       <p:sp>
         <p:nvSpPr>
-          <p:cNvPr id="3" name="Content Placeholder 2">
-            <a:extLst>
-              <a:ext uri="{FF2B5EF4-FFF2-40B4-BE49-F238E27FC236}">
-                <a16:creationId xmlns:a16="http://schemas.microsoft.com/office/drawing/2014/main" id="{1D9746F7-7F5E-45A7-ABA2-3014BA231DEB}"/>
+          <p:cNvPr id="4" name="Rectangle 3">
+            <a:extLst>
+              <a:ext uri="{FF2B5EF4-FFF2-40B4-BE49-F238E27FC236}">
+                <a16:creationId xmlns:a16="http://schemas.microsoft.com/office/drawing/2014/main" id="{64E06091-9908-4463-A671-5A45F4ECAFBC}"/>
+              </a:ext>
+            </a:extLst>
+          </p:cNvPr>
+          <p:cNvSpPr/>
+          <p:nvPr/>
+        </p:nvSpPr>
+        <p:spPr>
+          <a:xfrm>
+            <a:off x="838200" y="1204451"/>
+            <a:ext cx="3240952" cy="369332"/>
+          </a:xfrm>
+          <a:prstGeom prst="rect">
+            <a:avLst/>
+          </a:prstGeom>
+        </p:spPr>
+        <p:txBody>
+          <a:bodyPr wrap="none">
+            <a:spAutoFit/>
+          </a:bodyPr>
+          <a:lstStyle/>
+          <a:p>
+            <a:r>
+              <a:rPr lang="en-GB" dirty="0"/>
+              <a:t>0129_1623_2nd_sensor_airtoh2</a:t>
+            </a:r>
+          </a:p>
+        </p:txBody>
+      </p:sp>
+      <p:graphicFrame>
+        <p:nvGraphicFramePr>
+          <p:cNvPr id="5" name="Table 4">
+            <a:extLst>
+              <a:ext uri="{FF2B5EF4-FFF2-40B4-BE49-F238E27FC236}">
+                <a16:creationId xmlns:a16="http://schemas.microsoft.com/office/drawing/2014/main" id="{37C25D02-1D8D-43D9-9998-0E7F769DDE7E}"/>
+              </a:ext>
+            </a:extLst>
+          </p:cNvPr>
+          <p:cNvGraphicFramePr>
+            <a:graphicFrameLocks noGrp="1"/>
+          </p:cNvGraphicFramePr>
+          <p:nvPr>
+            <p:extLst>
+              <p:ext uri="{D42A27DB-BD31-4B8C-83A1-F6EECF244321}">
+                <p14:modId xmlns:p14="http://schemas.microsoft.com/office/powerpoint/2010/main" val="2856665607"/>
+              </p:ext>
+            </p:extLst>
+          </p:nvPr>
+        </p:nvGraphicFramePr>
+        <p:xfrm>
+          <a:off x="3166305" y="2318151"/>
+          <a:ext cx="2317253" cy="571500"/>
+        </p:xfrm>
+        <a:graphic>
+          <a:graphicData uri="http://schemas.openxmlformats.org/drawingml/2006/table">
+            <a:tbl>
+              <a:tblPr/>
+              <a:tblGrid>
+                <a:gridCol w="402671">
+                  <a:extLst>
+                    <a:ext uri="{9D8B030D-6E8A-4147-A177-3AD203B41FA5}">
+                      <a16:colId xmlns:a16="http://schemas.microsoft.com/office/drawing/2014/main" val="2363969560"/>
+                    </a:ext>
+                  </a:extLst>
+                </a:gridCol>
+                <a:gridCol w="914400">
+                  <a:extLst>
+                    <a:ext uri="{9D8B030D-6E8A-4147-A177-3AD203B41FA5}">
+                      <a16:colId xmlns:a16="http://schemas.microsoft.com/office/drawing/2014/main" val="541187180"/>
+                    </a:ext>
+                  </a:extLst>
+                </a:gridCol>
+                <a:gridCol w="1000182">
+                  <a:extLst>
+                    <a:ext uri="{9D8B030D-6E8A-4147-A177-3AD203B41FA5}">
+                      <a16:colId xmlns:a16="http://schemas.microsoft.com/office/drawing/2014/main" val="758553676"/>
+                    </a:ext>
+                  </a:extLst>
+                </a:gridCol>
+              </a:tblGrid>
+              <a:tr h="190500">
+                <a:tc>
+                  <a:txBody>
+                    <a:bodyPr/>
+                    <a:lstStyle/>
+                    <a:p>
+                      <a:pPr algn="l" fontAlgn="b"/>
+                      <a:r>
+                        <a:rPr lang="en-GB" sz="1100" b="1" i="0" u="none" strike="noStrike" dirty="0">
+                          <a:solidFill>
+                            <a:srgbClr val="000000"/>
+                          </a:solidFill>
+                          <a:effectLst/>
+                          <a:latin typeface="Calibri" panose="020F0502020204030204" pitchFamily="34" charset="0"/>
+                        </a:rPr>
+                        <a:t>Part</a:t>
+                      </a:r>
+                    </a:p>
+                  </a:txBody>
+                  <a:tcPr marL="9525" marR="9525" marT="9525" marB="0" anchor="b">
+                    <a:lnL>
+                      <a:noFill/>
+                    </a:lnL>
+                    <a:lnR>
+                      <a:noFill/>
+                    </a:lnR>
+                    <a:lnT w="6350" cap="flat" cmpd="sng" algn="ctr">
+                      <a:solidFill>
+                        <a:srgbClr val="000000"/>
+                      </a:solidFill>
+                      <a:prstDash val="solid"/>
+                      <a:round/>
+                      <a:headEnd type="none" w="med" len="med"/>
+                      <a:tailEnd type="none" w="med" len="med"/>
+                    </a:lnT>
+                    <a:lnB w="6350" cap="flat" cmpd="sng" algn="ctr">
+                      <a:solidFill>
+                        <a:srgbClr val="000000"/>
+                      </a:solidFill>
+                      <a:prstDash val="solid"/>
+                      <a:round/>
+                      <a:headEnd type="none" w="med" len="med"/>
+                      <a:tailEnd type="none" w="med" len="med"/>
+                    </a:lnB>
+                  </a:tcPr>
+                </a:tc>
+                <a:tc>
+                  <a:txBody>
+                    <a:bodyPr/>
+                    <a:lstStyle/>
+                    <a:p>
+                      <a:pPr algn="l" fontAlgn="b"/>
+                      <a:r>
+                        <a:rPr lang="en-GB" sz="1100" b="1" i="0" u="none" strike="noStrike">
+                          <a:solidFill>
+                            <a:srgbClr val="000000"/>
+                          </a:solidFill>
+                          <a:effectLst/>
+                          <a:latin typeface="Calibri" panose="020F0502020204030204" pitchFamily="34" charset="0"/>
+                        </a:rPr>
+                        <a:t>R mean (Ohm)</a:t>
+                      </a:r>
+                    </a:p>
+                  </a:txBody>
+                  <a:tcPr marL="9525" marR="9525" marT="9525" marB="0" anchor="b">
+                    <a:lnL>
+                      <a:noFill/>
+                    </a:lnL>
+                    <a:lnR>
+                      <a:noFill/>
+                    </a:lnR>
+                    <a:lnT w="6350" cap="flat" cmpd="sng" algn="ctr">
+                      <a:solidFill>
+                        <a:srgbClr val="000000"/>
+                      </a:solidFill>
+                      <a:prstDash val="solid"/>
+                      <a:round/>
+                      <a:headEnd type="none" w="med" len="med"/>
+                      <a:tailEnd type="none" w="med" len="med"/>
+                    </a:lnT>
+                    <a:lnB w="6350" cap="flat" cmpd="sng" algn="ctr">
+                      <a:solidFill>
+                        <a:srgbClr val="000000"/>
+                      </a:solidFill>
+                      <a:prstDash val="solid"/>
+                      <a:round/>
+                      <a:headEnd type="none" w="med" len="med"/>
+                      <a:tailEnd type="none" w="med" len="med"/>
+                    </a:lnB>
+                  </a:tcPr>
+                </a:tc>
+                <a:tc>
+                  <a:txBody>
+                    <a:bodyPr/>
+                    <a:lstStyle/>
+                    <a:p>
+                      <a:pPr algn="l" fontAlgn="b"/>
+                      <a:r>
+                        <a:rPr lang="en-GB" sz="1100" b="1" i="0" u="none" strike="noStrike" dirty="0">
+                          <a:solidFill>
+                            <a:srgbClr val="000000"/>
+                          </a:solidFill>
+                          <a:effectLst/>
+                          <a:latin typeface="Calibri" panose="020F0502020204030204" pitchFamily="34" charset="0"/>
+                        </a:rPr>
+                        <a:t>Std </a:t>
+                      </a:r>
+                    </a:p>
+                  </a:txBody>
+                  <a:tcPr marL="9525" marR="9525" marT="9525" marB="0" anchor="b">
+                    <a:lnL>
+                      <a:noFill/>
+                    </a:lnL>
+                    <a:lnR>
+                      <a:noFill/>
+                    </a:lnR>
+                    <a:lnT w="6350" cap="flat" cmpd="sng" algn="ctr">
+                      <a:solidFill>
+                        <a:srgbClr val="000000"/>
+                      </a:solidFill>
+                      <a:prstDash val="solid"/>
+                      <a:round/>
+                      <a:headEnd type="none" w="med" len="med"/>
+                      <a:tailEnd type="none" w="med" len="med"/>
+                    </a:lnT>
+                    <a:lnB w="6350" cap="flat" cmpd="sng" algn="ctr">
+                      <a:solidFill>
+                        <a:srgbClr val="000000"/>
+                      </a:solidFill>
+                      <a:prstDash val="solid"/>
+                      <a:round/>
+                      <a:headEnd type="none" w="med" len="med"/>
+                      <a:tailEnd type="none" w="med" len="med"/>
+                    </a:lnB>
+                  </a:tcPr>
+                </a:tc>
+                <a:extLst>
+                  <a:ext uri="{0D108BD9-81ED-4DB2-BD59-A6C34878D82A}">
+                    <a16:rowId xmlns:a16="http://schemas.microsoft.com/office/drawing/2014/main" val="2442386308"/>
+                  </a:ext>
+                </a:extLst>
+              </a:tr>
+              <a:tr h="190500">
+                <a:tc>
+                  <a:txBody>
+                    <a:bodyPr/>
+                    <a:lstStyle/>
+                    <a:p>
+                      <a:pPr algn="l" fontAlgn="b"/>
+                      <a:r>
+                        <a:rPr lang="en-GB" sz="1100" b="0" i="0" u="none" strike="noStrike" dirty="0">
+                          <a:solidFill>
+                            <a:srgbClr val="000000"/>
+                          </a:solidFill>
+                          <a:effectLst/>
+                          <a:latin typeface="Calibri" panose="020F0502020204030204" pitchFamily="34" charset="0"/>
+                        </a:rPr>
+                        <a:t>Air</a:t>
+                      </a:r>
+                    </a:p>
+                  </a:txBody>
+                  <a:tcPr marL="9525" marR="9525" marT="9525" marB="0" anchor="b">
+                    <a:lnL>
+                      <a:noFill/>
+                    </a:lnL>
+                    <a:lnR>
+                      <a:noFill/>
+                    </a:lnR>
+                    <a:lnT w="6350" cap="flat" cmpd="sng" algn="ctr">
+                      <a:solidFill>
+                        <a:srgbClr val="000000"/>
+                      </a:solidFill>
+                      <a:prstDash val="solid"/>
+                      <a:round/>
+                      <a:headEnd type="none" w="med" len="med"/>
+                      <a:tailEnd type="none" w="med" len="med"/>
+                    </a:lnT>
+                    <a:lnB>
+                      <a:noFill/>
+                    </a:lnB>
+                    <a:solidFill>
+                      <a:srgbClr val="D9D9D9"/>
+                    </a:solidFill>
+                  </a:tcPr>
+                </a:tc>
+                <a:tc>
+                  <a:txBody>
+                    <a:bodyPr/>
+                    <a:lstStyle/>
+                    <a:p>
+                      <a:pPr algn="r" fontAlgn="b"/>
+                      <a:r>
+                        <a:rPr lang="en-GB" sz="1100" b="0" i="0" u="none" strike="noStrike" dirty="0">
+                          <a:solidFill>
+                            <a:srgbClr val="000000"/>
+                          </a:solidFill>
+                          <a:effectLst/>
+                          <a:latin typeface="Calibri" panose="020F0502020204030204" pitchFamily="34" charset="0"/>
+                        </a:rPr>
+                        <a:t>4.25E+05</a:t>
+                      </a:r>
+                    </a:p>
+                  </a:txBody>
+                  <a:tcPr marL="9525" marR="9525" marT="9525" marB="0" anchor="b">
+                    <a:lnL>
+                      <a:noFill/>
+                    </a:lnL>
+                    <a:lnR>
+                      <a:noFill/>
+                    </a:lnR>
+                    <a:lnT w="6350" cap="flat" cmpd="sng" algn="ctr">
+                      <a:solidFill>
+                        <a:srgbClr val="000000"/>
+                      </a:solidFill>
+                      <a:prstDash val="solid"/>
+                      <a:round/>
+                      <a:headEnd type="none" w="med" len="med"/>
+                      <a:tailEnd type="none" w="med" len="med"/>
+                    </a:lnT>
+                    <a:lnB>
+                      <a:noFill/>
+                    </a:lnB>
+                    <a:solidFill>
+                      <a:srgbClr val="D9D9D9"/>
+                    </a:solidFill>
+                  </a:tcPr>
+                </a:tc>
+                <a:tc>
+                  <a:txBody>
+                    <a:bodyPr/>
+                    <a:lstStyle/>
+                    <a:p>
+                      <a:pPr algn="r" fontAlgn="b"/>
+                      <a:r>
+                        <a:rPr lang="en-GB" sz="1100" b="0" i="0" u="none" strike="noStrike" dirty="0">
+                          <a:solidFill>
+                            <a:srgbClr val="000000"/>
+                          </a:solidFill>
+                          <a:effectLst/>
+                          <a:latin typeface="Calibri" panose="020F0502020204030204" pitchFamily="34" charset="0"/>
+                        </a:rPr>
+                        <a:t>4.46E+03</a:t>
+                      </a:r>
+                    </a:p>
+                  </a:txBody>
+                  <a:tcPr marL="9525" marR="9525" marT="9525" marB="0" anchor="b">
+                    <a:lnL>
+                      <a:noFill/>
+                    </a:lnL>
+                    <a:lnR>
+                      <a:noFill/>
+                    </a:lnR>
+                    <a:lnT w="6350" cap="flat" cmpd="sng" algn="ctr">
+                      <a:solidFill>
+                        <a:srgbClr val="000000"/>
+                      </a:solidFill>
+                      <a:prstDash val="solid"/>
+                      <a:round/>
+                      <a:headEnd type="none" w="med" len="med"/>
+                      <a:tailEnd type="none" w="med" len="med"/>
+                    </a:lnT>
+                    <a:lnB>
+                      <a:noFill/>
+                    </a:lnB>
+                    <a:solidFill>
+                      <a:srgbClr val="D9D9D9"/>
+                    </a:solidFill>
+                  </a:tcPr>
+                </a:tc>
+                <a:extLst>
+                  <a:ext uri="{0D108BD9-81ED-4DB2-BD59-A6C34878D82A}">
+                    <a16:rowId xmlns:a16="http://schemas.microsoft.com/office/drawing/2014/main" val="302750188"/>
+                  </a:ext>
+                </a:extLst>
+              </a:tr>
+              <a:tr h="190500">
+                <a:tc>
+                  <a:txBody>
+                    <a:bodyPr/>
+                    <a:lstStyle/>
+                    <a:p>
+                      <a:pPr algn="l" fontAlgn="b"/>
+                      <a:r>
+                        <a:rPr lang="en-GB" sz="1100" b="0" i="0" u="none" strike="noStrike" dirty="0">
+                          <a:solidFill>
+                            <a:srgbClr val="000000"/>
+                          </a:solidFill>
+                          <a:effectLst/>
+                          <a:latin typeface="Calibri" panose="020F0502020204030204" pitchFamily="34" charset="0"/>
+                        </a:rPr>
+                        <a:t>H2</a:t>
+                      </a:r>
+                    </a:p>
+                  </a:txBody>
+                  <a:tcPr marL="9525" marR="9525" marT="9525" marB="0" anchor="b">
+                    <a:lnL>
+                      <a:noFill/>
+                    </a:lnL>
+                    <a:lnR>
+                      <a:noFill/>
+                    </a:lnR>
+                    <a:lnT>
+                      <a:noFill/>
+                    </a:lnT>
+                    <a:lnB>
+                      <a:noFill/>
+                    </a:lnB>
+                  </a:tcPr>
+                </a:tc>
+                <a:tc>
+                  <a:txBody>
+                    <a:bodyPr/>
+                    <a:lstStyle/>
+                    <a:p>
+                      <a:pPr algn="r" fontAlgn="b"/>
+                      <a:r>
+                        <a:rPr lang="en-GB" sz="1100" b="0" i="0" u="none" strike="noStrike" dirty="0">
+                          <a:solidFill>
+                            <a:srgbClr val="000000"/>
+                          </a:solidFill>
+                          <a:effectLst/>
+                          <a:latin typeface="Calibri" panose="020F0502020204030204" pitchFamily="34" charset="0"/>
+                        </a:rPr>
+                        <a:t>2.17E+04</a:t>
+                      </a:r>
+                    </a:p>
+                  </a:txBody>
+                  <a:tcPr marL="9525" marR="9525" marT="9525" marB="0" anchor="b">
+                    <a:lnL>
+                      <a:noFill/>
+                    </a:lnL>
+                    <a:lnR>
+                      <a:noFill/>
+                    </a:lnR>
+                    <a:lnT>
+                      <a:noFill/>
+                    </a:lnT>
+                    <a:lnB>
+                      <a:noFill/>
+                    </a:lnB>
+                  </a:tcPr>
+                </a:tc>
+                <a:tc>
+                  <a:txBody>
+                    <a:bodyPr/>
+                    <a:lstStyle/>
+                    <a:p>
+                      <a:pPr algn="r" fontAlgn="b"/>
+                      <a:r>
+                        <a:rPr lang="en-GB" sz="1100" b="0" i="0" u="none" strike="noStrike" dirty="0">
+                          <a:solidFill>
+                            <a:srgbClr val="000000"/>
+                          </a:solidFill>
+                          <a:effectLst/>
+                          <a:latin typeface="Calibri" panose="020F0502020204030204" pitchFamily="34" charset="0"/>
+                        </a:rPr>
+                        <a:t>7.09E+03</a:t>
+                      </a:r>
+                    </a:p>
+                  </a:txBody>
+                  <a:tcPr marL="9525" marR="9525" marT="9525" marB="0" anchor="b">
+                    <a:lnL>
+                      <a:noFill/>
+                    </a:lnL>
+                    <a:lnR>
+                      <a:noFill/>
+                    </a:lnR>
+                    <a:lnT>
+                      <a:noFill/>
+                    </a:lnT>
+                    <a:lnB>
+                      <a:noFill/>
+                    </a:lnB>
+                  </a:tcPr>
+                </a:tc>
+                <a:extLst>
+                  <a:ext uri="{0D108BD9-81ED-4DB2-BD59-A6C34878D82A}">
+                    <a16:rowId xmlns:a16="http://schemas.microsoft.com/office/drawing/2014/main" val="4094390352"/>
+                  </a:ext>
+                </a:extLst>
+              </a:tr>
+            </a:tbl>
+          </a:graphicData>
+        </a:graphic>
+      </p:graphicFrame>
+      <p:pic>
+        <p:nvPicPr>
+          <p:cNvPr id="7" name="Picture 6">
+            <a:extLst>
+              <a:ext uri="{FF2B5EF4-FFF2-40B4-BE49-F238E27FC236}">
+                <a16:creationId xmlns:a16="http://schemas.microsoft.com/office/drawing/2014/main" id="{0E569EB2-D489-4356-855C-7F0439EC21FF}"/>
+              </a:ext>
+            </a:extLst>
+          </p:cNvPr>
+          <p:cNvPicPr>
+            <a:picLocks noChangeAspect="1"/>
+          </p:cNvPicPr>
+          <p:nvPr/>
+        </p:nvPicPr>
+        <p:blipFill>
+          <a:blip r:embed="rId3">
+            <a:extLst>
+              <a:ext uri="{28A0092B-C50C-407E-A947-70E740481C1C}">
+                <a14:useLocalDpi xmlns:a14="http://schemas.microsoft.com/office/drawing/2010/main" val="0"/>
+              </a:ext>
+            </a:extLst>
+          </a:blip>
+          <a:stretch>
+            <a:fillRect/>
+          </a:stretch>
+        </p:blipFill>
+        <p:spPr>
+          <a:xfrm>
+            <a:off x="397079" y="3147197"/>
+            <a:ext cx="4032059" cy="3024044"/>
+          </a:xfrm>
+          <a:prstGeom prst="rect">
+            <a:avLst/>
+          </a:prstGeom>
+        </p:spPr>
+      </p:pic>
+      <p:pic>
+        <p:nvPicPr>
+          <p:cNvPr id="8" name="Picture 7">
+            <a:extLst>
+              <a:ext uri="{FF2B5EF4-FFF2-40B4-BE49-F238E27FC236}">
+                <a16:creationId xmlns:a16="http://schemas.microsoft.com/office/drawing/2014/main" id="{F22B7D4F-C9C8-4277-A17A-B9069EAC8E32}"/>
+              </a:ext>
+            </a:extLst>
+          </p:cNvPr>
+          <p:cNvPicPr>
+            <a:picLocks noChangeAspect="1"/>
+          </p:cNvPicPr>
+          <p:nvPr/>
+        </p:nvPicPr>
+        <p:blipFill>
+          <a:blip r:embed="rId4">
+            <a:extLst>
+              <a:ext uri="{28A0092B-C50C-407E-A947-70E740481C1C}">
+                <a14:useLocalDpi xmlns:a14="http://schemas.microsoft.com/office/drawing/2010/main" val="0"/>
+              </a:ext>
+            </a:extLst>
+          </a:blip>
+          <a:stretch>
+            <a:fillRect/>
+          </a:stretch>
+        </p:blipFill>
+        <p:spPr>
+          <a:xfrm>
+            <a:off x="4324932" y="3147197"/>
+            <a:ext cx="4032059" cy="3024044"/>
+          </a:xfrm>
+          <a:prstGeom prst="rect">
+            <a:avLst/>
+          </a:prstGeom>
+        </p:spPr>
+      </p:pic>
+    </p:spTree>
+    <p:extLst>
+      <p:ext uri="{BB962C8B-B14F-4D97-AF65-F5344CB8AC3E}">
+        <p14:creationId xmlns:p14="http://schemas.microsoft.com/office/powerpoint/2010/main" val="841004286"/>
+      </p:ext>
+    </p:extLst>
+  </p:cSld>
+  <p:clrMapOvr>
+    <a:masterClrMapping/>
+  </p:clrMapOvr>
+</p:sld>
+</file>
+
+<file path=ppt/slides/slide5.xml><?xml version="1.0" encoding="utf-8"?>
+<p:sld xmlns:a="http://schemas.openxmlformats.org/drawingml/2006/main" xmlns:r="http://schemas.openxmlformats.org/officeDocument/2006/relationships" xmlns:p="http://schemas.openxmlformats.org/presentationml/2006/main">
+  <p:cSld>
+    <p:spTree>
+      <p:nvGrpSpPr>
+        <p:cNvPr id="1" name=""/>
+        <p:cNvGrpSpPr/>
+        <p:nvPr/>
+      </p:nvGrpSpPr>
+      <p:grpSpPr>
+        <a:xfrm>
+          <a:off x="0" y="0"/>
+          <a:ext cx="0" cy="0"/>
+          <a:chOff x="0" y="0"/>
+          <a:chExt cx="0" cy="0"/>
+        </a:xfrm>
+      </p:grpSpPr>
+      <p:sp>
+        <p:nvSpPr>
+          <p:cNvPr id="2" name="Title 1">
+            <a:extLst>
+              <a:ext uri="{FF2B5EF4-FFF2-40B4-BE49-F238E27FC236}">
+                <a16:creationId xmlns:a16="http://schemas.microsoft.com/office/drawing/2014/main" id="{89EC057E-9A2E-45B4-BD0C-4E665FCC9F87}"/>
               </a:ext>
             </a:extLst>
           </p:cNvPr>
@@ -4172,7 +7231,7 @@
             <a:spLocks noGrp="1"/>
           </p:cNvSpPr>
           <p:nvPr>
-            <p:ph idx="1"/>
+            <p:ph type="title"/>
           </p:nvPr>
         </p:nvSpPr>
         <p:spPr/>
@@ -4180,7 +7239,187 @@
           <a:bodyPr/>
           <a:lstStyle/>
           <a:p>
-            <a:endParaRPr lang="en-GB"/>
+            <a:r>
+              <a:rPr lang="en-GB" dirty="0"/>
+              <a:t>Stable value in Air – 5.3V</a:t>
+            </a:r>
+          </a:p>
+        </p:txBody>
+      </p:sp>
+      <p:pic>
+        <p:nvPicPr>
+          <p:cNvPr id="5" name="Content Placeholder 4">
+            <a:extLst>
+              <a:ext uri="{FF2B5EF4-FFF2-40B4-BE49-F238E27FC236}">
+                <a16:creationId xmlns:a16="http://schemas.microsoft.com/office/drawing/2014/main" id="{91A2F31B-0741-4F2E-9D50-6177FE5F7A74}"/>
+              </a:ext>
+            </a:extLst>
+          </p:cNvPr>
+          <p:cNvPicPr>
+            <a:picLocks noGrp="1" noChangeAspect="1"/>
+          </p:cNvPicPr>
+          <p:nvPr>
+            <p:ph idx="1"/>
+          </p:nvPr>
+        </p:nvPicPr>
+        <p:blipFill>
+          <a:blip r:embed="rId2">
+            <a:extLst>
+              <a:ext uri="{28A0092B-C50C-407E-A947-70E740481C1C}">
+                <a14:useLocalDpi xmlns:a14="http://schemas.microsoft.com/office/drawing/2010/main" val="0"/>
+              </a:ext>
+            </a:extLst>
+          </a:blip>
+          <a:stretch>
+            <a:fillRect/>
+          </a:stretch>
+        </p:blipFill>
+        <p:spPr>
+          <a:xfrm>
+            <a:off x="6307423" y="2421244"/>
+            <a:ext cx="5801784" cy="4351338"/>
+          </a:xfrm>
+        </p:spPr>
+      </p:pic>
+      <p:pic>
+        <p:nvPicPr>
+          <p:cNvPr id="7" name="Picture 6">
+            <a:extLst>
+              <a:ext uri="{FF2B5EF4-FFF2-40B4-BE49-F238E27FC236}">
+                <a16:creationId xmlns:a16="http://schemas.microsoft.com/office/drawing/2014/main" id="{69417F91-9EB0-49D7-8082-51DCFE81A9DC}"/>
+              </a:ext>
+            </a:extLst>
+          </p:cNvPr>
+          <p:cNvPicPr>
+            <a:picLocks noChangeAspect="1"/>
+          </p:cNvPicPr>
+          <p:nvPr/>
+        </p:nvPicPr>
+        <p:blipFill>
+          <a:blip r:embed="rId3">
+            <a:extLst>
+              <a:ext uri="{28A0092B-C50C-407E-A947-70E740481C1C}">
+                <a14:useLocalDpi xmlns:a14="http://schemas.microsoft.com/office/drawing/2010/main" val="0"/>
+              </a:ext>
+            </a:extLst>
+          </a:blip>
+          <a:stretch>
+            <a:fillRect/>
+          </a:stretch>
+        </p:blipFill>
+        <p:spPr>
+          <a:xfrm>
+            <a:off x="8557377" y="155503"/>
+            <a:ext cx="3371220" cy="2528415"/>
+          </a:xfrm>
+          <a:prstGeom prst="rect">
+            <a:avLst/>
+          </a:prstGeom>
+        </p:spPr>
+      </p:pic>
+      <p:sp>
+        <p:nvSpPr>
+          <p:cNvPr id="8" name="TextBox 7">
+            <a:extLst>
+              <a:ext uri="{FF2B5EF4-FFF2-40B4-BE49-F238E27FC236}">
+                <a16:creationId xmlns:a16="http://schemas.microsoft.com/office/drawing/2014/main" id="{65C79AEE-F506-4F8E-B5E9-560A2880C2EB}"/>
+              </a:ext>
+            </a:extLst>
+          </p:cNvPr>
+          <p:cNvSpPr txBox="1"/>
+          <p:nvPr/>
+        </p:nvSpPr>
+        <p:spPr>
+          <a:xfrm>
+            <a:off x="508520" y="2199887"/>
+            <a:ext cx="6044020" cy="3693319"/>
+          </a:xfrm>
+          <a:prstGeom prst="rect">
+            <a:avLst/>
+          </a:prstGeom>
+          <a:noFill/>
+        </p:spPr>
+        <p:txBody>
+          <a:bodyPr wrap="square" rtlCol="0">
+            <a:spAutoFit/>
+          </a:bodyPr>
+          <a:lstStyle/>
+          <a:p>
+            <a:r>
+              <a:rPr lang="en-GB" dirty="0"/>
+              <a:t>Similar behaviour to the measurement with 5.2V, but more clean as there was not increase in vacuum pressure</a:t>
+            </a:r>
+          </a:p>
+          <a:p>
+            <a:endParaRPr lang="en-GB" dirty="0"/>
+          </a:p>
+          <a:p>
+            <a:r>
+              <a:rPr lang="en-GB" dirty="0"/>
+              <a:t>In vacuum, the resistance first increases, then drops</a:t>
+            </a:r>
+          </a:p>
+          <a:p>
+            <a:endParaRPr lang="en-GB" dirty="0"/>
+          </a:p>
+          <a:p>
+            <a:r>
+              <a:rPr lang="en-GB" dirty="0"/>
+              <a:t>The increase can be caused by the drop in h2 concentration when going to vacuum due to the h2 in the ambient air (seems too low at 0.05 ppm Wiki Atmospheric chemistry) or simply the decrease in pressure</a:t>
+            </a:r>
+          </a:p>
+          <a:p>
+            <a:endParaRPr lang="en-GB" dirty="0"/>
+          </a:p>
+          <a:p>
+            <a:r>
+              <a:rPr lang="en-GB" dirty="0"/>
+              <a:t>The decrease can be caused by the increased heating of the device as it cooled less by the surrounding air</a:t>
+            </a:r>
+          </a:p>
+          <a:p>
+            <a:pPr marL="285750" indent="-285750">
+              <a:buFont typeface="Arial" panose="020B0604020202020204" pitchFamily="34" charset="0"/>
+              <a:buChar char="•"/>
+            </a:pPr>
+            <a:r>
+              <a:rPr lang="en-GB" dirty="0"/>
+              <a:t>Compare h2 value to datasheet</a:t>
+            </a:r>
+          </a:p>
+        </p:txBody>
+      </p:sp>
+      <p:sp>
+        <p:nvSpPr>
+          <p:cNvPr id="3" name="Rectangle 2">
+            <a:extLst>
+              <a:ext uri="{FF2B5EF4-FFF2-40B4-BE49-F238E27FC236}">
+                <a16:creationId xmlns:a16="http://schemas.microsoft.com/office/drawing/2014/main" id="{7CA07FCC-16F7-477E-960E-4F760409241A}"/>
+              </a:ext>
+            </a:extLst>
+          </p:cNvPr>
+          <p:cNvSpPr/>
+          <p:nvPr/>
+        </p:nvSpPr>
+        <p:spPr>
+          <a:xfrm>
+            <a:off x="847651" y="1163865"/>
+            <a:ext cx="3700052" cy="369332"/>
+          </a:xfrm>
+          <a:prstGeom prst="rect">
+            <a:avLst/>
+          </a:prstGeom>
+        </p:spPr>
+        <p:txBody>
+          <a:bodyPr wrap="none">
+            <a:spAutoFit/>
+          </a:bodyPr>
+          <a:lstStyle/>
+          <a:p>
+            <a:r>
+              <a:rPr lang="en-GB" dirty="0"/>
+              <a:t>0129_1710_2nd_sensor_h2_5300mV</a:t>
+            </a:r>
           </a:p>
         </p:txBody>
       </p:sp>
@@ -4188,6 +7427,3307 @@
     <p:extLst>
       <p:ext uri="{BB962C8B-B14F-4D97-AF65-F5344CB8AC3E}">
         <p14:creationId xmlns:p14="http://schemas.microsoft.com/office/powerpoint/2010/main" val="409121653"/>
+      </p:ext>
+    </p:extLst>
+  </p:cSld>
+  <p:clrMapOvr>
+    <a:masterClrMapping/>
+  </p:clrMapOvr>
+</p:sld>
+</file>
+
+<file path=ppt/slides/slide6.xml><?xml version="1.0" encoding="utf-8"?>
+<p:sld xmlns:a="http://schemas.openxmlformats.org/drawingml/2006/main" xmlns:r="http://schemas.openxmlformats.org/officeDocument/2006/relationships" xmlns:p="http://schemas.openxmlformats.org/presentationml/2006/main">
+  <p:cSld>
+    <p:spTree>
+      <p:nvGrpSpPr>
+        <p:cNvPr id="1" name=""/>
+        <p:cNvGrpSpPr/>
+        <p:nvPr/>
+      </p:nvGrpSpPr>
+      <p:grpSpPr>
+        <a:xfrm>
+          <a:off x="0" y="0"/>
+          <a:ext cx="0" cy="0"/>
+          <a:chOff x="0" y="0"/>
+          <a:chExt cx="0" cy="0"/>
+        </a:xfrm>
+      </p:grpSpPr>
+      <p:pic>
+        <p:nvPicPr>
+          <p:cNvPr id="7" name="Content Placeholder 6">
+            <a:extLst>
+              <a:ext uri="{FF2B5EF4-FFF2-40B4-BE49-F238E27FC236}">
+                <a16:creationId xmlns:a16="http://schemas.microsoft.com/office/drawing/2014/main" id="{A5670489-6B5B-4F9D-8DF9-F5A593BF123E}"/>
+              </a:ext>
+            </a:extLst>
+          </p:cNvPr>
+          <p:cNvPicPr>
+            <a:picLocks noGrp="1" noChangeAspect="1"/>
+          </p:cNvPicPr>
+          <p:nvPr>
+            <p:ph idx="1"/>
+          </p:nvPr>
+        </p:nvPicPr>
+        <p:blipFill>
+          <a:blip r:embed="rId2">
+            <a:extLst>
+              <a:ext uri="{28A0092B-C50C-407E-A947-70E740481C1C}">
+                <a14:useLocalDpi xmlns:a14="http://schemas.microsoft.com/office/drawing/2010/main" val="0"/>
+              </a:ext>
+            </a:extLst>
+          </a:blip>
+          <a:stretch>
+            <a:fillRect/>
+          </a:stretch>
+        </p:blipFill>
+        <p:spPr>
+          <a:xfrm>
+            <a:off x="1208352" y="3545673"/>
+            <a:ext cx="3929603" cy="2947202"/>
+          </a:xfrm>
+        </p:spPr>
+      </p:pic>
+      <p:sp>
+        <p:nvSpPr>
+          <p:cNvPr id="4" name="Title 1">
+            <a:extLst>
+              <a:ext uri="{FF2B5EF4-FFF2-40B4-BE49-F238E27FC236}">
+                <a16:creationId xmlns:a16="http://schemas.microsoft.com/office/drawing/2014/main" id="{C660E679-9CF5-412E-BA15-6E215364101D}"/>
+              </a:ext>
+            </a:extLst>
+          </p:cNvPr>
+          <p:cNvSpPr txBox="1">
+            <a:spLocks/>
+          </p:cNvSpPr>
+          <p:nvPr/>
+        </p:nvSpPr>
+        <p:spPr>
+          <a:xfrm>
+            <a:off x="838200" y="365125"/>
+            <a:ext cx="10515600" cy="1325563"/>
+          </a:xfrm>
+          <a:prstGeom prst="rect">
+            <a:avLst/>
+          </a:prstGeom>
+        </p:spPr>
+        <p:txBody>
+          <a:bodyPr vert="horz" lIns="91440" tIns="45720" rIns="91440" bIns="45720" rtlCol="0" anchor="ctr">
+            <a:normAutofit/>
+          </a:bodyPr>
+          <a:lstStyle>
+            <a:lvl1pPr algn="l" defTabSz="914400" rtl="0" eaLnBrk="1" latinLnBrk="0" hangingPunct="1">
+              <a:lnSpc>
+                <a:spcPct val="90000"/>
+              </a:lnSpc>
+              <a:spcBef>
+                <a:spcPct val="0"/>
+              </a:spcBef>
+              <a:buNone/>
+              <a:defRPr sz="4400" kern="1200">
+                <a:solidFill>
+                  <a:schemeClr val="tx1"/>
+                </a:solidFill>
+                <a:latin typeface="+mj-lt"/>
+                <a:ea typeface="+mj-ea"/>
+                <a:cs typeface="+mj-cs"/>
+              </a:defRPr>
+            </a:lvl1pPr>
+          </a:lstStyle>
+          <a:p>
+            <a:r>
+              <a:rPr lang="en-GB" dirty="0"/>
+              <a:t>Stable value in Air – 5.3V</a:t>
+            </a:r>
+          </a:p>
+        </p:txBody>
+      </p:sp>
+      <p:sp>
+        <p:nvSpPr>
+          <p:cNvPr id="5" name="Rectangle 4">
+            <a:extLst>
+              <a:ext uri="{FF2B5EF4-FFF2-40B4-BE49-F238E27FC236}">
+                <a16:creationId xmlns:a16="http://schemas.microsoft.com/office/drawing/2014/main" id="{233B1959-18B1-4E51-A9B5-687382D02405}"/>
+              </a:ext>
+            </a:extLst>
+          </p:cNvPr>
+          <p:cNvSpPr/>
+          <p:nvPr/>
+        </p:nvSpPr>
+        <p:spPr>
+          <a:xfrm>
+            <a:off x="847651" y="1163865"/>
+            <a:ext cx="3700052" cy="369332"/>
+          </a:xfrm>
+          <a:prstGeom prst="rect">
+            <a:avLst/>
+          </a:prstGeom>
+        </p:spPr>
+        <p:txBody>
+          <a:bodyPr wrap="none">
+            <a:spAutoFit/>
+          </a:bodyPr>
+          <a:lstStyle/>
+          <a:p>
+            <a:r>
+              <a:rPr lang="en-GB" dirty="0"/>
+              <a:t>0129_1710_2nd_sensor_h2_5300mV</a:t>
+            </a:r>
+          </a:p>
+        </p:txBody>
+      </p:sp>
+      <p:pic>
+        <p:nvPicPr>
+          <p:cNvPr id="11" name="Picture 10">
+            <a:extLst>
+              <a:ext uri="{FF2B5EF4-FFF2-40B4-BE49-F238E27FC236}">
+                <a16:creationId xmlns:a16="http://schemas.microsoft.com/office/drawing/2014/main" id="{549E4F67-E1F2-48C1-AC4B-0F710491268C}"/>
+              </a:ext>
+            </a:extLst>
+          </p:cNvPr>
+          <p:cNvPicPr>
+            <a:picLocks noChangeAspect="1"/>
+          </p:cNvPicPr>
+          <p:nvPr/>
+        </p:nvPicPr>
+        <p:blipFill>
+          <a:blip r:embed="rId3">
+            <a:extLst>
+              <a:ext uri="{28A0092B-C50C-407E-A947-70E740481C1C}">
+                <a14:useLocalDpi xmlns:a14="http://schemas.microsoft.com/office/drawing/2010/main" val="0"/>
+              </a:ext>
+            </a:extLst>
+          </a:blip>
+          <a:stretch>
+            <a:fillRect/>
+          </a:stretch>
+        </p:blipFill>
+        <p:spPr>
+          <a:xfrm>
+            <a:off x="6096000" y="3586600"/>
+            <a:ext cx="4080580" cy="3060435"/>
+          </a:xfrm>
+          <a:prstGeom prst="rect">
+            <a:avLst/>
+          </a:prstGeom>
+        </p:spPr>
+      </p:pic>
+      <p:graphicFrame>
+        <p:nvGraphicFramePr>
+          <p:cNvPr id="13" name="Table 12">
+            <a:extLst>
+              <a:ext uri="{FF2B5EF4-FFF2-40B4-BE49-F238E27FC236}">
+                <a16:creationId xmlns:a16="http://schemas.microsoft.com/office/drawing/2014/main" id="{A452A370-F2EA-45AC-8AA7-54404F470E9A}"/>
+              </a:ext>
+            </a:extLst>
+          </p:cNvPr>
+          <p:cNvGraphicFramePr>
+            <a:graphicFrameLocks noGrp="1"/>
+          </p:cNvGraphicFramePr>
+          <p:nvPr>
+            <p:extLst>
+              <p:ext uri="{D42A27DB-BD31-4B8C-83A1-F6EECF244321}">
+                <p14:modId xmlns:p14="http://schemas.microsoft.com/office/powerpoint/2010/main" val="531471428"/>
+              </p:ext>
+            </p:extLst>
+          </p:nvPr>
+        </p:nvGraphicFramePr>
+        <p:xfrm>
+          <a:off x="689679" y="2049373"/>
+          <a:ext cx="9536828" cy="571500"/>
+        </p:xfrm>
+        <a:graphic>
+          <a:graphicData uri="http://schemas.openxmlformats.org/drawingml/2006/table">
+            <a:tbl>
+              <a:tblPr/>
+              <a:tblGrid>
+                <a:gridCol w="2182813">
+                  <a:extLst>
+                    <a:ext uri="{9D8B030D-6E8A-4147-A177-3AD203B41FA5}">
+                      <a16:colId xmlns:a16="http://schemas.microsoft.com/office/drawing/2014/main" val="3269238361"/>
+                    </a:ext>
+                  </a:extLst>
+                </a:gridCol>
+                <a:gridCol w="1323532">
+                  <a:extLst>
+                    <a:ext uri="{9D8B030D-6E8A-4147-A177-3AD203B41FA5}">
+                      <a16:colId xmlns:a16="http://schemas.microsoft.com/office/drawing/2014/main" val="2826247848"/>
+                    </a:ext>
+                  </a:extLst>
+                </a:gridCol>
+                <a:gridCol w="888703">
+                  <a:extLst>
+                    <a:ext uri="{9D8B030D-6E8A-4147-A177-3AD203B41FA5}">
+                      <a16:colId xmlns:a16="http://schemas.microsoft.com/office/drawing/2014/main" val="1227142656"/>
+                    </a:ext>
+                  </a:extLst>
+                </a:gridCol>
+                <a:gridCol w="1041052">
+                  <a:extLst>
+                    <a:ext uri="{9D8B030D-6E8A-4147-A177-3AD203B41FA5}">
+                      <a16:colId xmlns:a16="http://schemas.microsoft.com/office/drawing/2014/main" val="3068278233"/>
+                    </a:ext>
+                  </a:extLst>
+                </a:gridCol>
+                <a:gridCol w="609396">
+                  <a:extLst>
+                    <a:ext uri="{9D8B030D-6E8A-4147-A177-3AD203B41FA5}">
+                      <a16:colId xmlns:a16="http://schemas.microsoft.com/office/drawing/2014/main" val="1729496767"/>
+                    </a:ext>
+                  </a:extLst>
+                </a:gridCol>
+                <a:gridCol w="1079139">
+                  <a:extLst>
+                    <a:ext uri="{9D8B030D-6E8A-4147-A177-3AD203B41FA5}">
+                      <a16:colId xmlns:a16="http://schemas.microsoft.com/office/drawing/2014/main" val="2369405745"/>
+                    </a:ext>
+                  </a:extLst>
+                </a:gridCol>
+                <a:gridCol w="1193401">
+                  <a:extLst>
+                    <a:ext uri="{9D8B030D-6E8A-4147-A177-3AD203B41FA5}">
+                      <a16:colId xmlns:a16="http://schemas.microsoft.com/office/drawing/2014/main" val="1402537578"/>
+                    </a:ext>
+                  </a:extLst>
+                </a:gridCol>
+                <a:gridCol w="609396">
+                  <a:extLst>
+                    <a:ext uri="{9D8B030D-6E8A-4147-A177-3AD203B41FA5}">
+                      <a16:colId xmlns:a16="http://schemas.microsoft.com/office/drawing/2014/main" val="1071993442"/>
+                    </a:ext>
+                  </a:extLst>
+                </a:gridCol>
+                <a:gridCol w="609396">
+                  <a:extLst>
+                    <a:ext uri="{9D8B030D-6E8A-4147-A177-3AD203B41FA5}">
+                      <a16:colId xmlns:a16="http://schemas.microsoft.com/office/drawing/2014/main" val="2600747355"/>
+                    </a:ext>
+                  </a:extLst>
+                </a:gridCol>
+              </a:tblGrid>
+              <a:tr h="190500">
+                <a:tc>
+                  <a:txBody>
+                    <a:bodyPr/>
+                    <a:lstStyle/>
+                    <a:p>
+                      <a:pPr algn="l" fontAlgn="b"/>
+                      <a:r>
+                        <a:rPr lang="en-GB" sz="1100" b="1" i="0" u="none" strike="noStrike">
+                          <a:solidFill>
+                            <a:srgbClr val="000000"/>
+                          </a:solidFill>
+                          <a:effectLst/>
+                          <a:latin typeface="Calibri" panose="020F0502020204030204" pitchFamily="34" charset="0"/>
+                        </a:rPr>
+                        <a:t>Measurement</a:t>
+                      </a:r>
+                    </a:p>
+                  </a:txBody>
+                  <a:tcPr marL="9525" marR="9525" marT="9525" marB="0" anchor="b">
+                    <a:lnL>
+                      <a:noFill/>
+                    </a:lnL>
+                    <a:lnR>
+                      <a:noFill/>
+                    </a:lnR>
+                    <a:lnT w="6350" cap="flat" cmpd="sng" algn="ctr">
+                      <a:solidFill>
+                        <a:srgbClr val="000000"/>
+                      </a:solidFill>
+                      <a:prstDash val="solid"/>
+                      <a:round/>
+                      <a:headEnd type="none" w="med" len="med"/>
+                      <a:tailEnd type="none" w="med" len="med"/>
+                    </a:lnT>
+                    <a:lnB w="6350" cap="flat" cmpd="sng" algn="ctr">
+                      <a:solidFill>
+                        <a:srgbClr val="000000"/>
+                      </a:solidFill>
+                      <a:prstDash val="solid"/>
+                      <a:round/>
+                      <a:headEnd type="none" w="med" len="med"/>
+                      <a:tailEnd type="none" w="med" len="med"/>
+                    </a:lnB>
+                  </a:tcPr>
+                </a:tc>
+                <a:tc>
+                  <a:txBody>
+                    <a:bodyPr/>
+                    <a:lstStyle/>
+                    <a:p>
+                      <a:pPr algn="l" fontAlgn="b"/>
+                      <a:r>
+                        <a:rPr lang="en-GB" sz="1100" b="1" i="0" u="none" strike="noStrike">
+                          <a:solidFill>
+                            <a:srgbClr val="000000"/>
+                          </a:solidFill>
+                          <a:effectLst/>
+                          <a:latin typeface="Calibri" panose="020F0502020204030204" pitchFamily="34" charset="0"/>
+                        </a:rPr>
+                        <a:t>Voltage heater (V)</a:t>
+                      </a:r>
+                    </a:p>
+                  </a:txBody>
+                  <a:tcPr marL="9525" marR="9525" marT="9525" marB="0" anchor="b">
+                    <a:lnL>
+                      <a:noFill/>
+                    </a:lnL>
+                    <a:lnR>
+                      <a:noFill/>
+                    </a:lnR>
+                    <a:lnT w="6350" cap="flat" cmpd="sng" algn="ctr">
+                      <a:solidFill>
+                        <a:srgbClr val="000000"/>
+                      </a:solidFill>
+                      <a:prstDash val="solid"/>
+                      <a:round/>
+                      <a:headEnd type="none" w="med" len="med"/>
+                      <a:tailEnd type="none" w="med" len="med"/>
+                    </a:lnT>
+                    <a:lnB w="6350" cap="flat" cmpd="sng" algn="ctr">
+                      <a:solidFill>
+                        <a:srgbClr val="000000"/>
+                      </a:solidFill>
+                      <a:prstDash val="solid"/>
+                      <a:round/>
+                      <a:headEnd type="none" w="med" len="med"/>
+                      <a:tailEnd type="none" w="med" len="med"/>
+                    </a:lnB>
+                  </a:tcPr>
+                </a:tc>
+                <a:tc>
+                  <a:txBody>
+                    <a:bodyPr/>
+                    <a:lstStyle/>
+                    <a:p>
+                      <a:pPr algn="l" fontAlgn="b"/>
+                      <a:r>
+                        <a:rPr lang="en-GB" sz="1100" b="1" i="0" u="none" strike="noStrike">
+                          <a:solidFill>
+                            <a:srgbClr val="000000"/>
+                          </a:solidFill>
+                          <a:effectLst/>
+                          <a:latin typeface="Calibri" panose="020F0502020204030204" pitchFamily="34" charset="0"/>
+                        </a:rPr>
+                        <a:t>C_h2 (ppm)</a:t>
+                      </a:r>
+                    </a:p>
+                  </a:txBody>
+                  <a:tcPr marL="9525" marR="9525" marT="9525" marB="0" anchor="b">
+                    <a:lnL>
+                      <a:noFill/>
+                    </a:lnL>
+                    <a:lnR>
+                      <a:noFill/>
+                    </a:lnR>
+                    <a:lnT w="6350" cap="flat" cmpd="sng" algn="ctr">
+                      <a:solidFill>
+                        <a:srgbClr val="000000"/>
+                      </a:solidFill>
+                      <a:prstDash val="solid"/>
+                      <a:round/>
+                      <a:headEnd type="none" w="med" len="med"/>
+                      <a:tailEnd type="none" w="med" len="med"/>
+                    </a:lnT>
+                    <a:lnB w="6350" cap="flat" cmpd="sng" algn="ctr">
+                      <a:solidFill>
+                        <a:srgbClr val="000000"/>
+                      </a:solidFill>
+                      <a:prstDash val="solid"/>
+                      <a:round/>
+                      <a:headEnd type="none" w="med" len="med"/>
+                      <a:tailEnd type="none" w="med" len="med"/>
+                    </a:lnB>
+                  </a:tcPr>
+                </a:tc>
+                <a:tc>
+                  <a:txBody>
+                    <a:bodyPr/>
+                    <a:lstStyle/>
+                    <a:p>
+                      <a:pPr algn="l" fontAlgn="b"/>
+                      <a:r>
+                        <a:rPr lang="en-GB" sz="1100" b="1" i="0" u="none" strike="noStrike">
+                          <a:solidFill>
+                            <a:srgbClr val="000000"/>
+                          </a:solidFill>
+                          <a:effectLst/>
+                          <a:latin typeface="Calibri" panose="020F0502020204030204" pitchFamily="34" charset="0"/>
+                        </a:rPr>
+                        <a:t>Pressure (bar)</a:t>
+                      </a:r>
+                    </a:p>
+                  </a:txBody>
+                  <a:tcPr marL="9525" marR="9525" marT="9525" marB="0" anchor="b">
+                    <a:lnL>
+                      <a:noFill/>
+                    </a:lnL>
+                    <a:lnR>
+                      <a:noFill/>
+                    </a:lnR>
+                    <a:lnT w="6350" cap="flat" cmpd="sng" algn="ctr">
+                      <a:solidFill>
+                        <a:srgbClr val="000000"/>
+                      </a:solidFill>
+                      <a:prstDash val="solid"/>
+                      <a:round/>
+                      <a:headEnd type="none" w="med" len="med"/>
+                      <a:tailEnd type="none" w="med" len="med"/>
+                    </a:lnT>
+                    <a:lnB w="6350" cap="flat" cmpd="sng" algn="ctr">
+                      <a:solidFill>
+                        <a:srgbClr val="000000"/>
+                      </a:solidFill>
+                      <a:prstDash val="solid"/>
+                      <a:round/>
+                      <a:headEnd type="none" w="med" len="med"/>
+                      <a:tailEnd type="none" w="med" len="med"/>
+                    </a:lnB>
+                  </a:tcPr>
+                </a:tc>
+                <a:tc>
+                  <a:txBody>
+                    <a:bodyPr/>
+                    <a:lstStyle/>
+                    <a:p>
+                      <a:pPr algn="l" fontAlgn="b"/>
+                      <a:r>
+                        <a:rPr lang="en-GB" sz="1100" b="1" i="0" u="none" strike="noStrike">
+                          <a:solidFill>
+                            <a:srgbClr val="000000"/>
+                          </a:solidFill>
+                          <a:effectLst/>
+                          <a:latin typeface="Calibri" panose="020F0502020204030204" pitchFamily="34" charset="0"/>
+                        </a:rPr>
+                        <a:t>Part</a:t>
+                      </a:r>
+                    </a:p>
+                  </a:txBody>
+                  <a:tcPr marL="9525" marR="9525" marT="9525" marB="0" anchor="b">
+                    <a:lnL>
+                      <a:noFill/>
+                    </a:lnL>
+                    <a:lnR>
+                      <a:noFill/>
+                    </a:lnR>
+                    <a:lnT w="6350" cap="flat" cmpd="sng" algn="ctr">
+                      <a:solidFill>
+                        <a:srgbClr val="000000"/>
+                      </a:solidFill>
+                      <a:prstDash val="solid"/>
+                      <a:round/>
+                      <a:headEnd type="none" w="med" len="med"/>
+                      <a:tailEnd type="none" w="med" len="med"/>
+                    </a:lnT>
+                    <a:lnB w="6350" cap="flat" cmpd="sng" algn="ctr">
+                      <a:solidFill>
+                        <a:srgbClr val="000000"/>
+                      </a:solidFill>
+                      <a:prstDash val="solid"/>
+                      <a:round/>
+                      <a:headEnd type="none" w="med" len="med"/>
+                      <a:tailEnd type="none" w="med" len="med"/>
+                    </a:lnB>
+                  </a:tcPr>
+                </a:tc>
+                <a:tc>
+                  <a:txBody>
+                    <a:bodyPr/>
+                    <a:lstStyle/>
+                    <a:p>
+                      <a:pPr algn="l" fontAlgn="b"/>
+                      <a:r>
+                        <a:rPr lang="en-GB" sz="1100" b="1" i="0" u="none" strike="noStrike">
+                          <a:solidFill>
+                            <a:srgbClr val="000000"/>
+                          </a:solidFill>
+                          <a:effectLst/>
+                          <a:latin typeface="Calibri" panose="020F0502020204030204" pitchFamily="34" charset="0"/>
+                        </a:rPr>
+                        <a:t>R mean (Ohm)</a:t>
+                      </a:r>
+                    </a:p>
+                  </a:txBody>
+                  <a:tcPr marL="9525" marR="9525" marT="9525" marB="0" anchor="b">
+                    <a:lnL>
+                      <a:noFill/>
+                    </a:lnL>
+                    <a:lnR>
+                      <a:noFill/>
+                    </a:lnR>
+                    <a:lnT w="6350" cap="flat" cmpd="sng" algn="ctr">
+                      <a:solidFill>
+                        <a:srgbClr val="000000"/>
+                      </a:solidFill>
+                      <a:prstDash val="solid"/>
+                      <a:round/>
+                      <a:headEnd type="none" w="med" len="med"/>
+                      <a:tailEnd type="none" w="med" len="med"/>
+                    </a:lnT>
+                    <a:lnB w="6350" cap="flat" cmpd="sng" algn="ctr">
+                      <a:solidFill>
+                        <a:srgbClr val="000000"/>
+                      </a:solidFill>
+                      <a:prstDash val="solid"/>
+                      <a:round/>
+                      <a:headEnd type="none" w="med" len="med"/>
+                      <a:tailEnd type="none" w="med" len="med"/>
+                    </a:lnB>
+                  </a:tcPr>
+                </a:tc>
+                <a:tc>
+                  <a:txBody>
+                    <a:bodyPr/>
+                    <a:lstStyle/>
+                    <a:p>
+                      <a:pPr algn="l" fontAlgn="b"/>
+                      <a:r>
+                        <a:rPr lang="en-GB" sz="1100" b="1" i="0" u="none" strike="noStrike">
+                          <a:solidFill>
+                            <a:srgbClr val="000000"/>
+                          </a:solidFill>
+                          <a:effectLst/>
+                          <a:latin typeface="Calibri" panose="020F0502020204030204" pitchFamily="34" charset="0"/>
+                        </a:rPr>
+                        <a:t>Std</a:t>
+                      </a:r>
+                    </a:p>
+                  </a:txBody>
+                  <a:tcPr marL="9525" marR="9525" marT="9525" marB="0" anchor="b">
+                    <a:lnL>
+                      <a:noFill/>
+                    </a:lnL>
+                    <a:lnR>
+                      <a:noFill/>
+                    </a:lnR>
+                    <a:lnT w="6350" cap="flat" cmpd="sng" algn="ctr">
+                      <a:solidFill>
+                        <a:srgbClr val="000000"/>
+                      </a:solidFill>
+                      <a:prstDash val="solid"/>
+                      <a:round/>
+                      <a:headEnd type="none" w="med" len="med"/>
+                      <a:tailEnd type="none" w="med" len="med"/>
+                    </a:lnT>
+                    <a:lnB w="6350" cap="flat" cmpd="sng" algn="ctr">
+                      <a:solidFill>
+                        <a:srgbClr val="000000"/>
+                      </a:solidFill>
+                      <a:prstDash val="solid"/>
+                      <a:round/>
+                      <a:headEnd type="none" w="med" len="med"/>
+                      <a:tailEnd type="none" w="med" len="med"/>
+                    </a:lnB>
+                  </a:tcPr>
+                </a:tc>
+                <a:tc>
+                  <a:txBody>
+                    <a:bodyPr/>
+                    <a:lstStyle/>
+                    <a:p>
+                      <a:pPr algn="l" fontAlgn="b"/>
+                      <a:r>
+                        <a:rPr lang="en-GB" sz="1100" b="1" i="0" u="none" strike="noStrike">
+                          <a:solidFill>
+                            <a:srgbClr val="000000"/>
+                          </a:solidFill>
+                          <a:effectLst/>
+                          <a:latin typeface="Calibri" panose="020F0502020204030204" pitchFamily="34" charset="0"/>
+                        </a:rPr>
+                        <a:t>a</a:t>
+                      </a:r>
+                    </a:p>
+                  </a:txBody>
+                  <a:tcPr marL="9525" marR="9525" marT="9525" marB="0" anchor="b">
+                    <a:lnL>
+                      <a:noFill/>
+                    </a:lnL>
+                    <a:lnR>
+                      <a:noFill/>
+                    </a:lnR>
+                    <a:lnT w="6350" cap="flat" cmpd="sng" algn="ctr">
+                      <a:solidFill>
+                        <a:srgbClr val="000000"/>
+                      </a:solidFill>
+                      <a:prstDash val="solid"/>
+                      <a:round/>
+                      <a:headEnd type="none" w="med" len="med"/>
+                      <a:tailEnd type="none" w="med" len="med"/>
+                    </a:lnT>
+                    <a:lnB w="6350" cap="flat" cmpd="sng" algn="ctr">
+                      <a:solidFill>
+                        <a:srgbClr val="000000"/>
+                      </a:solidFill>
+                      <a:prstDash val="solid"/>
+                      <a:round/>
+                      <a:headEnd type="none" w="med" len="med"/>
+                      <a:tailEnd type="none" w="med" len="med"/>
+                    </a:lnB>
+                  </a:tcPr>
+                </a:tc>
+                <a:tc>
+                  <a:txBody>
+                    <a:bodyPr/>
+                    <a:lstStyle/>
+                    <a:p>
+                      <a:pPr algn="l" fontAlgn="b"/>
+                      <a:r>
+                        <a:rPr lang="en-GB" sz="1100" b="1" i="0" u="none" strike="noStrike">
+                          <a:solidFill>
+                            <a:srgbClr val="000000"/>
+                          </a:solidFill>
+                          <a:effectLst/>
+                          <a:latin typeface="Calibri" panose="020F0502020204030204" pitchFamily="34" charset="0"/>
+                        </a:rPr>
+                        <a:t>b</a:t>
+                      </a:r>
+                    </a:p>
+                  </a:txBody>
+                  <a:tcPr marL="9525" marR="9525" marT="9525" marB="0" anchor="b">
+                    <a:lnL>
+                      <a:noFill/>
+                    </a:lnL>
+                    <a:lnR>
+                      <a:noFill/>
+                    </a:lnR>
+                    <a:lnT w="6350" cap="flat" cmpd="sng" algn="ctr">
+                      <a:solidFill>
+                        <a:srgbClr val="000000"/>
+                      </a:solidFill>
+                      <a:prstDash val="solid"/>
+                      <a:round/>
+                      <a:headEnd type="none" w="med" len="med"/>
+                      <a:tailEnd type="none" w="med" len="med"/>
+                    </a:lnT>
+                    <a:lnB w="6350" cap="flat" cmpd="sng" algn="ctr">
+                      <a:solidFill>
+                        <a:srgbClr val="000000"/>
+                      </a:solidFill>
+                      <a:prstDash val="solid"/>
+                      <a:round/>
+                      <a:headEnd type="none" w="med" len="med"/>
+                      <a:tailEnd type="none" w="med" len="med"/>
+                    </a:lnB>
+                  </a:tcPr>
+                </a:tc>
+                <a:extLst>
+                  <a:ext uri="{0D108BD9-81ED-4DB2-BD59-A6C34878D82A}">
+                    <a16:rowId xmlns:a16="http://schemas.microsoft.com/office/drawing/2014/main" val="3842325832"/>
+                  </a:ext>
+                </a:extLst>
+              </a:tr>
+              <a:tr h="190500">
+                <a:tc>
+                  <a:txBody>
+                    <a:bodyPr/>
+                    <a:lstStyle/>
+                    <a:p>
+                      <a:pPr algn="l" fontAlgn="b"/>
+                      <a:r>
+                        <a:rPr lang="en-GB" sz="1100" b="0" i="0" u="none" strike="noStrike">
+                          <a:solidFill>
+                            <a:srgbClr val="000000"/>
+                          </a:solidFill>
+                          <a:effectLst/>
+                          <a:latin typeface="Calibri" panose="020F0502020204030204" pitchFamily="34" charset="0"/>
+                        </a:rPr>
+                        <a:t>0129_1710_2nd_sensor_h2_5300mV</a:t>
+                      </a:r>
+                    </a:p>
+                  </a:txBody>
+                  <a:tcPr marL="9525" marR="9525" marT="9525" marB="0" anchor="b">
+                    <a:lnL>
+                      <a:noFill/>
+                    </a:lnL>
+                    <a:lnR>
+                      <a:noFill/>
+                    </a:lnR>
+                    <a:lnT w="6350" cap="flat" cmpd="sng" algn="ctr">
+                      <a:solidFill>
+                        <a:srgbClr val="000000"/>
+                      </a:solidFill>
+                      <a:prstDash val="solid"/>
+                      <a:round/>
+                      <a:headEnd type="none" w="med" len="med"/>
+                      <a:tailEnd type="none" w="med" len="med"/>
+                    </a:lnT>
+                    <a:lnB>
+                      <a:noFill/>
+                    </a:lnB>
+                    <a:solidFill>
+                      <a:srgbClr val="D9D9D9"/>
+                    </a:solidFill>
+                  </a:tcPr>
+                </a:tc>
+                <a:tc>
+                  <a:txBody>
+                    <a:bodyPr/>
+                    <a:lstStyle/>
+                    <a:p>
+                      <a:pPr algn="r" fontAlgn="b"/>
+                      <a:r>
+                        <a:rPr lang="en-GB" sz="1100" b="0" i="0" u="none" strike="noStrike">
+                          <a:solidFill>
+                            <a:srgbClr val="000000"/>
+                          </a:solidFill>
+                          <a:effectLst/>
+                          <a:latin typeface="Calibri" panose="020F0502020204030204" pitchFamily="34" charset="0"/>
+                        </a:rPr>
+                        <a:t>5.3</a:t>
+                      </a:r>
+                    </a:p>
+                  </a:txBody>
+                  <a:tcPr marL="9525" marR="9525" marT="9525" marB="0" anchor="b">
+                    <a:lnL>
+                      <a:noFill/>
+                    </a:lnL>
+                    <a:lnR>
+                      <a:noFill/>
+                    </a:lnR>
+                    <a:lnT w="6350" cap="flat" cmpd="sng" algn="ctr">
+                      <a:solidFill>
+                        <a:srgbClr val="000000"/>
+                      </a:solidFill>
+                      <a:prstDash val="solid"/>
+                      <a:round/>
+                      <a:headEnd type="none" w="med" len="med"/>
+                      <a:tailEnd type="none" w="med" len="med"/>
+                    </a:lnT>
+                    <a:lnB>
+                      <a:noFill/>
+                    </a:lnB>
+                    <a:solidFill>
+                      <a:srgbClr val="D9D9D9"/>
+                    </a:solidFill>
+                  </a:tcPr>
+                </a:tc>
+                <a:tc>
+                  <a:txBody>
+                    <a:bodyPr/>
+                    <a:lstStyle/>
+                    <a:p>
+                      <a:pPr algn="r" fontAlgn="b"/>
+                      <a:r>
+                        <a:rPr lang="en-GB" sz="1100" b="0" i="0" u="none" strike="noStrike">
+                          <a:solidFill>
+                            <a:srgbClr val="000000"/>
+                          </a:solidFill>
+                          <a:effectLst/>
+                          <a:latin typeface="Calibri" panose="020F0502020204030204" pitchFamily="34" charset="0"/>
+                        </a:rPr>
+                        <a:t>1000</a:t>
+                      </a:r>
+                    </a:p>
+                  </a:txBody>
+                  <a:tcPr marL="9525" marR="9525" marT="9525" marB="0" anchor="b">
+                    <a:lnL>
+                      <a:noFill/>
+                    </a:lnL>
+                    <a:lnR>
+                      <a:noFill/>
+                    </a:lnR>
+                    <a:lnT w="6350" cap="flat" cmpd="sng" algn="ctr">
+                      <a:solidFill>
+                        <a:srgbClr val="000000"/>
+                      </a:solidFill>
+                      <a:prstDash val="solid"/>
+                      <a:round/>
+                      <a:headEnd type="none" w="med" len="med"/>
+                      <a:tailEnd type="none" w="med" len="med"/>
+                    </a:lnT>
+                    <a:lnB>
+                      <a:noFill/>
+                    </a:lnB>
+                    <a:solidFill>
+                      <a:srgbClr val="D9D9D9"/>
+                    </a:solidFill>
+                  </a:tcPr>
+                </a:tc>
+                <a:tc>
+                  <a:txBody>
+                    <a:bodyPr/>
+                    <a:lstStyle/>
+                    <a:p>
+                      <a:pPr algn="r" fontAlgn="b"/>
+                      <a:r>
+                        <a:rPr lang="en-GB" sz="1100" b="0" i="0" u="none" strike="noStrike">
+                          <a:solidFill>
+                            <a:srgbClr val="000000"/>
+                          </a:solidFill>
+                          <a:effectLst/>
+                          <a:latin typeface="Calibri" panose="020F0502020204030204" pitchFamily="34" charset="0"/>
+                        </a:rPr>
+                        <a:t>1</a:t>
+                      </a:r>
+                    </a:p>
+                  </a:txBody>
+                  <a:tcPr marL="9525" marR="9525" marT="9525" marB="0" anchor="b">
+                    <a:lnL>
+                      <a:noFill/>
+                    </a:lnL>
+                    <a:lnR>
+                      <a:noFill/>
+                    </a:lnR>
+                    <a:lnT w="6350" cap="flat" cmpd="sng" algn="ctr">
+                      <a:solidFill>
+                        <a:srgbClr val="000000"/>
+                      </a:solidFill>
+                      <a:prstDash val="solid"/>
+                      <a:round/>
+                      <a:headEnd type="none" w="med" len="med"/>
+                      <a:tailEnd type="none" w="med" len="med"/>
+                    </a:lnT>
+                    <a:lnB>
+                      <a:noFill/>
+                    </a:lnB>
+                    <a:solidFill>
+                      <a:srgbClr val="D9D9D9"/>
+                    </a:solidFill>
+                  </a:tcPr>
+                </a:tc>
+                <a:tc>
+                  <a:txBody>
+                    <a:bodyPr/>
+                    <a:lstStyle/>
+                    <a:p>
+                      <a:pPr algn="l" fontAlgn="b"/>
+                      <a:r>
+                        <a:rPr lang="en-GB" sz="1100" b="0" i="0" u="none" strike="noStrike">
+                          <a:solidFill>
+                            <a:srgbClr val="000000"/>
+                          </a:solidFill>
+                          <a:effectLst/>
+                          <a:latin typeface="Calibri" panose="020F0502020204030204" pitchFamily="34" charset="0"/>
+                        </a:rPr>
+                        <a:t>Air</a:t>
+                      </a:r>
+                    </a:p>
+                  </a:txBody>
+                  <a:tcPr marL="9525" marR="9525" marT="9525" marB="0" anchor="b">
+                    <a:lnL>
+                      <a:noFill/>
+                    </a:lnL>
+                    <a:lnR>
+                      <a:noFill/>
+                    </a:lnR>
+                    <a:lnT w="6350" cap="flat" cmpd="sng" algn="ctr">
+                      <a:solidFill>
+                        <a:srgbClr val="000000"/>
+                      </a:solidFill>
+                      <a:prstDash val="solid"/>
+                      <a:round/>
+                      <a:headEnd type="none" w="med" len="med"/>
+                      <a:tailEnd type="none" w="med" len="med"/>
+                    </a:lnT>
+                    <a:lnB>
+                      <a:noFill/>
+                    </a:lnB>
+                    <a:solidFill>
+                      <a:srgbClr val="D9D9D9"/>
+                    </a:solidFill>
+                  </a:tcPr>
+                </a:tc>
+                <a:tc>
+                  <a:txBody>
+                    <a:bodyPr/>
+                    <a:lstStyle/>
+                    <a:p>
+                      <a:pPr algn="r" fontAlgn="b"/>
+                      <a:r>
+                        <a:rPr lang="en-GB" sz="1100" b="0" i="0" u="none" strike="noStrike">
+                          <a:solidFill>
+                            <a:srgbClr val="000000"/>
+                          </a:solidFill>
+                          <a:effectLst/>
+                          <a:latin typeface="Calibri" panose="020F0502020204030204" pitchFamily="34" charset="0"/>
+                        </a:rPr>
+                        <a:t>2.21E+05</a:t>
+                      </a:r>
+                    </a:p>
+                  </a:txBody>
+                  <a:tcPr marL="9525" marR="9525" marT="9525" marB="0" anchor="b">
+                    <a:lnL>
+                      <a:noFill/>
+                    </a:lnL>
+                    <a:lnR>
+                      <a:noFill/>
+                    </a:lnR>
+                    <a:lnT w="6350" cap="flat" cmpd="sng" algn="ctr">
+                      <a:solidFill>
+                        <a:srgbClr val="000000"/>
+                      </a:solidFill>
+                      <a:prstDash val="solid"/>
+                      <a:round/>
+                      <a:headEnd type="none" w="med" len="med"/>
+                      <a:tailEnd type="none" w="med" len="med"/>
+                    </a:lnT>
+                    <a:lnB>
+                      <a:noFill/>
+                    </a:lnB>
+                    <a:solidFill>
+                      <a:srgbClr val="D9D9D9"/>
+                    </a:solidFill>
+                  </a:tcPr>
+                </a:tc>
+                <a:tc>
+                  <a:txBody>
+                    <a:bodyPr/>
+                    <a:lstStyle/>
+                    <a:p>
+                      <a:pPr algn="r" fontAlgn="b"/>
+                      <a:r>
+                        <a:rPr lang="en-GB" sz="1100" b="0" i="0" u="none" strike="noStrike">
+                          <a:solidFill>
+                            <a:srgbClr val="000000"/>
+                          </a:solidFill>
+                          <a:effectLst/>
+                          <a:latin typeface="Calibri" panose="020F0502020204030204" pitchFamily="34" charset="0"/>
+                        </a:rPr>
+                        <a:t>4.23E+03</a:t>
+                      </a:r>
+                    </a:p>
+                  </a:txBody>
+                  <a:tcPr marL="9525" marR="9525" marT="9525" marB="0" anchor="b">
+                    <a:lnL>
+                      <a:noFill/>
+                    </a:lnL>
+                    <a:lnR>
+                      <a:noFill/>
+                    </a:lnR>
+                    <a:lnT w="6350" cap="flat" cmpd="sng" algn="ctr">
+                      <a:solidFill>
+                        <a:srgbClr val="000000"/>
+                      </a:solidFill>
+                      <a:prstDash val="solid"/>
+                      <a:round/>
+                      <a:headEnd type="none" w="med" len="med"/>
+                      <a:tailEnd type="none" w="med" len="med"/>
+                    </a:lnT>
+                    <a:lnB>
+                      <a:noFill/>
+                    </a:lnB>
+                    <a:solidFill>
+                      <a:srgbClr val="D9D9D9"/>
+                    </a:solidFill>
+                  </a:tcPr>
+                </a:tc>
+                <a:tc>
+                  <a:txBody>
+                    <a:bodyPr/>
+                    <a:lstStyle/>
+                    <a:p>
+                      <a:pPr algn="r" fontAlgn="b"/>
+                      <a:r>
+                        <a:rPr lang="en-GB" sz="1100" b="0" i="0" u="none" strike="noStrike">
+                          <a:solidFill>
+                            <a:srgbClr val="000000"/>
+                          </a:solidFill>
+                          <a:effectLst/>
+                          <a:latin typeface="Calibri" panose="020F0502020204030204" pitchFamily="34" charset="0"/>
+                        </a:rPr>
+                        <a:t>52.3472</a:t>
+                      </a:r>
+                    </a:p>
+                  </a:txBody>
+                  <a:tcPr marL="9525" marR="9525" marT="9525" marB="0" anchor="b">
+                    <a:lnL>
+                      <a:noFill/>
+                    </a:lnL>
+                    <a:lnR>
+                      <a:noFill/>
+                    </a:lnR>
+                    <a:lnT w="6350" cap="flat" cmpd="sng" algn="ctr">
+                      <a:solidFill>
+                        <a:srgbClr val="000000"/>
+                      </a:solidFill>
+                      <a:prstDash val="solid"/>
+                      <a:round/>
+                      <a:headEnd type="none" w="med" len="med"/>
+                      <a:tailEnd type="none" w="med" len="med"/>
+                    </a:lnT>
+                    <a:lnB>
+                      <a:noFill/>
+                    </a:lnB>
+                    <a:solidFill>
+                      <a:srgbClr val="D9D9D9"/>
+                    </a:solidFill>
+                  </a:tcPr>
+                </a:tc>
+                <a:tc>
+                  <a:txBody>
+                    <a:bodyPr/>
+                    <a:lstStyle/>
+                    <a:p>
+                      <a:pPr algn="r" fontAlgn="b"/>
+                      <a:r>
+                        <a:rPr lang="en-GB" sz="1100" b="0" i="0" u="none" strike="noStrike">
+                          <a:solidFill>
+                            <a:srgbClr val="000000"/>
+                          </a:solidFill>
+                          <a:effectLst/>
+                          <a:latin typeface="Calibri" panose="020F0502020204030204" pitchFamily="34" charset="0"/>
+                        </a:rPr>
+                        <a:t>213921</a:t>
+                      </a:r>
+                    </a:p>
+                  </a:txBody>
+                  <a:tcPr marL="9525" marR="9525" marT="9525" marB="0" anchor="b">
+                    <a:lnL>
+                      <a:noFill/>
+                    </a:lnL>
+                    <a:lnR>
+                      <a:noFill/>
+                    </a:lnR>
+                    <a:lnT w="6350" cap="flat" cmpd="sng" algn="ctr">
+                      <a:solidFill>
+                        <a:srgbClr val="000000"/>
+                      </a:solidFill>
+                      <a:prstDash val="solid"/>
+                      <a:round/>
+                      <a:headEnd type="none" w="med" len="med"/>
+                      <a:tailEnd type="none" w="med" len="med"/>
+                    </a:lnT>
+                    <a:lnB>
+                      <a:noFill/>
+                    </a:lnB>
+                    <a:solidFill>
+                      <a:srgbClr val="D9D9D9"/>
+                    </a:solidFill>
+                  </a:tcPr>
+                </a:tc>
+                <a:extLst>
+                  <a:ext uri="{0D108BD9-81ED-4DB2-BD59-A6C34878D82A}">
+                    <a16:rowId xmlns:a16="http://schemas.microsoft.com/office/drawing/2014/main" val="2324187690"/>
+                  </a:ext>
+                </a:extLst>
+              </a:tr>
+              <a:tr h="190500">
+                <a:tc>
+                  <a:txBody>
+                    <a:bodyPr/>
+                    <a:lstStyle/>
+                    <a:p>
+                      <a:pPr algn="l" fontAlgn="b"/>
+                      <a:r>
+                        <a:rPr lang="en-GB" sz="1100" b="0" i="0" u="none" strike="noStrike">
+                          <a:solidFill>
+                            <a:srgbClr val="000000"/>
+                          </a:solidFill>
+                          <a:effectLst/>
+                          <a:latin typeface="Calibri" panose="020F0502020204030204" pitchFamily="34" charset="0"/>
+                        </a:rPr>
+                        <a:t>0129_1710_2nd_sensor_h2_5300mV</a:t>
+                      </a:r>
+                    </a:p>
+                  </a:txBody>
+                  <a:tcPr marL="9525" marR="9525" marT="9525" marB="0" anchor="b">
+                    <a:lnL>
+                      <a:noFill/>
+                    </a:lnL>
+                    <a:lnR>
+                      <a:noFill/>
+                    </a:lnR>
+                    <a:lnT>
+                      <a:noFill/>
+                    </a:lnT>
+                    <a:lnB>
+                      <a:noFill/>
+                    </a:lnB>
+                  </a:tcPr>
+                </a:tc>
+                <a:tc>
+                  <a:txBody>
+                    <a:bodyPr/>
+                    <a:lstStyle/>
+                    <a:p>
+                      <a:pPr algn="r" fontAlgn="b"/>
+                      <a:r>
+                        <a:rPr lang="en-GB" sz="1100" b="0" i="0" u="none" strike="noStrike">
+                          <a:solidFill>
+                            <a:srgbClr val="000000"/>
+                          </a:solidFill>
+                          <a:effectLst/>
+                          <a:latin typeface="Calibri" panose="020F0502020204030204" pitchFamily="34" charset="0"/>
+                        </a:rPr>
+                        <a:t>5.3</a:t>
+                      </a:r>
+                    </a:p>
+                  </a:txBody>
+                  <a:tcPr marL="9525" marR="9525" marT="9525" marB="0" anchor="b">
+                    <a:lnL>
+                      <a:noFill/>
+                    </a:lnL>
+                    <a:lnR>
+                      <a:noFill/>
+                    </a:lnR>
+                    <a:lnT>
+                      <a:noFill/>
+                    </a:lnT>
+                    <a:lnB>
+                      <a:noFill/>
+                    </a:lnB>
+                  </a:tcPr>
+                </a:tc>
+                <a:tc>
+                  <a:txBody>
+                    <a:bodyPr/>
+                    <a:lstStyle/>
+                    <a:p>
+                      <a:pPr algn="r" fontAlgn="b"/>
+                      <a:r>
+                        <a:rPr lang="en-GB" sz="1100" b="0" i="0" u="none" strike="noStrike">
+                          <a:solidFill>
+                            <a:srgbClr val="000000"/>
+                          </a:solidFill>
+                          <a:effectLst/>
+                          <a:latin typeface="Calibri" panose="020F0502020204030204" pitchFamily="34" charset="0"/>
+                        </a:rPr>
+                        <a:t>1000</a:t>
+                      </a:r>
+                    </a:p>
+                  </a:txBody>
+                  <a:tcPr marL="9525" marR="9525" marT="9525" marB="0" anchor="b">
+                    <a:lnL>
+                      <a:noFill/>
+                    </a:lnL>
+                    <a:lnR>
+                      <a:noFill/>
+                    </a:lnR>
+                    <a:lnT>
+                      <a:noFill/>
+                    </a:lnT>
+                    <a:lnB>
+                      <a:noFill/>
+                    </a:lnB>
+                  </a:tcPr>
+                </a:tc>
+                <a:tc>
+                  <a:txBody>
+                    <a:bodyPr/>
+                    <a:lstStyle/>
+                    <a:p>
+                      <a:pPr algn="r" fontAlgn="b"/>
+                      <a:r>
+                        <a:rPr lang="en-GB" sz="1100" b="0" i="0" u="none" strike="noStrike">
+                          <a:solidFill>
+                            <a:srgbClr val="000000"/>
+                          </a:solidFill>
+                          <a:effectLst/>
+                          <a:latin typeface="Calibri" panose="020F0502020204030204" pitchFamily="34" charset="0"/>
+                        </a:rPr>
+                        <a:t>1</a:t>
+                      </a:r>
+                    </a:p>
+                  </a:txBody>
+                  <a:tcPr marL="9525" marR="9525" marT="9525" marB="0" anchor="b">
+                    <a:lnL>
+                      <a:noFill/>
+                    </a:lnL>
+                    <a:lnR>
+                      <a:noFill/>
+                    </a:lnR>
+                    <a:lnT>
+                      <a:noFill/>
+                    </a:lnT>
+                    <a:lnB>
+                      <a:noFill/>
+                    </a:lnB>
+                  </a:tcPr>
+                </a:tc>
+                <a:tc>
+                  <a:txBody>
+                    <a:bodyPr/>
+                    <a:lstStyle/>
+                    <a:p>
+                      <a:pPr algn="l" fontAlgn="b"/>
+                      <a:r>
+                        <a:rPr lang="en-GB" sz="1100" b="0" i="0" u="none" strike="noStrike">
+                          <a:solidFill>
+                            <a:srgbClr val="000000"/>
+                          </a:solidFill>
+                          <a:effectLst/>
+                          <a:latin typeface="Calibri" panose="020F0502020204030204" pitchFamily="34" charset="0"/>
+                        </a:rPr>
+                        <a:t>H2</a:t>
+                      </a:r>
+                    </a:p>
+                  </a:txBody>
+                  <a:tcPr marL="9525" marR="9525" marT="9525" marB="0" anchor="b">
+                    <a:lnL>
+                      <a:noFill/>
+                    </a:lnL>
+                    <a:lnR>
+                      <a:noFill/>
+                    </a:lnR>
+                    <a:lnT>
+                      <a:noFill/>
+                    </a:lnT>
+                    <a:lnB>
+                      <a:noFill/>
+                    </a:lnB>
+                  </a:tcPr>
+                </a:tc>
+                <a:tc>
+                  <a:txBody>
+                    <a:bodyPr/>
+                    <a:lstStyle/>
+                    <a:p>
+                      <a:pPr algn="r" fontAlgn="b"/>
+                      <a:r>
+                        <a:rPr lang="en-GB" sz="1100" b="0" i="0" u="none" strike="noStrike">
+                          <a:solidFill>
+                            <a:srgbClr val="000000"/>
+                          </a:solidFill>
+                          <a:effectLst/>
+                          <a:latin typeface="Calibri" panose="020F0502020204030204" pitchFamily="34" charset="0"/>
+                        </a:rPr>
+                        <a:t>1.21E+04</a:t>
+                      </a:r>
+                    </a:p>
+                  </a:txBody>
+                  <a:tcPr marL="9525" marR="9525" marT="9525" marB="0" anchor="b">
+                    <a:lnL>
+                      <a:noFill/>
+                    </a:lnL>
+                    <a:lnR>
+                      <a:noFill/>
+                    </a:lnR>
+                    <a:lnT>
+                      <a:noFill/>
+                    </a:lnT>
+                    <a:lnB>
+                      <a:noFill/>
+                    </a:lnB>
+                  </a:tcPr>
+                </a:tc>
+                <a:tc>
+                  <a:txBody>
+                    <a:bodyPr/>
+                    <a:lstStyle/>
+                    <a:p>
+                      <a:pPr algn="r" fontAlgn="b"/>
+                      <a:r>
+                        <a:rPr lang="en-GB" sz="1100" b="0" i="0" u="none" strike="noStrike">
+                          <a:solidFill>
+                            <a:srgbClr val="000000"/>
+                          </a:solidFill>
+                          <a:effectLst/>
+                          <a:latin typeface="Calibri" panose="020F0502020204030204" pitchFamily="34" charset="0"/>
+                        </a:rPr>
+                        <a:t>2.49E+03</a:t>
+                      </a:r>
+                    </a:p>
+                  </a:txBody>
+                  <a:tcPr marL="9525" marR="9525" marT="9525" marB="0" anchor="b">
+                    <a:lnL>
+                      <a:noFill/>
+                    </a:lnL>
+                    <a:lnR>
+                      <a:noFill/>
+                    </a:lnR>
+                    <a:lnT>
+                      <a:noFill/>
+                    </a:lnT>
+                    <a:lnB>
+                      <a:noFill/>
+                    </a:lnB>
+                  </a:tcPr>
+                </a:tc>
+                <a:tc>
+                  <a:txBody>
+                    <a:bodyPr/>
+                    <a:lstStyle/>
+                    <a:p>
+                      <a:pPr algn="r" fontAlgn="b"/>
+                      <a:r>
+                        <a:rPr lang="en-GB" sz="1100" b="0" i="0" u="none" strike="noStrike">
+                          <a:solidFill>
+                            <a:srgbClr val="000000"/>
+                          </a:solidFill>
+                          <a:effectLst/>
+                          <a:latin typeface="Calibri" panose="020F0502020204030204" pitchFamily="34" charset="0"/>
+                        </a:rPr>
+                        <a:t>17.2475</a:t>
+                      </a:r>
+                    </a:p>
+                  </a:txBody>
+                  <a:tcPr marL="9525" marR="9525" marT="9525" marB="0" anchor="b">
+                    <a:lnL>
+                      <a:noFill/>
+                    </a:lnL>
+                    <a:lnR>
+                      <a:noFill/>
+                    </a:lnR>
+                    <a:lnT>
+                      <a:noFill/>
+                    </a:lnT>
+                    <a:lnB>
+                      <a:noFill/>
+                    </a:lnB>
+                  </a:tcPr>
+                </a:tc>
+                <a:tc>
+                  <a:txBody>
+                    <a:bodyPr/>
+                    <a:lstStyle/>
+                    <a:p>
+                      <a:pPr algn="r" fontAlgn="b"/>
+                      <a:r>
+                        <a:rPr lang="en-GB" sz="1100" b="0" i="0" u="none" strike="noStrike" dirty="0">
+                          <a:solidFill>
+                            <a:srgbClr val="000000"/>
+                          </a:solidFill>
+                          <a:effectLst/>
+                          <a:latin typeface="Calibri" panose="020F0502020204030204" pitchFamily="34" charset="0"/>
+                        </a:rPr>
+                        <a:t>7834.9</a:t>
+                      </a:r>
+                    </a:p>
+                  </a:txBody>
+                  <a:tcPr marL="9525" marR="9525" marT="9525" marB="0" anchor="b">
+                    <a:lnL>
+                      <a:noFill/>
+                    </a:lnL>
+                    <a:lnR>
+                      <a:noFill/>
+                    </a:lnR>
+                    <a:lnT>
+                      <a:noFill/>
+                    </a:lnT>
+                    <a:lnB>
+                      <a:noFill/>
+                    </a:lnB>
+                  </a:tcPr>
+                </a:tc>
+                <a:extLst>
+                  <a:ext uri="{0D108BD9-81ED-4DB2-BD59-A6C34878D82A}">
+                    <a16:rowId xmlns:a16="http://schemas.microsoft.com/office/drawing/2014/main" val="39069156"/>
+                  </a:ext>
+                </a:extLst>
+              </a:tr>
+            </a:tbl>
+          </a:graphicData>
+        </a:graphic>
+      </p:graphicFrame>
+    </p:spTree>
+    <p:extLst>
+      <p:ext uri="{BB962C8B-B14F-4D97-AF65-F5344CB8AC3E}">
+        <p14:creationId xmlns:p14="http://schemas.microsoft.com/office/powerpoint/2010/main" val="1010664679"/>
+      </p:ext>
+    </p:extLst>
+  </p:cSld>
+  <p:clrMapOvr>
+    <a:masterClrMapping/>
+  </p:clrMapOvr>
+</p:sld>
+</file>
+
+<file path=ppt/slides/slide7.xml><?xml version="1.0" encoding="utf-8"?>
+<p:sld xmlns:a="http://schemas.openxmlformats.org/drawingml/2006/main" xmlns:r="http://schemas.openxmlformats.org/officeDocument/2006/relationships" xmlns:p="http://schemas.openxmlformats.org/presentationml/2006/main">
+  <p:cSld>
+    <p:spTree>
+      <p:nvGrpSpPr>
+        <p:cNvPr id="1" name=""/>
+        <p:cNvGrpSpPr/>
+        <p:nvPr/>
+      </p:nvGrpSpPr>
+      <p:grpSpPr>
+        <a:xfrm>
+          <a:off x="0" y="0"/>
+          <a:ext cx="0" cy="0"/>
+          <a:chOff x="0" y="0"/>
+          <a:chExt cx="0" cy="0"/>
+        </a:xfrm>
+      </p:grpSpPr>
+      <p:sp>
+        <p:nvSpPr>
+          <p:cNvPr id="2" name="Title 1">
+            <a:extLst>
+              <a:ext uri="{FF2B5EF4-FFF2-40B4-BE49-F238E27FC236}">
+                <a16:creationId xmlns:a16="http://schemas.microsoft.com/office/drawing/2014/main" id="{4244A50C-AD79-40BD-94EC-915263241E4A}"/>
+              </a:ext>
+            </a:extLst>
+          </p:cNvPr>
+          <p:cNvSpPr>
+            <a:spLocks noGrp="1"/>
+          </p:cNvSpPr>
+          <p:nvPr>
+            <p:ph type="title"/>
+          </p:nvPr>
+        </p:nvSpPr>
+        <p:spPr/>
+        <p:txBody>
+          <a:bodyPr/>
+          <a:lstStyle/>
+          <a:p>
+            <a:r>
+              <a:rPr lang="en-GB" dirty="0"/>
+              <a:t>Resistance in Air – 5.3V (30/01)</a:t>
+            </a:r>
+          </a:p>
+        </p:txBody>
+      </p:sp>
+      <p:pic>
+        <p:nvPicPr>
+          <p:cNvPr id="5" name="Content Placeholder 4">
+            <a:extLst>
+              <a:ext uri="{FF2B5EF4-FFF2-40B4-BE49-F238E27FC236}">
+                <a16:creationId xmlns:a16="http://schemas.microsoft.com/office/drawing/2014/main" id="{7A567615-23D6-4A72-B534-15E29BB8B57F}"/>
+              </a:ext>
+            </a:extLst>
+          </p:cNvPr>
+          <p:cNvPicPr>
+            <a:picLocks noGrp="1" noChangeAspect="1"/>
+          </p:cNvPicPr>
+          <p:nvPr>
+            <p:ph idx="1"/>
+          </p:nvPr>
+        </p:nvPicPr>
+        <p:blipFill>
+          <a:blip r:embed="rId2">
+            <a:extLst>
+              <a:ext uri="{28A0092B-C50C-407E-A947-70E740481C1C}">
+                <a14:useLocalDpi xmlns:a14="http://schemas.microsoft.com/office/drawing/2010/main" val="0"/>
+              </a:ext>
+            </a:extLst>
+          </a:blip>
+          <a:stretch>
+            <a:fillRect/>
+          </a:stretch>
+        </p:blipFill>
+        <p:spPr>
+          <a:xfrm>
+            <a:off x="319906" y="1981658"/>
+            <a:ext cx="3743799" cy="2807850"/>
+          </a:xfrm>
+        </p:spPr>
+      </p:pic>
+      <p:sp>
+        <p:nvSpPr>
+          <p:cNvPr id="6" name="TextBox 5">
+            <a:extLst>
+              <a:ext uri="{FF2B5EF4-FFF2-40B4-BE49-F238E27FC236}">
+                <a16:creationId xmlns:a16="http://schemas.microsoft.com/office/drawing/2014/main" id="{0F528FC2-7598-4AA3-B924-D8DD6994A443}"/>
+              </a:ext>
+            </a:extLst>
+          </p:cNvPr>
+          <p:cNvSpPr txBox="1"/>
+          <p:nvPr/>
+        </p:nvSpPr>
+        <p:spPr>
+          <a:xfrm>
+            <a:off x="1879134" y="1690688"/>
+            <a:ext cx="1577130" cy="369332"/>
+          </a:xfrm>
+          <a:prstGeom prst="rect">
+            <a:avLst/>
+          </a:prstGeom>
+          <a:noFill/>
+        </p:spPr>
+        <p:txBody>
+          <a:bodyPr wrap="square" rtlCol="0">
+            <a:spAutoFit/>
+          </a:bodyPr>
+          <a:lstStyle/>
+          <a:p>
+            <a:r>
+              <a:rPr lang="en-GB" dirty="0"/>
+              <a:t>14:30</a:t>
+            </a:r>
+          </a:p>
+        </p:txBody>
+      </p:sp>
+      <p:pic>
+        <p:nvPicPr>
+          <p:cNvPr id="8" name="Picture 7">
+            <a:extLst>
+              <a:ext uri="{FF2B5EF4-FFF2-40B4-BE49-F238E27FC236}">
+                <a16:creationId xmlns:a16="http://schemas.microsoft.com/office/drawing/2014/main" id="{20197AD0-82EC-4F70-83F6-50C8CC394522}"/>
+              </a:ext>
+            </a:extLst>
+          </p:cNvPr>
+          <p:cNvPicPr>
+            <a:picLocks noChangeAspect="1"/>
+          </p:cNvPicPr>
+          <p:nvPr/>
+        </p:nvPicPr>
+        <p:blipFill>
+          <a:blip r:embed="rId3">
+            <a:extLst>
+              <a:ext uri="{28A0092B-C50C-407E-A947-70E740481C1C}">
+                <a14:useLocalDpi xmlns:a14="http://schemas.microsoft.com/office/drawing/2010/main" val="0"/>
+              </a:ext>
+            </a:extLst>
+          </a:blip>
+          <a:stretch>
+            <a:fillRect/>
+          </a:stretch>
+        </p:blipFill>
+        <p:spPr>
+          <a:xfrm>
+            <a:off x="5622933" y="2009790"/>
+            <a:ext cx="3784559" cy="2838419"/>
+          </a:xfrm>
+          <a:prstGeom prst="rect">
+            <a:avLst/>
+          </a:prstGeom>
+        </p:spPr>
+      </p:pic>
+      <p:sp>
+        <p:nvSpPr>
+          <p:cNvPr id="9" name="TextBox 8">
+            <a:extLst>
+              <a:ext uri="{FF2B5EF4-FFF2-40B4-BE49-F238E27FC236}">
+                <a16:creationId xmlns:a16="http://schemas.microsoft.com/office/drawing/2014/main" id="{96204064-DCB3-40F8-BFD6-D4B485B44BF1}"/>
+              </a:ext>
+            </a:extLst>
+          </p:cNvPr>
+          <p:cNvSpPr txBox="1"/>
+          <p:nvPr/>
+        </p:nvSpPr>
+        <p:spPr>
+          <a:xfrm>
+            <a:off x="7158608" y="1745631"/>
+            <a:ext cx="1577130" cy="369332"/>
+          </a:xfrm>
+          <a:prstGeom prst="rect">
+            <a:avLst/>
+          </a:prstGeom>
+          <a:noFill/>
+        </p:spPr>
+        <p:txBody>
+          <a:bodyPr wrap="square" rtlCol="0">
+            <a:spAutoFit/>
+          </a:bodyPr>
+          <a:lstStyle/>
+          <a:p>
+            <a:r>
+              <a:rPr lang="en-GB" dirty="0"/>
+              <a:t>14:40</a:t>
+            </a:r>
+          </a:p>
+        </p:txBody>
+      </p:sp>
+      <p:sp>
+        <p:nvSpPr>
+          <p:cNvPr id="10" name="TextBox 9">
+            <a:extLst>
+              <a:ext uri="{FF2B5EF4-FFF2-40B4-BE49-F238E27FC236}">
+                <a16:creationId xmlns:a16="http://schemas.microsoft.com/office/drawing/2014/main" id="{F72F99F6-4583-4D69-911B-90B185F71B22}"/>
+              </a:ext>
+            </a:extLst>
+          </p:cNvPr>
+          <p:cNvSpPr txBox="1"/>
+          <p:nvPr/>
+        </p:nvSpPr>
+        <p:spPr>
+          <a:xfrm>
+            <a:off x="973123" y="5251508"/>
+            <a:ext cx="7155809" cy="646331"/>
+          </a:xfrm>
+          <a:prstGeom prst="rect">
+            <a:avLst/>
+          </a:prstGeom>
+          <a:noFill/>
+        </p:spPr>
+        <p:txBody>
+          <a:bodyPr wrap="square" rtlCol="0">
+            <a:spAutoFit/>
+          </a:bodyPr>
+          <a:lstStyle/>
+          <a:p>
+            <a:r>
+              <a:rPr lang="en-GB" dirty="0"/>
+              <a:t>Again slowly increasing, in the same range as with 5.2V (0.2-0.4 </a:t>
+            </a:r>
+            <a:r>
+              <a:rPr lang="en-GB" dirty="0" err="1"/>
+              <a:t>Mohm</a:t>
+            </a:r>
+            <a:r>
+              <a:rPr lang="en-GB" dirty="0"/>
+              <a:t>)</a:t>
+            </a:r>
+          </a:p>
+          <a:p>
+            <a:endParaRPr lang="en-GB" dirty="0"/>
+          </a:p>
+        </p:txBody>
+      </p:sp>
+    </p:spTree>
+    <p:extLst>
+      <p:ext uri="{BB962C8B-B14F-4D97-AF65-F5344CB8AC3E}">
+        <p14:creationId xmlns:p14="http://schemas.microsoft.com/office/powerpoint/2010/main" val="1436561967"/>
+      </p:ext>
+    </p:extLst>
+  </p:cSld>
+  <p:clrMapOvr>
+    <a:masterClrMapping/>
+  </p:clrMapOvr>
+</p:sld>
+</file>
+
+<file path=ppt/slides/slide8.xml><?xml version="1.0" encoding="utf-8"?>
+<p:sld xmlns:a="http://schemas.openxmlformats.org/drawingml/2006/main" xmlns:r="http://schemas.openxmlformats.org/officeDocument/2006/relationships" xmlns:p="http://schemas.openxmlformats.org/presentationml/2006/main">
+  <p:cSld>
+    <p:spTree>
+      <p:nvGrpSpPr>
+        <p:cNvPr id="1" name=""/>
+        <p:cNvGrpSpPr/>
+        <p:nvPr/>
+      </p:nvGrpSpPr>
+      <p:grpSpPr>
+        <a:xfrm>
+          <a:off x="0" y="0"/>
+          <a:ext cx="0" cy="0"/>
+          <a:chOff x="0" y="0"/>
+          <a:chExt cx="0" cy="0"/>
+        </a:xfrm>
+      </p:grpSpPr>
+      <p:pic>
+        <p:nvPicPr>
+          <p:cNvPr id="7" name="Picture 6">
+            <a:extLst>
+              <a:ext uri="{FF2B5EF4-FFF2-40B4-BE49-F238E27FC236}">
+                <a16:creationId xmlns:a16="http://schemas.microsoft.com/office/drawing/2014/main" id="{E48A7E63-8C6E-40E5-8802-0509327BFF56}"/>
+              </a:ext>
+            </a:extLst>
+          </p:cNvPr>
+          <p:cNvPicPr>
+            <a:picLocks noChangeAspect="1"/>
+          </p:cNvPicPr>
+          <p:nvPr/>
+        </p:nvPicPr>
+        <p:blipFill>
+          <a:blip r:embed="rId2">
+            <a:extLst>
+              <a:ext uri="{28A0092B-C50C-407E-A947-70E740481C1C}">
+                <a14:useLocalDpi xmlns:a14="http://schemas.microsoft.com/office/drawing/2010/main" val="0"/>
+              </a:ext>
+            </a:extLst>
+          </a:blip>
+          <a:stretch>
+            <a:fillRect/>
+          </a:stretch>
+        </p:blipFill>
+        <p:spPr>
+          <a:xfrm>
+            <a:off x="7041160" y="3009091"/>
+            <a:ext cx="5022209" cy="3766657"/>
+          </a:xfrm>
+          <a:prstGeom prst="rect">
+            <a:avLst/>
+          </a:prstGeom>
+        </p:spPr>
+      </p:pic>
+      <p:sp>
+        <p:nvSpPr>
+          <p:cNvPr id="2" name="Title 1">
+            <a:extLst>
+              <a:ext uri="{FF2B5EF4-FFF2-40B4-BE49-F238E27FC236}">
+                <a16:creationId xmlns:a16="http://schemas.microsoft.com/office/drawing/2014/main" id="{36B9FF62-E81C-4101-81CE-848302DB1FC1}"/>
+              </a:ext>
+            </a:extLst>
+          </p:cNvPr>
+          <p:cNvSpPr>
+            <a:spLocks noGrp="1"/>
+          </p:cNvSpPr>
+          <p:nvPr>
+            <p:ph type="title"/>
+          </p:nvPr>
+        </p:nvSpPr>
+        <p:spPr/>
+        <p:txBody>
+          <a:bodyPr/>
+          <a:lstStyle/>
+          <a:p>
+            <a:r>
+              <a:rPr lang="en-GB" dirty="0"/>
+              <a:t>Reaction to 1000ppm/0.2bar H2</a:t>
+            </a:r>
+          </a:p>
+        </p:txBody>
+      </p:sp>
+      <p:pic>
+        <p:nvPicPr>
+          <p:cNvPr id="5" name="Content Placeholder 4">
+            <a:extLst>
+              <a:ext uri="{FF2B5EF4-FFF2-40B4-BE49-F238E27FC236}">
+                <a16:creationId xmlns:a16="http://schemas.microsoft.com/office/drawing/2014/main" id="{18009E1E-2D13-4C68-A8DB-1751EF8B9156}"/>
+              </a:ext>
+            </a:extLst>
+          </p:cNvPr>
+          <p:cNvPicPr>
+            <a:picLocks noGrp="1" noChangeAspect="1"/>
+          </p:cNvPicPr>
+          <p:nvPr>
+            <p:ph idx="1"/>
+          </p:nvPr>
+        </p:nvPicPr>
+        <p:blipFill>
+          <a:blip r:embed="rId3">
+            <a:extLst>
+              <a:ext uri="{28A0092B-C50C-407E-A947-70E740481C1C}">
+                <a14:useLocalDpi xmlns:a14="http://schemas.microsoft.com/office/drawing/2010/main" val="0"/>
+              </a:ext>
+            </a:extLst>
+          </a:blip>
+          <a:stretch>
+            <a:fillRect/>
+          </a:stretch>
+        </p:blipFill>
+        <p:spPr>
+          <a:xfrm>
+            <a:off x="8206472" y="196115"/>
+            <a:ext cx="3985528" cy="2989146"/>
+          </a:xfrm>
+        </p:spPr>
+      </p:pic>
+      <p:sp>
+        <p:nvSpPr>
+          <p:cNvPr id="8" name="TextBox 7">
+            <a:extLst>
+              <a:ext uri="{FF2B5EF4-FFF2-40B4-BE49-F238E27FC236}">
+                <a16:creationId xmlns:a16="http://schemas.microsoft.com/office/drawing/2014/main" id="{95F95485-C05D-461C-A501-038147817C8E}"/>
+              </a:ext>
+            </a:extLst>
+          </p:cNvPr>
+          <p:cNvSpPr txBox="1"/>
+          <p:nvPr/>
+        </p:nvSpPr>
+        <p:spPr>
+          <a:xfrm>
+            <a:off x="612396" y="1690688"/>
+            <a:ext cx="5293454" cy="3139321"/>
+          </a:xfrm>
+          <a:prstGeom prst="rect">
+            <a:avLst/>
+          </a:prstGeom>
+          <a:noFill/>
+        </p:spPr>
+        <p:txBody>
+          <a:bodyPr wrap="square" rtlCol="0">
+            <a:spAutoFit/>
+          </a:bodyPr>
+          <a:lstStyle/>
+          <a:p>
+            <a:r>
+              <a:rPr lang="en-GB" dirty="0"/>
+              <a:t>Vacuum part is messy due to small increases caused by pumping other chambers</a:t>
+            </a:r>
+          </a:p>
+          <a:p>
+            <a:endParaRPr lang="en-GB" dirty="0"/>
+          </a:p>
+          <a:p>
+            <a:r>
+              <a:rPr lang="en-GB" dirty="0"/>
+              <a:t>Starting resistance is higher than before (0.2 vs. 0.3 MOhm)</a:t>
+            </a:r>
+          </a:p>
+          <a:p>
+            <a:endParaRPr lang="en-GB" dirty="0"/>
+          </a:p>
+          <a:p>
+            <a:r>
+              <a:rPr lang="en-GB" dirty="0"/>
+              <a:t>Resistance is slowly increasing in H2 and contains bumps</a:t>
+            </a:r>
+          </a:p>
+          <a:p>
+            <a:r>
+              <a:rPr lang="en-GB" dirty="0"/>
+              <a:t>The bumps could be caused by the pressure controller regulating the pressure</a:t>
+            </a:r>
+          </a:p>
+          <a:p>
+            <a:pPr marL="285750" indent="-285750">
+              <a:buFont typeface="Arial" panose="020B0604020202020204" pitchFamily="34" charset="0"/>
+              <a:buChar char="•"/>
+            </a:pPr>
+            <a:r>
+              <a:rPr lang="en-GB" dirty="0"/>
+              <a:t>Compare h2 value to datasheet</a:t>
+            </a:r>
+          </a:p>
+        </p:txBody>
+      </p:sp>
+      <p:sp>
+        <p:nvSpPr>
+          <p:cNvPr id="3" name="Rectangle 2">
+            <a:extLst>
+              <a:ext uri="{FF2B5EF4-FFF2-40B4-BE49-F238E27FC236}">
+                <a16:creationId xmlns:a16="http://schemas.microsoft.com/office/drawing/2014/main" id="{33B71C8C-9B78-4961-9A6C-FDE83455C86A}"/>
+              </a:ext>
+            </a:extLst>
+          </p:cNvPr>
+          <p:cNvSpPr/>
+          <p:nvPr/>
+        </p:nvSpPr>
+        <p:spPr>
+          <a:xfrm>
+            <a:off x="917503" y="1230977"/>
+            <a:ext cx="3604833" cy="369332"/>
+          </a:xfrm>
+          <a:prstGeom prst="rect">
+            <a:avLst/>
+          </a:prstGeom>
+        </p:spPr>
+        <p:txBody>
+          <a:bodyPr wrap="none">
+            <a:spAutoFit/>
+          </a:bodyPr>
+          <a:lstStyle/>
+          <a:p>
+            <a:r>
+              <a:rPr lang="en-GB" dirty="0"/>
+              <a:t>0130_1447_2nd_sensor_airtoh2_2V</a:t>
+            </a:r>
+          </a:p>
+        </p:txBody>
+      </p:sp>
+    </p:spTree>
+    <p:extLst>
+      <p:ext uri="{BB962C8B-B14F-4D97-AF65-F5344CB8AC3E}">
+        <p14:creationId xmlns:p14="http://schemas.microsoft.com/office/powerpoint/2010/main" val="452791440"/>
+      </p:ext>
+    </p:extLst>
+  </p:cSld>
+  <p:clrMapOvr>
+    <a:masterClrMapping/>
+  </p:clrMapOvr>
+</p:sld>
+</file>
+
+<file path=ppt/slides/slide9.xml><?xml version="1.0" encoding="utf-8"?>
+<p:sld xmlns:a="http://schemas.openxmlformats.org/drawingml/2006/main" xmlns:r="http://schemas.openxmlformats.org/officeDocument/2006/relationships" xmlns:p="http://schemas.openxmlformats.org/presentationml/2006/main">
+  <p:cSld>
+    <p:spTree>
+      <p:nvGrpSpPr>
+        <p:cNvPr id="1" name=""/>
+        <p:cNvGrpSpPr/>
+        <p:nvPr/>
+      </p:nvGrpSpPr>
+      <p:grpSpPr>
+        <a:xfrm>
+          <a:off x="0" y="0"/>
+          <a:ext cx="0" cy="0"/>
+          <a:chOff x="0" y="0"/>
+          <a:chExt cx="0" cy="0"/>
+        </a:xfrm>
+      </p:grpSpPr>
+      <p:pic>
+        <p:nvPicPr>
+          <p:cNvPr id="7" name="Content Placeholder 6">
+            <a:extLst>
+              <a:ext uri="{FF2B5EF4-FFF2-40B4-BE49-F238E27FC236}">
+                <a16:creationId xmlns:a16="http://schemas.microsoft.com/office/drawing/2014/main" id="{26895605-F668-4C89-B130-DC0B05BCE1D7}"/>
+              </a:ext>
+            </a:extLst>
+          </p:cNvPr>
+          <p:cNvPicPr>
+            <a:picLocks noGrp="1" noChangeAspect="1"/>
+          </p:cNvPicPr>
+          <p:nvPr>
+            <p:ph idx="1"/>
+          </p:nvPr>
+        </p:nvPicPr>
+        <p:blipFill>
+          <a:blip r:embed="rId2">
+            <a:extLst>
+              <a:ext uri="{28A0092B-C50C-407E-A947-70E740481C1C}">
+                <a14:useLocalDpi xmlns:a14="http://schemas.microsoft.com/office/drawing/2010/main" val="0"/>
+              </a:ext>
+            </a:extLst>
+          </a:blip>
+          <a:stretch>
+            <a:fillRect/>
+          </a:stretch>
+        </p:blipFill>
+        <p:spPr>
+          <a:xfrm>
+            <a:off x="8676255" y="4088085"/>
+            <a:ext cx="3515745" cy="2636809"/>
+          </a:xfrm>
+        </p:spPr>
+      </p:pic>
+      <p:sp>
+        <p:nvSpPr>
+          <p:cNvPr id="4" name="Title 1">
+            <a:extLst>
+              <a:ext uri="{FF2B5EF4-FFF2-40B4-BE49-F238E27FC236}">
+                <a16:creationId xmlns:a16="http://schemas.microsoft.com/office/drawing/2014/main" id="{679BE37A-0D2F-4F99-BBFD-130F8191EBCC}"/>
+              </a:ext>
+            </a:extLst>
+          </p:cNvPr>
+          <p:cNvSpPr>
+            <a:spLocks noGrp="1"/>
+          </p:cNvSpPr>
+          <p:nvPr>
+            <p:ph type="title"/>
+          </p:nvPr>
+        </p:nvSpPr>
+        <p:spPr>
+          <a:xfrm>
+            <a:off x="838200" y="365125"/>
+            <a:ext cx="10515600" cy="1325563"/>
+          </a:xfrm>
+        </p:spPr>
+        <p:txBody>
+          <a:bodyPr/>
+          <a:lstStyle/>
+          <a:p>
+            <a:r>
+              <a:rPr lang="en-GB" dirty="0"/>
+              <a:t>Reaction to 1000ppm/0.2bar H2</a:t>
+            </a:r>
+          </a:p>
+        </p:txBody>
+      </p:sp>
+      <p:sp>
+        <p:nvSpPr>
+          <p:cNvPr id="5" name="Rectangle 4">
+            <a:extLst>
+              <a:ext uri="{FF2B5EF4-FFF2-40B4-BE49-F238E27FC236}">
+                <a16:creationId xmlns:a16="http://schemas.microsoft.com/office/drawing/2014/main" id="{5500FF28-6631-483D-9C2F-D0BF82BD5703}"/>
+              </a:ext>
+            </a:extLst>
+          </p:cNvPr>
+          <p:cNvSpPr/>
+          <p:nvPr/>
+        </p:nvSpPr>
+        <p:spPr>
+          <a:xfrm>
+            <a:off x="917503" y="1230977"/>
+            <a:ext cx="3604833" cy="369332"/>
+          </a:xfrm>
+          <a:prstGeom prst="rect">
+            <a:avLst/>
+          </a:prstGeom>
+        </p:spPr>
+        <p:txBody>
+          <a:bodyPr wrap="none">
+            <a:spAutoFit/>
+          </a:bodyPr>
+          <a:lstStyle/>
+          <a:p>
+            <a:r>
+              <a:rPr lang="en-GB" dirty="0"/>
+              <a:t>0130_1447_2nd_sensor_airtoh2_2V</a:t>
+            </a:r>
+          </a:p>
+        </p:txBody>
+      </p:sp>
+      <p:sp>
+        <p:nvSpPr>
+          <p:cNvPr id="8" name="TextBox 7">
+            <a:extLst>
+              <a:ext uri="{FF2B5EF4-FFF2-40B4-BE49-F238E27FC236}">
+                <a16:creationId xmlns:a16="http://schemas.microsoft.com/office/drawing/2014/main" id="{EBE2FAC3-7291-4FB5-BB98-0BB7AE185FD2}"/>
+              </a:ext>
+            </a:extLst>
+          </p:cNvPr>
+          <p:cNvSpPr txBox="1"/>
+          <p:nvPr/>
+        </p:nvSpPr>
+        <p:spPr>
+          <a:xfrm>
+            <a:off x="8748621" y="3769304"/>
+            <a:ext cx="3363986" cy="369332"/>
+          </a:xfrm>
+          <a:prstGeom prst="rect">
+            <a:avLst/>
+          </a:prstGeom>
+          <a:noFill/>
+        </p:spPr>
+        <p:txBody>
+          <a:bodyPr wrap="square" rtlCol="0">
+            <a:spAutoFit/>
+          </a:bodyPr>
+          <a:lstStyle/>
+          <a:p>
+            <a:r>
+              <a:rPr lang="en-GB" dirty="0"/>
+              <a:t>Pressure during h2 phase</a:t>
+            </a:r>
+          </a:p>
+        </p:txBody>
+      </p:sp>
+      <p:pic>
+        <p:nvPicPr>
+          <p:cNvPr id="12" name="Picture 11">
+            <a:extLst>
+              <a:ext uri="{FF2B5EF4-FFF2-40B4-BE49-F238E27FC236}">
+                <a16:creationId xmlns:a16="http://schemas.microsoft.com/office/drawing/2014/main" id="{8A7CC147-5ADC-4B66-B827-5D5AFD726EE8}"/>
+              </a:ext>
+            </a:extLst>
+          </p:cNvPr>
+          <p:cNvPicPr>
+            <a:picLocks noChangeAspect="1"/>
+          </p:cNvPicPr>
+          <p:nvPr/>
+        </p:nvPicPr>
+        <p:blipFill>
+          <a:blip r:embed="rId3">
+            <a:extLst>
+              <a:ext uri="{28A0092B-C50C-407E-A947-70E740481C1C}">
+                <a14:useLocalDpi xmlns:a14="http://schemas.microsoft.com/office/drawing/2010/main" val="0"/>
+              </a:ext>
+            </a:extLst>
+          </a:blip>
+          <a:stretch>
+            <a:fillRect/>
+          </a:stretch>
+        </p:blipFill>
+        <p:spPr>
+          <a:xfrm>
+            <a:off x="841374" y="3573700"/>
+            <a:ext cx="3765351" cy="2824013"/>
+          </a:xfrm>
+          <a:prstGeom prst="rect">
+            <a:avLst/>
+          </a:prstGeom>
+        </p:spPr>
+      </p:pic>
+      <p:pic>
+        <p:nvPicPr>
+          <p:cNvPr id="14" name="Picture 13">
+            <a:extLst>
+              <a:ext uri="{FF2B5EF4-FFF2-40B4-BE49-F238E27FC236}">
+                <a16:creationId xmlns:a16="http://schemas.microsoft.com/office/drawing/2014/main" id="{3725E981-F709-49E7-99AC-A88F7057AEA6}"/>
+              </a:ext>
+            </a:extLst>
+          </p:cNvPr>
+          <p:cNvPicPr>
+            <a:picLocks noChangeAspect="1"/>
+          </p:cNvPicPr>
+          <p:nvPr/>
+        </p:nvPicPr>
+        <p:blipFill>
+          <a:blip r:embed="rId4">
+            <a:extLst>
+              <a:ext uri="{28A0092B-C50C-407E-A947-70E740481C1C}">
+                <a14:useLocalDpi xmlns:a14="http://schemas.microsoft.com/office/drawing/2010/main" val="0"/>
+              </a:ext>
+            </a:extLst>
+          </a:blip>
+          <a:stretch>
+            <a:fillRect/>
+          </a:stretch>
+        </p:blipFill>
+        <p:spPr>
+          <a:xfrm>
+            <a:off x="4726177" y="3668862"/>
+            <a:ext cx="3765351" cy="2824013"/>
+          </a:xfrm>
+          <a:prstGeom prst="rect">
+            <a:avLst/>
+          </a:prstGeom>
+        </p:spPr>
+      </p:pic>
+      <p:graphicFrame>
+        <p:nvGraphicFramePr>
+          <p:cNvPr id="16" name="Table 15">
+            <a:extLst>
+              <a:ext uri="{FF2B5EF4-FFF2-40B4-BE49-F238E27FC236}">
+                <a16:creationId xmlns:a16="http://schemas.microsoft.com/office/drawing/2014/main" id="{8DE3D9B2-D2AA-4E80-8F27-B3E29C4486E9}"/>
+              </a:ext>
+            </a:extLst>
+          </p:cNvPr>
+          <p:cNvGraphicFramePr>
+            <a:graphicFrameLocks noGrp="1"/>
+          </p:cNvGraphicFramePr>
+          <p:nvPr>
+            <p:extLst>
+              <p:ext uri="{D42A27DB-BD31-4B8C-83A1-F6EECF244321}">
+                <p14:modId xmlns:p14="http://schemas.microsoft.com/office/powerpoint/2010/main" val="837832436"/>
+              </p:ext>
+            </p:extLst>
+          </p:nvPr>
+        </p:nvGraphicFramePr>
+        <p:xfrm>
+          <a:off x="480094" y="2180411"/>
+          <a:ext cx="9486901" cy="571500"/>
+        </p:xfrm>
+        <a:graphic>
+          <a:graphicData uri="http://schemas.openxmlformats.org/drawingml/2006/table">
+            <a:tbl>
+              <a:tblPr/>
+              <a:tblGrid>
+                <a:gridCol w="2132886">
+                  <a:extLst>
+                    <a:ext uri="{9D8B030D-6E8A-4147-A177-3AD203B41FA5}">
+                      <a16:colId xmlns:a16="http://schemas.microsoft.com/office/drawing/2014/main" val="2969632067"/>
+                    </a:ext>
+                  </a:extLst>
+                </a:gridCol>
+                <a:gridCol w="1323532">
+                  <a:extLst>
+                    <a:ext uri="{9D8B030D-6E8A-4147-A177-3AD203B41FA5}">
+                      <a16:colId xmlns:a16="http://schemas.microsoft.com/office/drawing/2014/main" val="3779344210"/>
+                    </a:ext>
+                  </a:extLst>
+                </a:gridCol>
+                <a:gridCol w="888703">
+                  <a:extLst>
+                    <a:ext uri="{9D8B030D-6E8A-4147-A177-3AD203B41FA5}">
+                      <a16:colId xmlns:a16="http://schemas.microsoft.com/office/drawing/2014/main" val="1083739018"/>
+                    </a:ext>
+                  </a:extLst>
+                </a:gridCol>
+                <a:gridCol w="1041052">
+                  <a:extLst>
+                    <a:ext uri="{9D8B030D-6E8A-4147-A177-3AD203B41FA5}">
+                      <a16:colId xmlns:a16="http://schemas.microsoft.com/office/drawing/2014/main" val="1357434914"/>
+                    </a:ext>
+                  </a:extLst>
+                </a:gridCol>
+                <a:gridCol w="609396">
+                  <a:extLst>
+                    <a:ext uri="{9D8B030D-6E8A-4147-A177-3AD203B41FA5}">
+                      <a16:colId xmlns:a16="http://schemas.microsoft.com/office/drawing/2014/main" val="2105839780"/>
+                    </a:ext>
+                  </a:extLst>
+                </a:gridCol>
+                <a:gridCol w="1079139">
+                  <a:extLst>
+                    <a:ext uri="{9D8B030D-6E8A-4147-A177-3AD203B41FA5}">
+                      <a16:colId xmlns:a16="http://schemas.microsoft.com/office/drawing/2014/main" val="3839622486"/>
+                    </a:ext>
+                  </a:extLst>
+                </a:gridCol>
+                <a:gridCol w="1193401">
+                  <a:extLst>
+                    <a:ext uri="{9D8B030D-6E8A-4147-A177-3AD203B41FA5}">
+                      <a16:colId xmlns:a16="http://schemas.microsoft.com/office/drawing/2014/main" val="2807475773"/>
+                    </a:ext>
+                  </a:extLst>
+                </a:gridCol>
+                <a:gridCol w="609396">
+                  <a:extLst>
+                    <a:ext uri="{9D8B030D-6E8A-4147-A177-3AD203B41FA5}">
+                      <a16:colId xmlns:a16="http://schemas.microsoft.com/office/drawing/2014/main" val="883379687"/>
+                    </a:ext>
+                  </a:extLst>
+                </a:gridCol>
+                <a:gridCol w="609396">
+                  <a:extLst>
+                    <a:ext uri="{9D8B030D-6E8A-4147-A177-3AD203B41FA5}">
+                      <a16:colId xmlns:a16="http://schemas.microsoft.com/office/drawing/2014/main" val="4180193144"/>
+                    </a:ext>
+                  </a:extLst>
+                </a:gridCol>
+              </a:tblGrid>
+              <a:tr h="190500">
+                <a:tc>
+                  <a:txBody>
+                    <a:bodyPr/>
+                    <a:lstStyle/>
+                    <a:p>
+                      <a:pPr algn="l" fontAlgn="b"/>
+                      <a:r>
+                        <a:rPr lang="en-GB" sz="1100" b="1" i="0" u="none" strike="noStrike">
+                          <a:solidFill>
+                            <a:srgbClr val="000000"/>
+                          </a:solidFill>
+                          <a:effectLst/>
+                          <a:latin typeface="Calibri" panose="020F0502020204030204" pitchFamily="34" charset="0"/>
+                        </a:rPr>
+                        <a:t>Measurement</a:t>
+                      </a:r>
+                    </a:p>
+                  </a:txBody>
+                  <a:tcPr marL="9525" marR="9525" marT="9525" marB="0" anchor="b">
+                    <a:lnL>
+                      <a:noFill/>
+                    </a:lnL>
+                    <a:lnR>
+                      <a:noFill/>
+                    </a:lnR>
+                    <a:lnT w="6350" cap="flat" cmpd="sng" algn="ctr">
+                      <a:solidFill>
+                        <a:srgbClr val="000000"/>
+                      </a:solidFill>
+                      <a:prstDash val="solid"/>
+                      <a:round/>
+                      <a:headEnd type="none" w="med" len="med"/>
+                      <a:tailEnd type="none" w="med" len="med"/>
+                    </a:lnT>
+                    <a:lnB w="6350" cap="flat" cmpd="sng" algn="ctr">
+                      <a:solidFill>
+                        <a:srgbClr val="000000"/>
+                      </a:solidFill>
+                      <a:prstDash val="solid"/>
+                      <a:round/>
+                      <a:headEnd type="none" w="med" len="med"/>
+                      <a:tailEnd type="none" w="med" len="med"/>
+                    </a:lnB>
+                  </a:tcPr>
+                </a:tc>
+                <a:tc>
+                  <a:txBody>
+                    <a:bodyPr/>
+                    <a:lstStyle/>
+                    <a:p>
+                      <a:pPr algn="l" fontAlgn="b"/>
+                      <a:r>
+                        <a:rPr lang="en-GB" sz="1100" b="1" i="0" u="none" strike="noStrike">
+                          <a:solidFill>
+                            <a:srgbClr val="000000"/>
+                          </a:solidFill>
+                          <a:effectLst/>
+                          <a:latin typeface="Calibri" panose="020F0502020204030204" pitchFamily="34" charset="0"/>
+                        </a:rPr>
+                        <a:t>Voltage heater (V)</a:t>
+                      </a:r>
+                    </a:p>
+                  </a:txBody>
+                  <a:tcPr marL="9525" marR="9525" marT="9525" marB="0" anchor="b">
+                    <a:lnL>
+                      <a:noFill/>
+                    </a:lnL>
+                    <a:lnR>
+                      <a:noFill/>
+                    </a:lnR>
+                    <a:lnT w="6350" cap="flat" cmpd="sng" algn="ctr">
+                      <a:solidFill>
+                        <a:srgbClr val="000000"/>
+                      </a:solidFill>
+                      <a:prstDash val="solid"/>
+                      <a:round/>
+                      <a:headEnd type="none" w="med" len="med"/>
+                      <a:tailEnd type="none" w="med" len="med"/>
+                    </a:lnT>
+                    <a:lnB w="6350" cap="flat" cmpd="sng" algn="ctr">
+                      <a:solidFill>
+                        <a:srgbClr val="000000"/>
+                      </a:solidFill>
+                      <a:prstDash val="solid"/>
+                      <a:round/>
+                      <a:headEnd type="none" w="med" len="med"/>
+                      <a:tailEnd type="none" w="med" len="med"/>
+                    </a:lnB>
+                  </a:tcPr>
+                </a:tc>
+                <a:tc>
+                  <a:txBody>
+                    <a:bodyPr/>
+                    <a:lstStyle/>
+                    <a:p>
+                      <a:pPr algn="l" fontAlgn="b"/>
+                      <a:r>
+                        <a:rPr lang="en-GB" sz="1100" b="1" i="0" u="none" strike="noStrike">
+                          <a:solidFill>
+                            <a:srgbClr val="000000"/>
+                          </a:solidFill>
+                          <a:effectLst/>
+                          <a:latin typeface="Calibri" panose="020F0502020204030204" pitchFamily="34" charset="0"/>
+                        </a:rPr>
+                        <a:t>C_h2 (ppm)</a:t>
+                      </a:r>
+                    </a:p>
+                  </a:txBody>
+                  <a:tcPr marL="9525" marR="9525" marT="9525" marB="0" anchor="b">
+                    <a:lnL>
+                      <a:noFill/>
+                    </a:lnL>
+                    <a:lnR>
+                      <a:noFill/>
+                    </a:lnR>
+                    <a:lnT w="6350" cap="flat" cmpd="sng" algn="ctr">
+                      <a:solidFill>
+                        <a:srgbClr val="000000"/>
+                      </a:solidFill>
+                      <a:prstDash val="solid"/>
+                      <a:round/>
+                      <a:headEnd type="none" w="med" len="med"/>
+                      <a:tailEnd type="none" w="med" len="med"/>
+                    </a:lnT>
+                    <a:lnB w="6350" cap="flat" cmpd="sng" algn="ctr">
+                      <a:solidFill>
+                        <a:srgbClr val="000000"/>
+                      </a:solidFill>
+                      <a:prstDash val="solid"/>
+                      <a:round/>
+                      <a:headEnd type="none" w="med" len="med"/>
+                      <a:tailEnd type="none" w="med" len="med"/>
+                    </a:lnB>
+                  </a:tcPr>
+                </a:tc>
+                <a:tc>
+                  <a:txBody>
+                    <a:bodyPr/>
+                    <a:lstStyle/>
+                    <a:p>
+                      <a:pPr algn="l" fontAlgn="b"/>
+                      <a:r>
+                        <a:rPr lang="en-GB" sz="1100" b="1" i="0" u="none" strike="noStrike">
+                          <a:solidFill>
+                            <a:srgbClr val="000000"/>
+                          </a:solidFill>
+                          <a:effectLst/>
+                          <a:latin typeface="Calibri" panose="020F0502020204030204" pitchFamily="34" charset="0"/>
+                        </a:rPr>
+                        <a:t>Pressure (bar)</a:t>
+                      </a:r>
+                    </a:p>
+                  </a:txBody>
+                  <a:tcPr marL="9525" marR="9525" marT="9525" marB="0" anchor="b">
+                    <a:lnL>
+                      <a:noFill/>
+                    </a:lnL>
+                    <a:lnR>
+                      <a:noFill/>
+                    </a:lnR>
+                    <a:lnT w="6350" cap="flat" cmpd="sng" algn="ctr">
+                      <a:solidFill>
+                        <a:srgbClr val="000000"/>
+                      </a:solidFill>
+                      <a:prstDash val="solid"/>
+                      <a:round/>
+                      <a:headEnd type="none" w="med" len="med"/>
+                      <a:tailEnd type="none" w="med" len="med"/>
+                    </a:lnT>
+                    <a:lnB w="6350" cap="flat" cmpd="sng" algn="ctr">
+                      <a:solidFill>
+                        <a:srgbClr val="000000"/>
+                      </a:solidFill>
+                      <a:prstDash val="solid"/>
+                      <a:round/>
+                      <a:headEnd type="none" w="med" len="med"/>
+                      <a:tailEnd type="none" w="med" len="med"/>
+                    </a:lnB>
+                  </a:tcPr>
+                </a:tc>
+                <a:tc>
+                  <a:txBody>
+                    <a:bodyPr/>
+                    <a:lstStyle/>
+                    <a:p>
+                      <a:pPr algn="l" fontAlgn="b"/>
+                      <a:r>
+                        <a:rPr lang="en-GB" sz="1100" b="1" i="0" u="none" strike="noStrike">
+                          <a:solidFill>
+                            <a:srgbClr val="000000"/>
+                          </a:solidFill>
+                          <a:effectLst/>
+                          <a:latin typeface="Calibri" panose="020F0502020204030204" pitchFamily="34" charset="0"/>
+                        </a:rPr>
+                        <a:t>Part</a:t>
+                      </a:r>
+                    </a:p>
+                  </a:txBody>
+                  <a:tcPr marL="9525" marR="9525" marT="9525" marB="0" anchor="b">
+                    <a:lnL>
+                      <a:noFill/>
+                    </a:lnL>
+                    <a:lnR>
+                      <a:noFill/>
+                    </a:lnR>
+                    <a:lnT w="6350" cap="flat" cmpd="sng" algn="ctr">
+                      <a:solidFill>
+                        <a:srgbClr val="000000"/>
+                      </a:solidFill>
+                      <a:prstDash val="solid"/>
+                      <a:round/>
+                      <a:headEnd type="none" w="med" len="med"/>
+                      <a:tailEnd type="none" w="med" len="med"/>
+                    </a:lnT>
+                    <a:lnB w="6350" cap="flat" cmpd="sng" algn="ctr">
+                      <a:solidFill>
+                        <a:srgbClr val="000000"/>
+                      </a:solidFill>
+                      <a:prstDash val="solid"/>
+                      <a:round/>
+                      <a:headEnd type="none" w="med" len="med"/>
+                      <a:tailEnd type="none" w="med" len="med"/>
+                    </a:lnB>
+                  </a:tcPr>
+                </a:tc>
+                <a:tc>
+                  <a:txBody>
+                    <a:bodyPr/>
+                    <a:lstStyle/>
+                    <a:p>
+                      <a:pPr algn="l" fontAlgn="b"/>
+                      <a:r>
+                        <a:rPr lang="en-GB" sz="1100" b="1" i="0" u="none" strike="noStrike">
+                          <a:solidFill>
+                            <a:srgbClr val="000000"/>
+                          </a:solidFill>
+                          <a:effectLst/>
+                          <a:latin typeface="Calibri" panose="020F0502020204030204" pitchFamily="34" charset="0"/>
+                        </a:rPr>
+                        <a:t>R mean (Ohm)</a:t>
+                      </a:r>
+                    </a:p>
+                  </a:txBody>
+                  <a:tcPr marL="9525" marR="9525" marT="9525" marB="0" anchor="b">
+                    <a:lnL>
+                      <a:noFill/>
+                    </a:lnL>
+                    <a:lnR>
+                      <a:noFill/>
+                    </a:lnR>
+                    <a:lnT w="6350" cap="flat" cmpd="sng" algn="ctr">
+                      <a:solidFill>
+                        <a:srgbClr val="000000"/>
+                      </a:solidFill>
+                      <a:prstDash val="solid"/>
+                      <a:round/>
+                      <a:headEnd type="none" w="med" len="med"/>
+                      <a:tailEnd type="none" w="med" len="med"/>
+                    </a:lnT>
+                    <a:lnB w="6350" cap="flat" cmpd="sng" algn="ctr">
+                      <a:solidFill>
+                        <a:srgbClr val="000000"/>
+                      </a:solidFill>
+                      <a:prstDash val="solid"/>
+                      <a:round/>
+                      <a:headEnd type="none" w="med" len="med"/>
+                      <a:tailEnd type="none" w="med" len="med"/>
+                    </a:lnB>
+                  </a:tcPr>
+                </a:tc>
+                <a:tc>
+                  <a:txBody>
+                    <a:bodyPr/>
+                    <a:lstStyle/>
+                    <a:p>
+                      <a:pPr algn="l" fontAlgn="b"/>
+                      <a:r>
+                        <a:rPr lang="en-GB" sz="1100" b="1" i="0" u="none" strike="noStrike">
+                          <a:solidFill>
+                            <a:srgbClr val="000000"/>
+                          </a:solidFill>
+                          <a:effectLst/>
+                          <a:latin typeface="Calibri" panose="020F0502020204030204" pitchFamily="34" charset="0"/>
+                        </a:rPr>
+                        <a:t>Std</a:t>
+                      </a:r>
+                    </a:p>
+                  </a:txBody>
+                  <a:tcPr marL="9525" marR="9525" marT="9525" marB="0" anchor="b">
+                    <a:lnL>
+                      <a:noFill/>
+                    </a:lnL>
+                    <a:lnR>
+                      <a:noFill/>
+                    </a:lnR>
+                    <a:lnT w="6350" cap="flat" cmpd="sng" algn="ctr">
+                      <a:solidFill>
+                        <a:srgbClr val="000000"/>
+                      </a:solidFill>
+                      <a:prstDash val="solid"/>
+                      <a:round/>
+                      <a:headEnd type="none" w="med" len="med"/>
+                      <a:tailEnd type="none" w="med" len="med"/>
+                    </a:lnT>
+                    <a:lnB w="6350" cap="flat" cmpd="sng" algn="ctr">
+                      <a:solidFill>
+                        <a:srgbClr val="000000"/>
+                      </a:solidFill>
+                      <a:prstDash val="solid"/>
+                      <a:round/>
+                      <a:headEnd type="none" w="med" len="med"/>
+                      <a:tailEnd type="none" w="med" len="med"/>
+                    </a:lnB>
+                  </a:tcPr>
+                </a:tc>
+                <a:tc>
+                  <a:txBody>
+                    <a:bodyPr/>
+                    <a:lstStyle/>
+                    <a:p>
+                      <a:pPr algn="l" fontAlgn="b"/>
+                      <a:r>
+                        <a:rPr lang="en-GB" sz="1100" b="1" i="0" u="none" strike="noStrike">
+                          <a:solidFill>
+                            <a:srgbClr val="000000"/>
+                          </a:solidFill>
+                          <a:effectLst/>
+                          <a:latin typeface="Calibri" panose="020F0502020204030204" pitchFamily="34" charset="0"/>
+                        </a:rPr>
+                        <a:t>a</a:t>
+                      </a:r>
+                    </a:p>
+                  </a:txBody>
+                  <a:tcPr marL="9525" marR="9525" marT="9525" marB="0" anchor="b">
+                    <a:lnL>
+                      <a:noFill/>
+                    </a:lnL>
+                    <a:lnR>
+                      <a:noFill/>
+                    </a:lnR>
+                    <a:lnT w="6350" cap="flat" cmpd="sng" algn="ctr">
+                      <a:solidFill>
+                        <a:srgbClr val="000000"/>
+                      </a:solidFill>
+                      <a:prstDash val="solid"/>
+                      <a:round/>
+                      <a:headEnd type="none" w="med" len="med"/>
+                      <a:tailEnd type="none" w="med" len="med"/>
+                    </a:lnT>
+                    <a:lnB w="6350" cap="flat" cmpd="sng" algn="ctr">
+                      <a:solidFill>
+                        <a:srgbClr val="000000"/>
+                      </a:solidFill>
+                      <a:prstDash val="solid"/>
+                      <a:round/>
+                      <a:headEnd type="none" w="med" len="med"/>
+                      <a:tailEnd type="none" w="med" len="med"/>
+                    </a:lnB>
+                  </a:tcPr>
+                </a:tc>
+                <a:tc>
+                  <a:txBody>
+                    <a:bodyPr/>
+                    <a:lstStyle/>
+                    <a:p>
+                      <a:pPr algn="l" fontAlgn="b"/>
+                      <a:r>
+                        <a:rPr lang="en-GB" sz="1100" b="1" i="0" u="none" strike="noStrike">
+                          <a:solidFill>
+                            <a:srgbClr val="000000"/>
+                          </a:solidFill>
+                          <a:effectLst/>
+                          <a:latin typeface="Calibri" panose="020F0502020204030204" pitchFamily="34" charset="0"/>
+                        </a:rPr>
+                        <a:t>b</a:t>
+                      </a:r>
+                    </a:p>
+                  </a:txBody>
+                  <a:tcPr marL="9525" marR="9525" marT="9525" marB="0" anchor="b">
+                    <a:lnL>
+                      <a:noFill/>
+                    </a:lnL>
+                    <a:lnR>
+                      <a:noFill/>
+                    </a:lnR>
+                    <a:lnT w="6350" cap="flat" cmpd="sng" algn="ctr">
+                      <a:solidFill>
+                        <a:srgbClr val="000000"/>
+                      </a:solidFill>
+                      <a:prstDash val="solid"/>
+                      <a:round/>
+                      <a:headEnd type="none" w="med" len="med"/>
+                      <a:tailEnd type="none" w="med" len="med"/>
+                    </a:lnT>
+                    <a:lnB w="6350" cap="flat" cmpd="sng" algn="ctr">
+                      <a:solidFill>
+                        <a:srgbClr val="000000"/>
+                      </a:solidFill>
+                      <a:prstDash val="solid"/>
+                      <a:round/>
+                      <a:headEnd type="none" w="med" len="med"/>
+                      <a:tailEnd type="none" w="med" len="med"/>
+                    </a:lnB>
+                  </a:tcPr>
+                </a:tc>
+                <a:extLst>
+                  <a:ext uri="{0D108BD9-81ED-4DB2-BD59-A6C34878D82A}">
+                    <a16:rowId xmlns:a16="http://schemas.microsoft.com/office/drawing/2014/main" val="571904951"/>
+                  </a:ext>
+                </a:extLst>
+              </a:tr>
+              <a:tr h="190500">
+                <a:tc>
+                  <a:txBody>
+                    <a:bodyPr/>
+                    <a:lstStyle/>
+                    <a:p>
+                      <a:pPr algn="l" fontAlgn="b"/>
+                      <a:r>
+                        <a:rPr lang="en-GB" sz="1100" b="0" i="0" u="none" strike="noStrike">
+                          <a:solidFill>
+                            <a:srgbClr val="000000"/>
+                          </a:solidFill>
+                          <a:effectLst/>
+                          <a:latin typeface="Calibri" panose="020F0502020204030204" pitchFamily="34" charset="0"/>
+                        </a:rPr>
+                        <a:t>0130_1447_2nd_sensor_airtoh2_2V</a:t>
+                      </a:r>
+                    </a:p>
+                  </a:txBody>
+                  <a:tcPr marL="9525" marR="9525" marT="9525" marB="0" anchor="b">
+                    <a:lnL>
+                      <a:noFill/>
+                    </a:lnL>
+                    <a:lnR>
+                      <a:noFill/>
+                    </a:lnR>
+                    <a:lnT w="6350" cap="flat" cmpd="sng" algn="ctr">
+                      <a:solidFill>
+                        <a:srgbClr val="000000"/>
+                      </a:solidFill>
+                      <a:prstDash val="solid"/>
+                      <a:round/>
+                      <a:headEnd type="none" w="med" len="med"/>
+                      <a:tailEnd type="none" w="med" len="med"/>
+                    </a:lnT>
+                    <a:lnB>
+                      <a:noFill/>
+                    </a:lnB>
+                    <a:solidFill>
+                      <a:srgbClr val="D9D9D9"/>
+                    </a:solidFill>
+                  </a:tcPr>
+                </a:tc>
+                <a:tc>
+                  <a:txBody>
+                    <a:bodyPr/>
+                    <a:lstStyle/>
+                    <a:p>
+                      <a:pPr algn="r" fontAlgn="b"/>
+                      <a:r>
+                        <a:rPr lang="en-GB" sz="1100" b="0" i="0" u="none" strike="noStrike">
+                          <a:solidFill>
+                            <a:srgbClr val="000000"/>
+                          </a:solidFill>
+                          <a:effectLst/>
+                          <a:latin typeface="Calibri" panose="020F0502020204030204" pitchFamily="34" charset="0"/>
+                        </a:rPr>
+                        <a:t>5.2</a:t>
+                      </a:r>
+                    </a:p>
+                  </a:txBody>
+                  <a:tcPr marL="9525" marR="9525" marT="9525" marB="0" anchor="b">
+                    <a:lnL>
+                      <a:noFill/>
+                    </a:lnL>
+                    <a:lnR>
+                      <a:noFill/>
+                    </a:lnR>
+                    <a:lnT w="6350" cap="flat" cmpd="sng" algn="ctr">
+                      <a:solidFill>
+                        <a:srgbClr val="000000"/>
+                      </a:solidFill>
+                      <a:prstDash val="solid"/>
+                      <a:round/>
+                      <a:headEnd type="none" w="med" len="med"/>
+                      <a:tailEnd type="none" w="med" len="med"/>
+                    </a:lnT>
+                    <a:lnB>
+                      <a:noFill/>
+                    </a:lnB>
+                    <a:solidFill>
+                      <a:srgbClr val="D9D9D9"/>
+                    </a:solidFill>
+                  </a:tcPr>
+                </a:tc>
+                <a:tc>
+                  <a:txBody>
+                    <a:bodyPr/>
+                    <a:lstStyle/>
+                    <a:p>
+                      <a:pPr algn="r" fontAlgn="b"/>
+                      <a:r>
+                        <a:rPr lang="en-GB" sz="1100" b="0" i="0" u="none" strike="noStrike">
+                          <a:solidFill>
+                            <a:srgbClr val="000000"/>
+                          </a:solidFill>
+                          <a:effectLst/>
+                          <a:latin typeface="Calibri" panose="020F0502020204030204" pitchFamily="34" charset="0"/>
+                        </a:rPr>
+                        <a:t>1000</a:t>
+                      </a:r>
+                    </a:p>
+                  </a:txBody>
+                  <a:tcPr marL="9525" marR="9525" marT="9525" marB="0" anchor="b">
+                    <a:lnL>
+                      <a:noFill/>
+                    </a:lnL>
+                    <a:lnR>
+                      <a:noFill/>
+                    </a:lnR>
+                    <a:lnT w="6350" cap="flat" cmpd="sng" algn="ctr">
+                      <a:solidFill>
+                        <a:srgbClr val="000000"/>
+                      </a:solidFill>
+                      <a:prstDash val="solid"/>
+                      <a:round/>
+                      <a:headEnd type="none" w="med" len="med"/>
+                      <a:tailEnd type="none" w="med" len="med"/>
+                    </a:lnT>
+                    <a:lnB>
+                      <a:noFill/>
+                    </a:lnB>
+                    <a:solidFill>
+                      <a:srgbClr val="D9D9D9"/>
+                    </a:solidFill>
+                  </a:tcPr>
+                </a:tc>
+                <a:tc>
+                  <a:txBody>
+                    <a:bodyPr/>
+                    <a:lstStyle/>
+                    <a:p>
+                      <a:pPr algn="r" fontAlgn="b"/>
+                      <a:r>
+                        <a:rPr lang="en-GB" sz="1100" b="0" i="0" u="none" strike="noStrike">
+                          <a:solidFill>
+                            <a:srgbClr val="000000"/>
+                          </a:solidFill>
+                          <a:effectLst/>
+                          <a:latin typeface="Calibri" panose="020F0502020204030204" pitchFamily="34" charset="0"/>
+                        </a:rPr>
+                        <a:t>0.2</a:t>
+                      </a:r>
+                    </a:p>
+                  </a:txBody>
+                  <a:tcPr marL="9525" marR="9525" marT="9525" marB="0" anchor="b">
+                    <a:lnL>
+                      <a:noFill/>
+                    </a:lnL>
+                    <a:lnR>
+                      <a:noFill/>
+                    </a:lnR>
+                    <a:lnT w="6350" cap="flat" cmpd="sng" algn="ctr">
+                      <a:solidFill>
+                        <a:srgbClr val="000000"/>
+                      </a:solidFill>
+                      <a:prstDash val="solid"/>
+                      <a:round/>
+                      <a:headEnd type="none" w="med" len="med"/>
+                      <a:tailEnd type="none" w="med" len="med"/>
+                    </a:lnT>
+                    <a:lnB>
+                      <a:noFill/>
+                    </a:lnB>
+                    <a:solidFill>
+                      <a:srgbClr val="D9D9D9"/>
+                    </a:solidFill>
+                  </a:tcPr>
+                </a:tc>
+                <a:tc>
+                  <a:txBody>
+                    <a:bodyPr/>
+                    <a:lstStyle/>
+                    <a:p>
+                      <a:pPr algn="l" fontAlgn="b"/>
+                      <a:r>
+                        <a:rPr lang="en-GB" sz="1100" b="0" i="0" u="none" strike="noStrike">
+                          <a:solidFill>
+                            <a:srgbClr val="000000"/>
+                          </a:solidFill>
+                          <a:effectLst/>
+                          <a:latin typeface="Calibri" panose="020F0502020204030204" pitchFamily="34" charset="0"/>
+                        </a:rPr>
+                        <a:t>Air</a:t>
+                      </a:r>
+                    </a:p>
+                  </a:txBody>
+                  <a:tcPr marL="9525" marR="9525" marT="9525" marB="0" anchor="b">
+                    <a:lnL>
+                      <a:noFill/>
+                    </a:lnL>
+                    <a:lnR>
+                      <a:noFill/>
+                    </a:lnR>
+                    <a:lnT w="6350" cap="flat" cmpd="sng" algn="ctr">
+                      <a:solidFill>
+                        <a:srgbClr val="000000"/>
+                      </a:solidFill>
+                      <a:prstDash val="solid"/>
+                      <a:round/>
+                      <a:headEnd type="none" w="med" len="med"/>
+                      <a:tailEnd type="none" w="med" len="med"/>
+                    </a:lnT>
+                    <a:lnB>
+                      <a:noFill/>
+                    </a:lnB>
+                    <a:solidFill>
+                      <a:srgbClr val="D9D9D9"/>
+                    </a:solidFill>
+                  </a:tcPr>
+                </a:tc>
+                <a:tc>
+                  <a:txBody>
+                    <a:bodyPr/>
+                    <a:lstStyle/>
+                    <a:p>
+                      <a:pPr algn="r" fontAlgn="b"/>
+                      <a:r>
+                        <a:rPr lang="en-GB" sz="1100" b="0" i="0" u="none" strike="noStrike">
+                          <a:solidFill>
+                            <a:srgbClr val="000000"/>
+                          </a:solidFill>
+                          <a:effectLst/>
+                          <a:latin typeface="Calibri" panose="020F0502020204030204" pitchFamily="34" charset="0"/>
+                        </a:rPr>
+                        <a:t>3.19E+05</a:t>
+                      </a:r>
+                    </a:p>
+                  </a:txBody>
+                  <a:tcPr marL="9525" marR="9525" marT="9525" marB="0" anchor="b">
+                    <a:lnL>
+                      <a:noFill/>
+                    </a:lnL>
+                    <a:lnR>
+                      <a:noFill/>
+                    </a:lnR>
+                    <a:lnT w="6350" cap="flat" cmpd="sng" algn="ctr">
+                      <a:solidFill>
+                        <a:srgbClr val="000000"/>
+                      </a:solidFill>
+                      <a:prstDash val="solid"/>
+                      <a:round/>
+                      <a:headEnd type="none" w="med" len="med"/>
+                      <a:tailEnd type="none" w="med" len="med"/>
+                    </a:lnT>
+                    <a:lnB>
+                      <a:noFill/>
+                    </a:lnB>
+                    <a:solidFill>
+                      <a:srgbClr val="D9D9D9"/>
+                    </a:solidFill>
+                  </a:tcPr>
+                </a:tc>
+                <a:tc>
+                  <a:txBody>
+                    <a:bodyPr/>
+                    <a:lstStyle/>
+                    <a:p>
+                      <a:pPr algn="r" fontAlgn="b"/>
+                      <a:r>
+                        <a:rPr lang="en-GB" sz="1100" b="0" i="0" u="none" strike="noStrike">
+                          <a:solidFill>
+                            <a:srgbClr val="000000"/>
+                          </a:solidFill>
+                          <a:effectLst/>
+                          <a:latin typeface="Calibri" panose="020F0502020204030204" pitchFamily="34" charset="0"/>
+                        </a:rPr>
+                        <a:t>1.94E+03</a:t>
+                      </a:r>
+                    </a:p>
+                  </a:txBody>
+                  <a:tcPr marL="9525" marR="9525" marT="9525" marB="0" anchor="b">
+                    <a:lnL>
+                      <a:noFill/>
+                    </a:lnL>
+                    <a:lnR>
+                      <a:noFill/>
+                    </a:lnR>
+                    <a:lnT w="6350" cap="flat" cmpd="sng" algn="ctr">
+                      <a:solidFill>
+                        <a:srgbClr val="000000"/>
+                      </a:solidFill>
+                      <a:prstDash val="solid"/>
+                      <a:round/>
+                      <a:headEnd type="none" w="med" len="med"/>
+                      <a:tailEnd type="none" w="med" len="med"/>
+                    </a:lnT>
+                    <a:lnB>
+                      <a:noFill/>
+                    </a:lnB>
+                    <a:solidFill>
+                      <a:srgbClr val="D9D9D9"/>
+                    </a:solidFill>
+                  </a:tcPr>
+                </a:tc>
+                <a:tc>
+                  <a:txBody>
+                    <a:bodyPr/>
+                    <a:lstStyle/>
+                    <a:p>
+                      <a:pPr algn="r" fontAlgn="b"/>
+                      <a:r>
+                        <a:rPr lang="en-GB" sz="1100" b="0" i="0" u="none" strike="noStrike">
+                          <a:solidFill>
+                            <a:srgbClr val="000000"/>
+                          </a:solidFill>
+                          <a:effectLst/>
+                          <a:latin typeface="Calibri" panose="020F0502020204030204" pitchFamily="34" charset="0"/>
+                        </a:rPr>
+                        <a:t>22.3684</a:t>
+                      </a:r>
+                    </a:p>
+                  </a:txBody>
+                  <a:tcPr marL="9525" marR="9525" marT="9525" marB="0" anchor="b">
+                    <a:lnL>
+                      <a:noFill/>
+                    </a:lnL>
+                    <a:lnR>
+                      <a:noFill/>
+                    </a:lnR>
+                    <a:lnT w="6350" cap="flat" cmpd="sng" algn="ctr">
+                      <a:solidFill>
+                        <a:srgbClr val="000000"/>
+                      </a:solidFill>
+                      <a:prstDash val="solid"/>
+                      <a:round/>
+                      <a:headEnd type="none" w="med" len="med"/>
+                      <a:tailEnd type="none" w="med" len="med"/>
+                    </a:lnT>
+                    <a:lnB>
+                      <a:noFill/>
+                    </a:lnB>
+                    <a:solidFill>
+                      <a:srgbClr val="D9D9D9"/>
+                    </a:solidFill>
+                  </a:tcPr>
+                </a:tc>
+                <a:tc>
+                  <a:txBody>
+                    <a:bodyPr/>
+                    <a:lstStyle/>
+                    <a:p>
+                      <a:pPr algn="r" fontAlgn="b"/>
+                      <a:r>
+                        <a:rPr lang="en-GB" sz="1100" b="0" i="0" u="none" strike="noStrike">
+                          <a:solidFill>
+                            <a:srgbClr val="000000"/>
+                          </a:solidFill>
+                          <a:effectLst/>
+                          <a:latin typeface="Calibri" panose="020F0502020204030204" pitchFamily="34" charset="0"/>
+                        </a:rPr>
+                        <a:t>316090</a:t>
+                      </a:r>
+                    </a:p>
+                  </a:txBody>
+                  <a:tcPr marL="9525" marR="9525" marT="9525" marB="0" anchor="b">
+                    <a:lnL>
+                      <a:noFill/>
+                    </a:lnL>
+                    <a:lnR>
+                      <a:noFill/>
+                    </a:lnR>
+                    <a:lnT w="6350" cap="flat" cmpd="sng" algn="ctr">
+                      <a:solidFill>
+                        <a:srgbClr val="000000"/>
+                      </a:solidFill>
+                      <a:prstDash val="solid"/>
+                      <a:round/>
+                      <a:headEnd type="none" w="med" len="med"/>
+                      <a:tailEnd type="none" w="med" len="med"/>
+                    </a:lnT>
+                    <a:lnB>
+                      <a:noFill/>
+                    </a:lnB>
+                    <a:solidFill>
+                      <a:srgbClr val="D9D9D9"/>
+                    </a:solidFill>
+                  </a:tcPr>
+                </a:tc>
+                <a:extLst>
+                  <a:ext uri="{0D108BD9-81ED-4DB2-BD59-A6C34878D82A}">
+                    <a16:rowId xmlns:a16="http://schemas.microsoft.com/office/drawing/2014/main" val="1399032415"/>
+                  </a:ext>
+                </a:extLst>
+              </a:tr>
+              <a:tr h="190500">
+                <a:tc>
+                  <a:txBody>
+                    <a:bodyPr/>
+                    <a:lstStyle/>
+                    <a:p>
+                      <a:pPr algn="l" fontAlgn="b"/>
+                      <a:r>
+                        <a:rPr lang="en-GB" sz="1100" b="0" i="0" u="none" strike="noStrike">
+                          <a:solidFill>
+                            <a:srgbClr val="000000"/>
+                          </a:solidFill>
+                          <a:effectLst/>
+                          <a:latin typeface="Calibri" panose="020F0502020204030204" pitchFamily="34" charset="0"/>
+                        </a:rPr>
+                        <a:t>0130_1447_2nd_sensor_airtoh2_2V</a:t>
+                      </a:r>
+                    </a:p>
+                  </a:txBody>
+                  <a:tcPr marL="9525" marR="9525" marT="9525" marB="0" anchor="b">
+                    <a:lnL>
+                      <a:noFill/>
+                    </a:lnL>
+                    <a:lnR>
+                      <a:noFill/>
+                    </a:lnR>
+                    <a:lnT>
+                      <a:noFill/>
+                    </a:lnT>
+                    <a:lnB>
+                      <a:noFill/>
+                    </a:lnB>
+                  </a:tcPr>
+                </a:tc>
+                <a:tc>
+                  <a:txBody>
+                    <a:bodyPr/>
+                    <a:lstStyle/>
+                    <a:p>
+                      <a:pPr algn="r" fontAlgn="b"/>
+                      <a:r>
+                        <a:rPr lang="en-GB" sz="1100" b="0" i="0" u="none" strike="noStrike">
+                          <a:solidFill>
+                            <a:srgbClr val="000000"/>
+                          </a:solidFill>
+                          <a:effectLst/>
+                          <a:latin typeface="Calibri" panose="020F0502020204030204" pitchFamily="34" charset="0"/>
+                        </a:rPr>
+                        <a:t>5.2</a:t>
+                      </a:r>
+                    </a:p>
+                  </a:txBody>
+                  <a:tcPr marL="9525" marR="9525" marT="9525" marB="0" anchor="b">
+                    <a:lnL>
+                      <a:noFill/>
+                    </a:lnL>
+                    <a:lnR>
+                      <a:noFill/>
+                    </a:lnR>
+                    <a:lnT>
+                      <a:noFill/>
+                    </a:lnT>
+                    <a:lnB>
+                      <a:noFill/>
+                    </a:lnB>
+                  </a:tcPr>
+                </a:tc>
+                <a:tc>
+                  <a:txBody>
+                    <a:bodyPr/>
+                    <a:lstStyle/>
+                    <a:p>
+                      <a:pPr algn="r" fontAlgn="b"/>
+                      <a:r>
+                        <a:rPr lang="en-GB" sz="1100" b="0" i="0" u="none" strike="noStrike">
+                          <a:solidFill>
+                            <a:srgbClr val="000000"/>
+                          </a:solidFill>
+                          <a:effectLst/>
+                          <a:latin typeface="Calibri" panose="020F0502020204030204" pitchFamily="34" charset="0"/>
+                        </a:rPr>
+                        <a:t>1000</a:t>
+                      </a:r>
+                    </a:p>
+                  </a:txBody>
+                  <a:tcPr marL="9525" marR="9525" marT="9525" marB="0" anchor="b">
+                    <a:lnL>
+                      <a:noFill/>
+                    </a:lnL>
+                    <a:lnR>
+                      <a:noFill/>
+                    </a:lnR>
+                    <a:lnT>
+                      <a:noFill/>
+                    </a:lnT>
+                    <a:lnB>
+                      <a:noFill/>
+                    </a:lnB>
+                  </a:tcPr>
+                </a:tc>
+                <a:tc>
+                  <a:txBody>
+                    <a:bodyPr/>
+                    <a:lstStyle/>
+                    <a:p>
+                      <a:pPr algn="r" fontAlgn="b"/>
+                      <a:r>
+                        <a:rPr lang="en-GB" sz="1100" b="0" i="0" u="none" strike="noStrike">
+                          <a:solidFill>
+                            <a:srgbClr val="000000"/>
+                          </a:solidFill>
+                          <a:effectLst/>
+                          <a:latin typeface="Calibri" panose="020F0502020204030204" pitchFamily="34" charset="0"/>
+                        </a:rPr>
+                        <a:t>0.2</a:t>
+                      </a:r>
+                    </a:p>
+                  </a:txBody>
+                  <a:tcPr marL="9525" marR="9525" marT="9525" marB="0" anchor="b">
+                    <a:lnL>
+                      <a:noFill/>
+                    </a:lnL>
+                    <a:lnR>
+                      <a:noFill/>
+                    </a:lnR>
+                    <a:lnT>
+                      <a:noFill/>
+                    </a:lnT>
+                    <a:lnB>
+                      <a:noFill/>
+                    </a:lnB>
+                  </a:tcPr>
+                </a:tc>
+                <a:tc>
+                  <a:txBody>
+                    <a:bodyPr/>
+                    <a:lstStyle/>
+                    <a:p>
+                      <a:pPr algn="l" fontAlgn="b"/>
+                      <a:r>
+                        <a:rPr lang="en-GB" sz="1100" b="0" i="0" u="none" strike="noStrike">
+                          <a:solidFill>
+                            <a:srgbClr val="000000"/>
+                          </a:solidFill>
+                          <a:effectLst/>
+                          <a:latin typeface="Calibri" panose="020F0502020204030204" pitchFamily="34" charset="0"/>
+                        </a:rPr>
+                        <a:t>H2</a:t>
+                      </a:r>
+                    </a:p>
+                  </a:txBody>
+                  <a:tcPr marL="9525" marR="9525" marT="9525" marB="0" anchor="b">
+                    <a:lnL>
+                      <a:noFill/>
+                    </a:lnL>
+                    <a:lnR>
+                      <a:noFill/>
+                    </a:lnR>
+                    <a:lnT>
+                      <a:noFill/>
+                    </a:lnT>
+                    <a:lnB>
+                      <a:noFill/>
+                    </a:lnB>
+                  </a:tcPr>
+                </a:tc>
+                <a:tc>
+                  <a:txBody>
+                    <a:bodyPr/>
+                    <a:lstStyle/>
+                    <a:p>
+                      <a:pPr algn="r" fontAlgn="b"/>
+                      <a:r>
+                        <a:rPr lang="en-GB" sz="1100" b="0" i="0" u="none" strike="noStrike">
+                          <a:solidFill>
+                            <a:srgbClr val="000000"/>
+                          </a:solidFill>
+                          <a:effectLst/>
+                          <a:latin typeface="Calibri" panose="020F0502020204030204" pitchFamily="34" charset="0"/>
+                        </a:rPr>
+                        <a:t>4.65E+04</a:t>
+                      </a:r>
+                    </a:p>
+                  </a:txBody>
+                  <a:tcPr marL="9525" marR="9525" marT="9525" marB="0" anchor="b">
+                    <a:lnL>
+                      <a:noFill/>
+                    </a:lnL>
+                    <a:lnR>
+                      <a:noFill/>
+                    </a:lnR>
+                    <a:lnT>
+                      <a:noFill/>
+                    </a:lnT>
+                    <a:lnB>
+                      <a:noFill/>
+                    </a:lnB>
+                  </a:tcPr>
+                </a:tc>
+                <a:tc>
+                  <a:txBody>
+                    <a:bodyPr/>
+                    <a:lstStyle/>
+                    <a:p>
+                      <a:pPr algn="r" fontAlgn="b"/>
+                      <a:r>
+                        <a:rPr lang="en-GB" sz="1100" b="0" i="0" u="none" strike="noStrike">
+                          <a:solidFill>
+                            <a:srgbClr val="000000"/>
+                          </a:solidFill>
+                          <a:effectLst/>
+                          <a:latin typeface="Calibri" panose="020F0502020204030204" pitchFamily="34" charset="0"/>
+                        </a:rPr>
+                        <a:t>1.28E+04</a:t>
+                      </a:r>
+                    </a:p>
+                  </a:txBody>
+                  <a:tcPr marL="9525" marR="9525" marT="9525" marB="0" anchor="b">
+                    <a:lnL>
+                      <a:noFill/>
+                    </a:lnL>
+                    <a:lnR>
+                      <a:noFill/>
+                    </a:lnR>
+                    <a:lnT>
+                      <a:noFill/>
+                    </a:lnT>
+                    <a:lnB>
+                      <a:noFill/>
+                    </a:lnB>
+                  </a:tcPr>
+                </a:tc>
+                <a:tc>
+                  <a:txBody>
+                    <a:bodyPr/>
+                    <a:lstStyle/>
+                    <a:p>
+                      <a:pPr algn="r" fontAlgn="b"/>
+                      <a:r>
+                        <a:rPr lang="en-GB" sz="1100" b="0" i="0" u="none" strike="noStrike">
+                          <a:solidFill>
+                            <a:srgbClr val="000000"/>
+                          </a:solidFill>
+                          <a:effectLst/>
+                          <a:latin typeface="Calibri" panose="020F0502020204030204" pitchFamily="34" charset="0"/>
+                        </a:rPr>
+                        <a:t>37.8127</a:t>
+                      </a:r>
+                    </a:p>
+                  </a:txBody>
+                  <a:tcPr marL="9525" marR="9525" marT="9525" marB="0" anchor="b">
+                    <a:lnL>
+                      <a:noFill/>
+                    </a:lnL>
+                    <a:lnR>
+                      <a:noFill/>
+                    </a:lnR>
+                    <a:lnT>
+                      <a:noFill/>
+                    </a:lnT>
+                    <a:lnB>
+                      <a:noFill/>
+                    </a:lnB>
+                  </a:tcPr>
+                </a:tc>
+                <a:tc>
+                  <a:txBody>
+                    <a:bodyPr/>
+                    <a:lstStyle/>
+                    <a:p>
+                      <a:pPr algn="r" fontAlgn="b"/>
+                      <a:r>
+                        <a:rPr lang="en-GB" sz="1100" b="0" i="0" u="none" strike="noStrike" dirty="0">
+                          <a:solidFill>
+                            <a:srgbClr val="000000"/>
+                          </a:solidFill>
+                          <a:effectLst/>
+                          <a:latin typeface="Calibri" panose="020F0502020204030204" pitchFamily="34" charset="0"/>
+                        </a:rPr>
+                        <a:t>24572.1</a:t>
+                      </a:r>
+                    </a:p>
+                  </a:txBody>
+                  <a:tcPr marL="9525" marR="9525" marT="9525" marB="0" anchor="b">
+                    <a:lnL>
+                      <a:noFill/>
+                    </a:lnL>
+                    <a:lnR>
+                      <a:noFill/>
+                    </a:lnR>
+                    <a:lnT>
+                      <a:noFill/>
+                    </a:lnT>
+                    <a:lnB>
+                      <a:noFill/>
+                    </a:lnB>
+                  </a:tcPr>
+                </a:tc>
+                <a:extLst>
+                  <a:ext uri="{0D108BD9-81ED-4DB2-BD59-A6C34878D82A}">
+                    <a16:rowId xmlns:a16="http://schemas.microsoft.com/office/drawing/2014/main" val="4048835269"/>
+                  </a:ext>
+                </a:extLst>
+              </a:tr>
+            </a:tbl>
+          </a:graphicData>
+        </a:graphic>
+      </p:graphicFrame>
+    </p:spTree>
+    <p:extLst>
+      <p:ext uri="{BB962C8B-B14F-4D97-AF65-F5344CB8AC3E}">
+        <p14:creationId xmlns:p14="http://schemas.microsoft.com/office/powerpoint/2010/main" val="729928883"/>
       </p:ext>
     </p:extLst>
   </p:cSld>
